--- a/DIA05/Práticas DevOps com Docker e Monitoramento do Ambiente.pptx
+++ b/DIA05/Práticas DevOps com Docker e Monitoramento do Ambiente.pptx
@@ -1,29 +1,29 @@
 
 <file path=ppt/presentation.xml><?xml version="1.0" encoding="utf-8"?>
-<p:presentation xmlns:a="http://schemas.openxmlformats.org/drawingml/2006/main" xmlns:r="http://schemas.openxmlformats.org/officeDocument/2006/relationships" xmlns:mc="http://schemas.openxmlformats.org/markup-compatibility/2006" xmlns:mv="urn:schemas-microsoft-com:mac:vml" xmlns:p="http://schemas.openxmlformats.org/presentationml/2006/main" xmlns:c="http://schemas.openxmlformats.org/drawingml/2006/chart" xmlns:dgm="http://schemas.openxmlformats.org/drawingml/2006/diagram" xmlns:o="urn:schemas-microsoft-com:office:office" xmlns:v="urn:schemas-microsoft-com:vml" xmlns:pvml="urn:schemas-microsoft-com:office:powerpoint" xmlns:com="http://schemas.openxmlformats.org/drawingml/2006/compatibility" xmlns:p14="http://schemas.microsoft.com/office/powerpoint/2010/main" xmlns:p15="http://schemas.microsoft.com/office/powerpoint/2012/main" xmlns:ahyp="http://schemas.microsoft.com/office/drawing/2018/hyperlinkcolor" autoCompressPictures="0" strictFirstAndLastChars="0" saveSubsetFonts="1">
+<p:presentation xmlns:a="http://schemas.openxmlformats.org/drawingml/2006/main" xmlns:r="http://schemas.openxmlformats.org/officeDocument/2006/relationships" xmlns:p="http://schemas.openxmlformats.org/presentationml/2006/main" strictFirstAndLastChars="0" saveSubsetFonts="1" autoCompressPictures="0">
   <p:sldMasterIdLst>
-    <p:sldMasterId id="2147483648" r:id="rId4"/>
+    <p:sldMasterId id="2147483648" r:id="rId1"/>
   </p:sldMasterIdLst>
   <p:notesMasterIdLst>
-    <p:notesMasterId r:id="rId5"/>
+    <p:notesMasterId r:id="rId13"/>
   </p:notesMasterIdLst>
   <p:sldIdLst>
-    <p:sldId id="256" r:id="rId6"/>
-    <p:sldId id="257" r:id="rId7"/>
-    <p:sldId id="258" r:id="rId8"/>
-    <p:sldId id="259" r:id="rId9"/>
-    <p:sldId id="260" r:id="rId10"/>
-    <p:sldId id="261" r:id="rId11"/>
-    <p:sldId id="262" r:id="rId12"/>
-    <p:sldId id="263" r:id="rId13"/>
-    <p:sldId id="264" r:id="rId14"/>
-    <p:sldId id="265" r:id="rId15"/>
-    <p:sldId id="266" r:id="rId16"/>
+    <p:sldId id="256" r:id="rId2"/>
+    <p:sldId id="257" r:id="rId3"/>
+    <p:sldId id="258" r:id="rId4"/>
+    <p:sldId id="259" r:id="rId5"/>
+    <p:sldId id="260" r:id="rId6"/>
+    <p:sldId id="261" r:id="rId7"/>
+    <p:sldId id="262" r:id="rId8"/>
+    <p:sldId id="263" r:id="rId9"/>
+    <p:sldId id="264" r:id="rId10"/>
+    <p:sldId id="265" r:id="rId11"/>
+    <p:sldId id="266" r:id="rId12"/>
   </p:sldIdLst>
-  <p:sldSz cy="5143500" cx="9144000"/>
+  <p:sldSz cx="9144000" cy="5143500" type="screen16x9"/>
   <p:notesSz cx="6858000" cy="9144000"/>
   <p:defaultTextStyle>
-    <a:defPPr lvl="0" marR="0" rtl="0" algn="l">
+    <a:defPPr marR="0" lvl="0" algn="l" rtl="0">
       <a:lnSpc>
         <a:spcPct val="100000"/>
       </a:lnSpc>
@@ -34,7 +34,7 @@
         <a:spcPts val="0"/>
       </a:spcAft>
     </a:defPPr>
-    <a:lvl1pPr lvl="0" marR="0" rtl="0" algn="l">
+    <a:lvl1pPr marR="0" lvl="0" algn="l" rtl="0">
       <a:lnSpc>
         <a:spcPct val="100000"/>
       </a:lnSpc>
@@ -48,7 +48,7 @@
         <a:srgbClr val="000000"/>
       </a:buClr>
       <a:buFont typeface="Arial"/>
-      <a:defRPr b="0" i="0" sz="1400" u="none" cap="none" strike="noStrike">
+      <a:defRPr sz="1400" b="0" i="0" u="none" strike="noStrike" cap="none">
         <a:solidFill>
           <a:srgbClr val="000000"/>
         </a:solidFill>
@@ -58,7 +58,7 @@
         <a:sym typeface="Arial"/>
       </a:defRPr>
     </a:lvl1pPr>
-    <a:lvl2pPr lvl="1" marR="0" rtl="0" algn="l">
+    <a:lvl2pPr marR="0" lvl="1" algn="l" rtl="0">
       <a:lnSpc>
         <a:spcPct val="100000"/>
       </a:lnSpc>
@@ -72,7 +72,7 @@
         <a:srgbClr val="000000"/>
       </a:buClr>
       <a:buFont typeface="Arial"/>
-      <a:defRPr b="0" i="0" sz="1400" u="none" cap="none" strike="noStrike">
+      <a:defRPr sz="1400" b="0" i="0" u="none" strike="noStrike" cap="none">
         <a:solidFill>
           <a:srgbClr val="000000"/>
         </a:solidFill>
@@ -82,7 +82,7 @@
         <a:sym typeface="Arial"/>
       </a:defRPr>
     </a:lvl2pPr>
-    <a:lvl3pPr lvl="2" marR="0" rtl="0" algn="l">
+    <a:lvl3pPr marR="0" lvl="2" algn="l" rtl="0">
       <a:lnSpc>
         <a:spcPct val="100000"/>
       </a:lnSpc>
@@ -96,7 +96,7 @@
         <a:srgbClr val="000000"/>
       </a:buClr>
       <a:buFont typeface="Arial"/>
-      <a:defRPr b="0" i="0" sz="1400" u="none" cap="none" strike="noStrike">
+      <a:defRPr sz="1400" b="0" i="0" u="none" strike="noStrike" cap="none">
         <a:solidFill>
           <a:srgbClr val="000000"/>
         </a:solidFill>
@@ -106,7 +106,7 @@
         <a:sym typeface="Arial"/>
       </a:defRPr>
     </a:lvl3pPr>
-    <a:lvl4pPr lvl="3" marR="0" rtl="0" algn="l">
+    <a:lvl4pPr marR="0" lvl="3" algn="l" rtl="0">
       <a:lnSpc>
         <a:spcPct val="100000"/>
       </a:lnSpc>
@@ -120,7 +120,7 @@
         <a:srgbClr val="000000"/>
       </a:buClr>
       <a:buFont typeface="Arial"/>
-      <a:defRPr b="0" i="0" sz="1400" u="none" cap="none" strike="noStrike">
+      <a:defRPr sz="1400" b="0" i="0" u="none" strike="noStrike" cap="none">
         <a:solidFill>
           <a:srgbClr val="000000"/>
         </a:solidFill>
@@ -130,7 +130,7 @@
         <a:sym typeface="Arial"/>
       </a:defRPr>
     </a:lvl4pPr>
-    <a:lvl5pPr lvl="4" marR="0" rtl="0" algn="l">
+    <a:lvl5pPr marR="0" lvl="4" algn="l" rtl="0">
       <a:lnSpc>
         <a:spcPct val="100000"/>
       </a:lnSpc>
@@ -144,7 +144,7 @@
         <a:srgbClr val="000000"/>
       </a:buClr>
       <a:buFont typeface="Arial"/>
-      <a:defRPr b="0" i="0" sz="1400" u="none" cap="none" strike="noStrike">
+      <a:defRPr sz="1400" b="0" i="0" u="none" strike="noStrike" cap="none">
         <a:solidFill>
           <a:srgbClr val="000000"/>
         </a:solidFill>
@@ -154,7 +154,7 @@
         <a:sym typeface="Arial"/>
       </a:defRPr>
     </a:lvl5pPr>
-    <a:lvl6pPr lvl="5" marR="0" rtl="0" algn="l">
+    <a:lvl6pPr marR="0" lvl="5" algn="l" rtl="0">
       <a:lnSpc>
         <a:spcPct val="100000"/>
       </a:lnSpc>
@@ -168,7 +168,7 @@
         <a:srgbClr val="000000"/>
       </a:buClr>
       <a:buFont typeface="Arial"/>
-      <a:defRPr b="0" i="0" sz="1400" u="none" cap="none" strike="noStrike">
+      <a:defRPr sz="1400" b="0" i="0" u="none" strike="noStrike" cap="none">
         <a:solidFill>
           <a:srgbClr val="000000"/>
         </a:solidFill>
@@ -178,7 +178,7 @@
         <a:sym typeface="Arial"/>
       </a:defRPr>
     </a:lvl6pPr>
-    <a:lvl7pPr lvl="6" marR="0" rtl="0" algn="l">
+    <a:lvl7pPr marR="0" lvl="6" algn="l" rtl="0">
       <a:lnSpc>
         <a:spcPct val="100000"/>
       </a:lnSpc>
@@ -192,7 +192,7 @@
         <a:srgbClr val="000000"/>
       </a:buClr>
       <a:buFont typeface="Arial"/>
-      <a:defRPr b="0" i="0" sz="1400" u="none" cap="none" strike="noStrike">
+      <a:defRPr sz="1400" b="0" i="0" u="none" strike="noStrike" cap="none">
         <a:solidFill>
           <a:srgbClr val="000000"/>
         </a:solidFill>
@@ -202,7 +202,7 @@
         <a:sym typeface="Arial"/>
       </a:defRPr>
     </a:lvl7pPr>
-    <a:lvl8pPr lvl="7" marR="0" rtl="0" algn="l">
+    <a:lvl8pPr marR="0" lvl="7" algn="l" rtl="0">
       <a:lnSpc>
         <a:spcPct val="100000"/>
       </a:lnSpc>
@@ -216,7 +216,7 @@
         <a:srgbClr val="000000"/>
       </a:buClr>
       <a:buFont typeface="Arial"/>
-      <a:defRPr b="0" i="0" sz="1400" u="none" cap="none" strike="noStrike">
+      <a:defRPr sz="1400" b="0" i="0" u="none" strike="noStrike" cap="none">
         <a:solidFill>
           <a:srgbClr val="000000"/>
         </a:solidFill>
@@ -226,7 +226,7 @@
         <a:sym typeface="Arial"/>
       </a:defRPr>
     </a:lvl8pPr>
-    <a:lvl9pPr lvl="8" marR="0" rtl="0" algn="l">
+    <a:lvl9pPr marR="0" lvl="8" algn="l" rtl="0">
       <a:lnSpc>
         <a:spcPct val="100000"/>
       </a:lnSpc>
@@ -240,7 +240,7 @@
         <a:srgbClr val="000000"/>
       </a:buClr>
       <a:buFont typeface="Arial"/>
-      <a:defRPr b="0" i="0" sz="1400" u="none" cap="none" strike="noStrike">
+      <a:defRPr sz="1400" b="0" i="0" u="none" strike="noStrike" cap="none">
         <a:solidFill>
           <a:srgbClr val="000000"/>
         </a:solidFill>
@@ -253,7 +253,7 @@
   </p:defaultTextStyle>
   <p:extLst>
     <p:ext uri="{EFAFB233-063F-42B5-8137-9DF3F51BA10A}">
-      <p15:sldGuideLst>
+      <p15:sldGuideLst xmlns:p15="http://schemas.microsoft.com/office/powerpoint/2012/main">
         <p15:guide id="1" orient="horz" pos="1620">
           <p15:clr>
             <a:srgbClr val="A4A3A4"/>
@@ -267,18 +267,23 @@
       </p15:sldGuideLst>
     </p:ext>
     <p:ext uri="http://customooxmlschemas.google.com/">
-      <go:slidesCustomData xmlns:go="http://customooxmlschemas.google.com/" r:id="rId17" roundtripDataSignature="AMtx7mgxKKRbGsPDrvXcTHBL3z5IbaLJig=="/>
+      <go:slidesCustomData xmlns:go="http://customooxmlschemas.google.com/" xmlns:ahyp="http://schemas.microsoft.com/office/drawing/2018/hyperlinkcolor" xmlns:p15="http://schemas.microsoft.com/office/powerpoint/2012/main" xmlns:p14="http://schemas.microsoft.com/office/powerpoint/2010/main" xmlns:com="http://schemas.openxmlformats.org/drawingml/2006/compatibility" xmlns:pvml="urn:schemas-microsoft-com:office:powerpoint" xmlns:v="urn:schemas-microsoft-com:vml" xmlns:o="urn:schemas-microsoft-com:office:office" xmlns:dgm="http://schemas.openxmlformats.org/drawingml/2006/diagram" xmlns:c="http://schemas.openxmlformats.org/drawingml/2006/chart" xmlns:mv="urn:schemas-microsoft-com:mac:vml" xmlns:mc="http://schemas.openxmlformats.org/markup-compatibility/2006" xmlns="" r:id="rId17" roundtripDataSignature="AMtx7mgxKKRbGsPDrvXcTHBL3z5IbaLJig=="/>
     </p:ext>
   </p:extLst>
 </p:presentation>
 </file>
 
 <file path=ppt/notesMasters/notesMaster1.xml><?xml version="1.0" encoding="utf-8"?>
-<p:notesMaster xmlns:a="http://schemas.openxmlformats.org/drawingml/2006/main" xmlns:r="http://schemas.openxmlformats.org/officeDocument/2006/relationships" xmlns:mc="http://schemas.openxmlformats.org/markup-compatibility/2006" xmlns:mv="urn:schemas-microsoft-com:mac:vml" xmlns:p="http://schemas.openxmlformats.org/presentationml/2006/main" xmlns:c="http://schemas.openxmlformats.org/drawingml/2006/chart" xmlns:dgm="http://schemas.openxmlformats.org/drawingml/2006/diagram" xmlns:o="urn:schemas-microsoft-com:office:office" xmlns:v="urn:schemas-microsoft-com:vml" xmlns:pvml="urn:schemas-microsoft-com:office:powerpoint" xmlns:com="http://schemas.openxmlformats.org/drawingml/2006/compatibility" xmlns:p14="http://schemas.microsoft.com/office/powerpoint/2010/main" xmlns:p15="http://schemas.microsoft.com/office/powerpoint/2012/main" xmlns:ahyp="http://schemas.microsoft.com/office/drawing/2018/hyperlinkcolor">
+<p:notesMaster xmlns:a="http://schemas.openxmlformats.org/drawingml/2006/main" xmlns:r="http://schemas.openxmlformats.org/officeDocument/2006/relationships" xmlns:p="http://schemas.openxmlformats.org/presentationml/2006/main">
   <p:cSld>
+    <p:bg>
+      <p:bgRef idx="1001">
+        <a:schemeClr val="bg1"/>
+      </p:bgRef>
+    </p:bg>
     <p:spTree>
       <p:nvGrpSpPr>
-        <p:cNvPr id="2" name="Shape 2"/>
+        <p:cNvPr id="1" name="Shape 2"/>
         <p:cNvGrpSpPr/>
         <p:nvPr/>
       </p:nvGrpSpPr>
@@ -293,9 +298,11 @@
       <p:sp>
         <p:nvSpPr>
           <p:cNvPr id="3" name="Google Shape;3;n"/>
-          <p:cNvSpPr/>
+          <p:cNvSpPr>
+            <a:spLocks noGrp="1" noRot="1" noChangeAspect="1"/>
+          </p:cNvSpPr>
           <p:nvPr>
-            <p:ph idx="2" type="sldImg"/>
+            <p:ph type="sldImg" idx="2"/>
           </p:nvPr>
         </p:nvSpPr>
         <p:spPr>
@@ -304,9 +311,13 @@
             <a:ext cx="6096075" cy="3429000"/>
           </a:xfrm>
           <a:custGeom>
-            <a:rect b="b" l="l" r="r" t="t"/>
+            <a:avLst/>
+            <a:gdLst/>
+            <a:ahLst/>
+            <a:cxnLst/>
+            <a:rect l="l" t="t" r="r" b="b"/>
             <a:pathLst>
-              <a:path extrusionOk="0" h="120000" w="120000">
+              <a:path w="120000" h="120000" extrusionOk="0">
                 <a:moveTo>
                   <a:pt x="0" y="0"/>
                 </a:moveTo>
@@ -324,23 +335,25 @@
             </a:pathLst>
           </a:custGeom>
           <a:noFill/>
-          <a:ln cap="flat" cmpd="sng" w="9525">
+          <a:ln w="9525" cap="flat" cmpd="sng">
             <a:solidFill>
               <a:srgbClr val="000000"/>
             </a:solidFill>
             <a:prstDash val="solid"/>
             <a:round/>
-            <a:headEnd len="sm" w="sm" type="none"/>
-            <a:tailEnd len="sm" w="sm" type="none"/>
+            <a:headEnd type="none" w="sm" len="sm"/>
+            <a:tailEnd type="none" w="sm" len="sm"/>
           </a:ln>
         </p:spPr>
       </p:sp>
       <p:sp>
         <p:nvSpPr>
           <p:cNvPr id="4" name="Google Shape;4;n"/>
-          <p:cNvSpPr txBox="1"/>
+          <p:cNvSpPr txBox="1">
+            <a:spLocks noGrp="1"/>
+          </p:cNvSpPr>
           <p:nvPr>
-            <p:ph idx="1" type="body"/>
+            <p:ph type="body" idx="1"/>
           </p:nvPr>
         </p:nvSpPr>
         <p:spPr>
@@ -357,11 +370,11 @@
           </a:ln>
         </p:spPr>
         <p:txBody>
-          <a:bodyPr anchorCtr="0" anchor="t" bIns="91425" lIns="91425" spcFirstLastPara="1" rIns="91425" wrap="square" tIns="91425">
+          <a:bodyPr spcFirstLastPara="1" wrap="square" lIns="91425" tIns="91425" rIns="91425" bIns="91425" anchor="t" anchorCtr="0">
             <a:noAutofit/>
           </a:bodyPr>
           <a:lstStyle>
-            <a:lvl1pPr indent="-298450" lvl="0" marL="457200" marR="0" rtl="0" algn="l">
+            <a:lvl1pPr marL="457200" marR="0" lvl="0" indent="-298450" algn="l" rtl="0">
               <a:lnSpc>
                 <a:spcPct val="100000"/>
               </a:lnSpc>
@@ -377,7 +390,7 @@
               <a:buSzPts val="1100"/>
               <a:buFont typeface="Arial"/>
               <a:buChar char="●"/>
-              <a:defRPr b="0" i="0" sz="1100" u="none" cap="none" strike="noStrike">
+              <a:defRPr sz="1100" b="0" i="0" u="none" strike="noStrike" cap="none">
                 <a:solidFill>
                   <a:srgbClr val="000000"/>
                 </a:solidFill>
@@ -387,7 +400,7 @@
                 <a:sym typeface="Arial"/>
               </a:defRPr>
             </a:lvl1pPr>
-            <a:lvl2pPr indent="-298450" lvl="1" marL="914400" marR="0" rtl="0" algn="l">
+            <a:lvl2pPr marL="914400" marR="0" lvl="1" indent="-298450" algn="l" rtl="0">
               <a:lnSpc>
                 <a:spcPct val="100000"/>
               </a:lnSpc>
@@ -403,7 +416,7 @@
               <a:buSzPts val="1100"/>
               <a:buFont typeface="Arial"/>
               <a:buChar char="○"/>
-              <a:defRPr b="0" i="0" sz="1100" u="none" cap="none" strike="noStrike">
+              <a:defRPr sz="1100" b="0" i="0" u="none" strike="noStrike" cap="none">
                 <a:solidFill>
                   <a:srgbClr val="000000"/>
                 </a:solidFill>
@@ -413,7 +426,7 @@
                 <a:sym typeface="Arial"/>
               </a:defRPr>
             </a:lvl2pPr>
-            <a:lvl3pPr indent="-298450" lvl="2" marL="1371600" marR="0" rtl="0" algn="l">
+            <a:lvl3pPr marL="1371600" marR="0" lvl="2" indent="-298450" algn="l" rtl="0">
               <a:lnSpc>
                 <a:spcPct val="100000"/>
               </a:lnSpc>
@@ -429,7 +442,7 @@
               <a:buSzPts val="1100"/>
               <a:buFont typeface="Arial"/>
               <a:buChar char="■"/>
-              <a:defRPr b="0" i="0" sz="1100" u="none" cap="none" strike="noStrike">
+              <a:defRPr sz="1100" b="0" i="0" u="none" strike="noStrike" cap="none">
                 <a:solidFill>
                   <a:srgbClr val="000000"/>
                 </a:solidFill>
@@ -439,7 +452,7 @@
                 <a:sym typeface="Arial"/>
               </a:defRPr>
             </a:lvl3pPr>
-            <a:lvl4pPr indent="-298450" lvl="3" marL="1828800" marR="0" rtl="0" algn="l">
+            <a:lvl4pPr marL="1828800" marR="0" lvl="3" indent="-298450" algn="l" rtl="0">
               <a:lnSpc>
                 <a:spcPct val="100000"/>
               </a:lnSpc>
@@ -455,7 +468,7 @@
               <a:buSzPts val="1100"/>
               <a:buFont typeface="Arial"/>
               <a:buChar char="●"/>
-              <a:defRPr b="0" i="0" sz="1100" u="none" cap="none" strike="noStrike">
+              <a:defRPr sz="1100" b="0" i="0" u="none" strike="noStrike" cap="none">
                 <a:solidFill>
                   <a:srgbClr val="000000"/>
                 </a:solidFill>
@@ -465,7 +478,7 @@
                 <a:sym typeface="Arial"/>
               </a:defRPr>
             </a:lvl4pPr>
-            <a:lvl5pPr indent="-298450" lvl="4" marL="2286000" marR="0" rtl="0" algn="l">
+            <a:lvl5pPr marL="2286000" marR="0" lvl="4" indent="-298450" algn="l" rtl="0">
               <a:lnSpc>
                 <a:spcPct val="100000"/>
               </a:lnSpc>
@@ -481,7 +494,7 @@
               <a:buSzPts val="1100"/>
               <a:buFont typeface="Arial"/>
               <a:buChar char="○"/>
-              <a:defRPr b="0" i="0" sz="1100" u="none" cap="none" strike="noStrike">
+              <a:defRPr sz="1100" b="0" i="0" u="none" strike="noStrike" cap="none">
                 <a:solidFill>
                   <a:srgbClr val="000000"/>
                 </a:solidFill>
@@ -491,7 +504,7 @@
                 <a:sym typeface="Arial"/>
               </a:defRPr>
             </a:lvl5pPr>
-            <a:lvl6pPr indent="-298450" lvl="5" marL="2743200" marR="0" rtl="0" algn="l">
+            <a:lvl6pPr marL="2743200" marR="0" lvl="5" indent="-298450" algn="l" rtl="0">
               <a:lnSpc>
                 <a:spcPct val="100000"/>
               </a:lnSpc>
@@ -507,7 +520,7 @@
               <a:buSzPts val="1100"/>
               <a:buFont typeface="Arial"/>
               <a:buChar char="■"/>
-              <a:defRPr b="0" i="0" sz="1100" u="none" cap="none" strike="noStrike">
+              <a:defRPr sz="1100" b="0" i="0" u="none" strike="noStrike" cap="none">
                 <a:solidFill>
                   <a:srgbClr val="000000"/>
                 </a:solidFill>
@@ -517,7 +530,7 @@
                 <a:sym typeface="Arial"/>
               </a:defRPr>
             </a:lvl6pPr>
-            <a:lvl7pPr indent="-298450" lvl="6" marL="3200400" marR="0" rtl="0" algn="l">
+            <a:lvl7pPr marL="3200400" marR="0" lvl="6" indent="-298450" algn="l" rtl="0">
               <a:lnSpc>
                 <a:spcPct val="100000"/>
               </a:lnSpc>
@@ -533,7 +546,7 @@
               <a:buSzPts val="1100"/>
               <a:buFont typeface="Arial"/>
               <a:buChar char="●"/>
-              <a:defRPr b="0" i="0" sz="1100" u="none" cap="none" strike="noStrike">
+              <a:defRPr sz="1100" b="0" i="0" u="none" strike="noStrike" cap="none">
                 <a:solidFill>
                   <a:srgbClr val="000000"/>
                 </a:solidFill>
@@ -543,7 +556,7 @@
                 <a:sym typeface="Arial"/>
               </a:defRPr>
             </a:lvl7pPr>
-            <a:lvl8pPr indent="-298450" lvl="7" marL="3657600" marR="0" rtl="0" algn="l">
+            <a:lvl8pPr marL="3657600" marR="0" lvl="7" indent="-298450" algn="l" rtl="0">
               <a:lnSpc>
                 <a:spcPct val="100000"/>
               </a:lnSpc>
@@ -559,7 +572,7 @@
               <a:buSzPts val="1100"/>
               <a:buFont typeface="Arial"/>
               <a:buChar char="○"/>
-              <a:defRPr b="0" i="0" sz="1100" u="none" cap="none" strike="noStrike">
+              <a:defRPr sz="1100" b="0" i="0" u="none" strike="noStrike" cap="none">
                 <a:solidFill>
                   <a:srgbClr val="000000"/>
                 </a:solidFill>
@@ -569,7 +582,7 @@
                 <a:sym typeface="Arial"/>
               </a:defRPr>
             </a:lvl8pPr>
-            <a:lvl9pPr indent="-298450" lvl="8" marL="4114800" marR="0" rtl="0" algn="l">
+            <a:lvl9pPr marL="4114800" marR="0" lvl="8" indent="-298450" algn="l" rtl="0">
               <a:lnSpc>
                 <a:spcPct val="100000"/>
               </a:lnSpc>
@@ -585,7 +598,7 @@
               <a:buSzPts val="1100"/>
               <a:buFont typeface="Arial"/>
               <a:buChar char="■"/>
-              <a:defRPr b="0" i="0" sz="1100" u="none" cap="none" strike="noStrike">
+              <a:defRPr sz="1100" b="0" i="0" u="none" strike="noStrike" cap="none">
                 <a:solidFill>
                   <a:srgbClr val="000000"/>
                 </a:solidFill>
@@ -596,14 +609,16 @@
               </a:defRPr>
             </a:lvl9pPr>
           </a:lstStyle>
-          <a:p/>
+          <a:p>
+            <a:endParaRPr/>
+          </a:p>
         </p:txBody>
       </p:sp>
     </p:spTree>
   </p:cSld>
-  <p:clrMap accent1="accent1" accent2="accent2" accent3="accent3" accent4="accent4" accent5="accent5" accent6="accent6" bg1="lt1" bg2="dk2" tx1="dk1" tx2="lt2" folHlink="folHlink" hlink="hlink"/>
+  <p:clrMap bg1="lt1" tx1="dk1" bg2="dk2" tx2="lt2" accent1="accent1" accent2="accent2" accent3="accent3" accent4="accent4" accent5="accent5" accent6="accent6" hlink="hlink" folHlink="folHlink"/>
   <p:notesStyle>
-    <a:defPPr lvl="0" marR="0" rtl="0" algn="l">
+    <a:defPPr marR="0" lvl="0" algn="l" rtl="0">
       <a:lnSpc>
         <a:spcPct val="100000"/>
       </a:lnSpc>
@@ -614,7 +629,7 @@
         <a:spcPts val="0"/>
       </a:spcAft>
     </a:defPPr>
-    <a:lvl1pPr lvl="0" marR="0" rtl="0" algn="l">
+    <a:lvl1pPr marR="0" lvl="0" algn="l" rtl="0">
       <a:lnSpc>
         <a:spcPct val="100000"/>
       </a:lnSpc>
@@ -628,7 +643,7 @@
         <a:srgbClr val="000000"/>
       </a:buClr>
       <a:buFont typeface="Arial"/>
-      <a:defRPr b="0" i="0" sz="1400" u="none" cap="none" strike="noStrike">
+      <a:defRPr sz="1400" b="0" i="0" u="none" strike="noStrike" cap="none">
         <a:solidFill>
           <a:srgbClr val="000000"/>
         </a:solidFill>
@@ -638,7 +653,7 @@
         <a:sym typeface="Arial"/>
       </a:defRPr>
     </a:lvl1pPr>
-    <a:lvl2pPr lvl="1" marR="0" rtl="0" algn="l">
+    <a:lvl2pPr marR="0" lvl="1" algn="l" rtl="0">
       <a:lnSpc>
         <a:spcPct val="100000"/>
       </a:lnSpc>
@@ -652,7 +667,7 @@
         <a:srgbClr val="000000"/>
       </a:buClr>
       <a:buFont typeface="Arial"/>
-      <a:defRPr b="0" i="0" sz="1400" u="none" cap="none" strike="noStrike">
+      <a:defRPr sz="1400" b="0" i="0" u="none" strike="noStrike" cap="none">
         <a:solidFill>
           <a:srgbClr val="000000"/>
         </a:solidFill>
@@ -662,7 +677,7 @@
         <a:sym typeface="Arial"/>
       </a:defRPr>
     </a:lvl2pPr>
-    <a:lvl3pPr lvl="2" marR="0" rtl="0" algn="l">
+    <a:lvl3pPr marR="0" lvl="2" algn="l" rtl="0">
       <a:lnSpc>
         <a:spcPct val="100000"/>
       </a:lnSpc>
@@ -676,7 +691,7 @@
         <a:srgbClr val="000000"/>
       </a:buClr>
       <a:buFont typeface="Arial"/>
-      <a:defRPr b="0" i="0" sz="1400" u="none" cap="none" strike="noStrike">
+      <a:defRPr sz="1400" b="0" i="0" u="none" strike="noStrike" cap="none">
         <a:solidFill>
           <a:srgbClr val="000000"/>
         </a:solidFill>
@@ -686,7 +701,7 @@
         <a:sym typeface="Arial"/>
       </a:defRPr>
     </a:lvl3pPr>
-    <a:lvl4pPr lvl="3" marR="0" rtl="0" algn="l">
+    <a:lvl4pPr marR="0" lvl="3" algn="l" rtl="0">
       <a:lnSpc>
         <a:spcPct val="100000"/>
       </a:lnSpc>
@@ -700,7 +715,7 @@
         <a:srgbClr val="000000"/>
       </a:buClr>
       <a:buFont typeface="Arial"/>
-      <a:defRPr b="0" i="0" sz="1400" u="none" cap="none" strike="noStrike">
+      <a:defRPr sz="1400" b="0" i="0" u="none" strike="noStrike" cap="none">
         <a:solidFill>
           <a:srgbClr val="000000"/>
         </a:solidFill>
@@ -710,7 +725,7 @@
         <a:sym typeface="Arial"/>
       </a:defRPr>
     </a:lvl4pPr>
-    <a:lvl5pPr lvl="4" marR="0" rtl="0" algn="l">
+    <a:lvl5pPr marR="0" lvl="4" algn="l" rtl="0">
       <a:lnSpc>
         <a:spcPct val="100000"/>
       </a:lnSpc>
@@ -724,7 +739,7 @@
         <a:srgbClr val="000000"/>
       </a:buClr>
       <a:buFont typeface="Arial"/>
-      <a:defRPr b="0" i="0" sz="1400" u="none" cap="none" strike="noStrike">
+      <a:defRPr sz="1400" b="0" i="0" u="none" strike="noStrike" cap="none">
         <a:solidFill>
           <a:srgbClr val="000000"/>
         </a:solidFill>
@@ -734,7 +749,7 @@
         <a:sym typeface="Arial"/>
       </a:defRPr>
     </a:lvl5pPr>
-    <a:lvl6pPr lvl="5" marR="0" rtl="0" algn="l">
+    <a:lvl6pPr marR="0" lvl="5" algn="l" rtl="0">
       <a:lnSpc>
         <a:spcPct val="100000"/>
       </a:lnSpc>
@@ -748,7 +763,7 @@
         <a:srgbClr val="000000"/>
       </a:buClr>
       <a:buFont typeface="Arial"/>
-      <a:defRPr b="0" i="0" sz="1400" u="none" cap="none" strike="noStrike">
+      <a:defRPr sz="1400" b="0" i="0" u="none" strike="noStrike" cap="none">
         <a:solidFill>
           <a:srgbClr val="000000"/>
         </a:solidFill>
@@ -758,7 +773,7 @@
         <a:sym typeface="Arial"/>
       </a:defRPr>
     </a:lvl6pPr>
-    <a:lvl7pPr lvl="6" marR="0" rtl="0" algn="l">
+    <a:lvl7pPr marR="0" lvl="6" algn="l" rtl="0">
       <a:lnSpc>
         <a:spcPct val="100000"/>
       </a:lnSpc>
@@ -772,7 +787,7 @@
         <a:srgbClr val="000000"/>
       </a:buClr>
       <a:buFont typeface="Arial"/>
-      <a:defRPr b="0" i="0" sz="1400" u="none" cap="none" strike="noStrike">
+      <a:defRPr sz="1400" b="0" i="0" u="none" strike="noStrike" cap="none">
         <a:solidFill>
           <a:srgbClr val="000000"/>
         </a:solidFill>
@@ -782,7 +797,7 @@
         <a:sym typeface="Arial"/>
       </a:defRPr>
     </a:lvl7pPr>
-    <a:lvl8pPr lvl="7" marR="0" rtl="0" algn="l">
+    <a:lvl8pPr marR="0" lvl="7" algn="l" rtl="0">
       <a:lnSpc>
         <a:spcPct val="100000"/>
       </a:lnSpc>
@@ -796,7 +811,7 @@
         <a:srgbClr val="000000"/>
       </a:buClr>
       <a:buFont typeface="Arial"/>
-      <a:defRPr b="0" i="0" sz="1400" u="none" cap="none" strike="noStrike">
+      <a:defRPr sz="1400" b="0" i="0" u="none" strike="noStrike" cap="none">
         <a:solidFill>
           <a:srgbClr val="000000"/>
         </a:solidFill>
@@ -806,7 +821,7 @@
         <a:sym typeface="Arial"/>
       </a:defRPr>
     </a:lvl8pPr>
-    <a:lvl9pPr lvl="8" marR="0" rtl="0" algn="l">
+    <a:lvl9pPr marR="0" lvl="8" algn="l" rtl="0">
       <a:lnSpc>
         <a:spcPct val="100000"/>
       </a:lnSpc>
@@ -820,7 +835,7 @@
         <a:srgbClr val="000000"/>
       </a:buClr>
       <a:buFont typeface="Arial"/>
-      <a:defRPr b="0" i="0" sz="1400" u="none" cap="none" strike="noStrike">
+      <a:defRPr sz="1400" b="0" i="0" u="none" strike="noStrike" cap="none">
         <a:solidFill>
           <a:srgbClr val="000000"/>
         </a:solidFill>
@@ -835,11 +850,11 @@
 </file>
 
 <file path=ppt/notesSlides/notesSlide1.xml><?xml version="1.0" encoding="utf-8"?>
-<p:notes xmlns:a="http://schemas.openxmlformats.org/drawingml/2006/main" xmlns:r="http://schemas.openxmlformats.org/officeDocument/2006/relationships" xmlns:mc="http://schemas.openxmlformats.org/markup-compatibility/2006" xmlns:mv="urn:schemas-microsoft-com:mac:vml" xmlns:p="http://schemas.openxmlformats.org/presentationml/2006/main" xmlns:c="http://schemas.openxmlformats.org/drawingml/2006/chart" xmlns:dgm="http://schemas.openxmlformats.org/drawingml/2006/diagram" xmlns:o="urn:schemas-microsoft-com:office:office" xmlns:v="urn:schemas-microsoft-com:vml" xmlns:pvml="urn:schemas-microsoft-com:office:powerpoint" xmlns:com="http://schemas.openxmlformats.org/drawingml/2006/compatibility" xmlns:p14="http://schemas.microsoft.com/office/powerpoint/2010/main" xmlns:p15="http://schemas.microsoft.com/office/powerpoint/2012/main" xmlns:ahyp="http://schemas.microsoft.com/office/drawing/2018/hyperlinkcolor" showMasterPhAnim="0" showMasterSp="0">
+<p:notes xmlns:a="http://schemas.openxmlformats.org/drawingml/2006/main" xmlns:r="http://schemas.openxmlformats.org/officeDocument/2006/relationships" xmlns:p="http://schemas.openxmlformats.org/presentationml/2006/main" showMasterSp="0" showMasterPhAnim="0">
   <p:cSld>
     <p:spTree>
       <p:nvGrpSpPr>
-        <p:cNvPr id="50" name="Shape 50"/>
+        <p:cNvPr id="1" name="Shape 50"/>
         <p:cNvGrpSpPr/>
         <p:nvPr/>
       </p:nvGrpSpPr>
@@ -854,20 +869,26 @@
       <p:sp>
         <p:nvSpPr>
           <p:cNvPr id="51" name="Google Shape;51;p1:notes"/>
-          <p:cNvSpPr/>
+          <p:cNvSpPr>
+            <a:spLocks noGrp="1" noRot="1" noChangeAspect="1"/>
+          </p:cNvSpPr>
           <p:nvPr>
-            <p:ph idx="2" type="sldImg"/>
+            <p:ph type="sldImg" idx="2"/>
           </p:nvPr>
         </p:nvSpPr>
         <p:spPr>
           <a:xfrm>
-            <a:off x="381300" y="685800"/>
+            <a:off x="381000" y="685800"/>
             <a:ext cx="6096000" cy="3429000"/>
           </a:xfrm>
           <a:custGeom>
-            <a:rect b="b" l="l" r="r" t="t"/>
+            <a:avLst/>
+            <a:gdLst/>
+            <a:ahLst/>
+            <a:cxnLst/>
+            <a:rect l="l" t="t" r="r" b="b"/>
             <a:pathLst>
-              <a:path extrusionOk="0" h="120000" w="120000">
+              <a:path w="120000" h="120000" extrusionOk="0">
                 <a:moveTo>
                   <a:pt x="0" y="0"/>
                 </a:moveTo>
@@ -885,23 +906,25 @@
             </a:pathLst>
           </a:custGeom>
           <a:noFill/>
-          <a:ln cap="flat" cmpd="sng" w="9525">
+          <a:ln w="9525" cap="flat" cmpd="sng">
             <a:solidFill>
               <a:srgbClr val="000000"/>
             </a:solidFill>
             <a:prstDash val="solid"/>
             <a:round/>
-            <a:headEnd len="sm" w="sm" type="none"/>
-            <a:tailEnd len="sm" w="sm" type="none"/>
+            <a:headEnd type="none" w="sm" len="sm"/>
+            <a:tailEnd type="none" w="sm" len="sm"/>
           </a:ln>
         </p:spPr>
       </p:sp>
       <p:sp>
         <p:nvSpPr>
           <p:cNvPr id="52" name="Google Shape;52;p1:notes"/>
-          <p:cNvSpPr txBox="1"/>
+          <p:cNvSpPr txBox="1">
+            <a:spLocks noGrp="1"/>
+          </p:cNvSpPr>
           <p:nvPr>
-            <p:ph idx="1" type="body"/>
+            <p:ph type="body" idx="1"/>
           </p:nvPr>
         </p:nvSpPr>
         <p:spPr>
@@ -918,12 +941,12 @@
           </a:ln>
         </p:spPr>
         <p:txBody>
-          <a:bodyPr anchorCtr="0" anchor="t" bIns="91425" lIns="91425" spcFirstLastPara="1" rIns="91425" wrap="square" tIns="91425">
+          <a:bodyPr spcFirstLastPara="1" wrap="square" lIns="91425" tIns="91425" rIns="91425" bIns="91425" anchor="t" anchorCtr="0">
             <a:noAutofit/>
           </a:bodyPr>
           <a:lstStyle/>
           <a:p>
-            <a:pPr indent="0" lvl="0" marL="0" rtl="0" algn="l">
+            <a:pPr marL="0" lvl="0" indent="0" algn="l" rtl="0">
               <a:lnSpc>
                 <a:spcPct val="100000"/>
               </a:lnSpc>
@@ -936,9 +959,6 @@
               <a:buSzPts val="1100"/>
               <a:buNone/>
             </a:pPr>
-            <a:r>
-              <a:t/>
-            </a:r>
             <a:endParaRPr/>
           </a:p>
         </p:txBody>
@@ -952,11 +972,11 @@
 </file>
 
 <file path=ppt/notesSlides/notesSlide10.xml><?xml version="1.0" encoding="utf-8"?>
-<p:notes xmlns:a="http://schemas.openxmlformats.org/drawingml/2006/main" xmlns:r="http://schemas.openxmlformats.org/officeDocument/2006/relationships" xmlns:mc="http://schemas.openxmlformats.org/markup-compatibility/2006" xmlns:mv="urn:schemas-microsoft-com:mac:vml" xmlns:p="http://schemas.openxmlformats.org/presentationml/2006/main" xmlns:c="http://schemas.openxmlformats.org/drawingml/2006/chart" xmlns:dgm="http://schemas.openxmlformats.org/drawingml/2006/diagram" xmlns:o="urn:schemas-microsoft-com:office:office" xmlns:v="urn:schemas-microsoft-com:vml" xmlns:pvml="urn:schemas-microsoft-com:office:powerpoint" xmlns:com="http://schemas.openxmlformats.org/drawingml/2006/compatibility" xmlns:p14="http://schemas.microsoft.com/office/powerpoint/2010/main" xmlns:p15="http://schemas.microsoft.com/office/powerpoint/2012/main" xmlns:ahyp="http://schemas.microsoft.com/office/drawing/2018/hyperlinkcolor" showMasterPhAnim="0" showMasterSp="0">
+<p:notes xmlns:a="http://schemas.openxmlformats.org/drawingml/2006/main" xmlns:r="http://schemas.openxmlformats.org/officeDocument/2006/relationships" xmlns:p="http://schemas.openxmlformats.org/presentationml/2006/main" showMasterSp="0" showMasterPhAnim="0">
   <p:cSld>
     <p:spTree>
       <p:nvGrpSpPr>
-        <p:cNvPr id="104" name="Shape 104"/>
+        <p:cNvPr id="1" name="Shape 104"/>
         <p:cNvGrpSpPr/>
         <p:nvPr/>
       </p:nvGrpSpPr>
@@ -971,9 +991,11 @@
       <p:sp>
         <p:nvSpPr>
           <p:cNvPr id="105" name="Google Shape;105;g17980f8dc43_0_13:notes"/>
-          <p:cNvSpPr/>
+          <p:cNvSpPr>
+            <a:spLocks noGrp="1" noRot="1" noChangeAspect="1"/>
+          </p:cNvSpPr>
           <p:nvPr>
-            <p:ph idx="2" type="sldImg"/>
+            <p:ph type="sldImg" idx="2"/>
           </p:nvPr>
         </p:nvSpPr>
         <p:spPr>
@@ -982,9 +1004,13 @@
             <a:ext cx="6096000" cy="3429000"/>
           </a:xfrm>
           <a:custGeom>
-            <a:rect b="b" l="l" r="r" t="t"/>
+            <a:avLst/>
+            <a:gdLst/>
+            <a:ahLst/>
+            <a:cxnLst/>
+            <a:rect l="l" t="t" r="r" b="b"/>
             <a:pathLst>
-              <a:path extrusionOk="0" h="120000" w="120000">
+              <a:path w="120000" h="120000" extrusionOk="0">
                 <a:moveTo>
                   <a:pt x="0" y="0"/>
                 </a:moveTo>
@@ -1002,23 +1028,25 @@
             </a:pathLst>
           </a:custGeom>
           <a:noFill/>
-          <a:ln cap="flat" cmpd="sng" w="9525">
+          <a:ln w="9525" cap="flat" cmpd="sng">
             <a:solidFill>
               <a:srgbClr val="000000"/>
             </a:solidFill>
             <a:prstDash val="solid"/>
             <a:round/>
-            <a:headEnd len="sm" w="sm" type="none"/>
-            <a:tailEnd len="sm" w="sm" type="none"/>
+            <a:headEnd type="none" w="sm" len="sm"/>
+            <a:tailEnd type="none" w="sm" len="sm"/>
           </a:ln>
         </p:spPr>
       </p:sp>
       <p:sp>
         <p:nvSpPr>
           <p:cNvPr id="106" name="Google Shape;106;g17980f8dc43_0_13:notes"/>
-          <p:cNvSpPr txBox="1"/>
+          <p:cNvSpPr txBox="1">
+            <a:spLocks noGrp="1"/>
+          </p:cNvSpPr>
           <p:nvPr>
-            <p:ph idx="1" type="body"/>
+            <p:ph type="body" idx="1"/>
           </p:nvPr>
         </p:nvSpPr>
         <p:spPr>
@@ -1035,12 +1063,12 @@
           </a:ln>
         </p:spPr>
         <p:txBody>
-          <a:bodyPr anchorCtr="0" anchor="t" bIns="91425" lIns="91425" spcFirstLastPara="1" rIns="91425" wrap="square" tIns="91425">
+          <a:bodyPr spcFirstLastPara="1" wrap="square" lIns="91425" tIns="91425" rIns="91425" bIns="91425" anchor="t" anchorCtr="0">
             <a:noAutofit/>
           </a:bodyPr>
           <a:lstStyle/>
           <a:p>
-            <a:pPr indent="0" lvl="0" marL="0" rtl="0" algn="l">
+            <a:pPr marL="0" lvl="0" indent="0" algn="l" rtl="0">
               <a:lnSpc>
                 <a:spcPct val="100000"/>
               </a:lnSpc>
@@ -1053,9 +1081,6 @@
               <a:buSzPts val="1100"/>
               <a:buNone/>
             </a:pPr>
-            <a:r>
-              <a:t/>
-            </a:r>
             <a:endParaRPr/>
           </a:p>
         </p:txBody>
@@ -1069,11 +1094,11 @@
 </file>
 
 <file path=ppt/notesSlides/notesSlide11.xml><?xml version="1.0" encoding="utf-8"?>
-<p:notes xmlns:a="http://schemas.openxmlformats.org/drawingml/2006/main" xmlns:r="http://schemas.openxmlformats.org/officeDocument/2006/relationships" xmlns:mc="http://schemas.openxmlformats.org/markup-compatibility/2006" xmlns:mv="urn:schemas-microsoft-com:mac:vml" xmlns:p="http://schemas.openxmlformats.org/presentationml/2006/main" xmlns:c="http://schemas.openxmlformats.org/drawingml/2006/chart" xmlns:dgm="http://schemas.openxmlformats.org/drawingml/2006/diagram" xmlns:o="urn:schemas-microsoft-com:office:office" xmlns:v="urn:schemas-microsoft-com:vml" xmlns:pvml="urn:schemas-microsoft-com:office:powerpoint" xmlns:com="http://schemas.openxmlformats.org/drawingml/2006/compatibility" xmlns:p14="http://schemas.microsoft.com/office/powerpoint/2010/main" xmlns:p15="http://schemas.microsoft.com/office/powerpoint/2012/main" xmlns:ahyp="http://schemas.microsoft.com/office/drawing/2018/hyperlinkcolor" showMasterPhAnim="0" showMasterSp="0">
+<p:notes xmlns:a="http://schemas.openxmlformats.org/drawingml/2006/main" xmlns:r="http://schemas.openxmlformats.org/officeDocument/2006/relationships" xmlns:p="http://schemas.openxmlformats.org/presentationml/2006/main" showMasterSp="0" showMasterPhAnim="0">
   <p:cSld>
     <p:spTree>
       <p:nvGrpSpPr>
-        <p:cNvPr id="110" name="Shape 110"/>
+        <p:cNvPr id="1" name="Shape 110"/>
         <p:cNvGrpSpPr/>
         <p:nvPr/>
       </p:nvGrpSpPr>
@@ -1088,9 +1113,11 @@
       <p:sp>
         <p:nvSpPr>
           <p:cNvPr id="111" name="Google Shape;111;g17980f8dc43_0_46:notes"/>
-          <p:cNvSpPr/>
+          <p:cNvSpPr>
+            <a:spLocks noGrp="1" noRot="1" noChangeAspect="1"/>
+          </p:cNvSpPr>
           <p:nvPr>
-            <p:ph idx="2" type="sldImg"/>
+            <p:ph type="sldImg" idx="2"/>
           </p:nvPr>
         </p:nvSpPr>
         <p:spPr>
@@ -1099,9 +1126,13 @@
             <a:ext cx="6096000" cy="3429000"/>
           </a:xfrm>
           <a:custGeom>
-            <a:rect b="b" l="l" r="r" t="t"/>
+            <a:avLst/>
+            <a:gdLst/>
+            <a:ahLst/>
+            <a:cxnLst/>
+            <a:rect l="l" t="t" r="r" b="b"/>
             <a:pathLst>
-              <a:path extrusionOk="0" h="120000" w="120000">
+              <a:path w="120000" h="120000" extrusionOk="0">
                 <a:moveTo>
                   <a:pt x="0" y="0"/>
                 </a:moveTo>
@@ -1119,23 +1150,25 @@
             </a:pathLst>
           </a:custGeom>
           <a:noFill/>
-          <a:ln cap="flat" cmpd="sng" w="9525">
+          <a:ln w="9525" cap="flat" cmpd="sng">
             <a:solidFill>
               <a:srgbClr val="000000"/>
             </a:solidFill>
             <a:prstDash val="solid"/>
             <a:round/>
-            <a:headEnd len="sm" w="sm" type="none"/>
-            <a:tailEnd len="sm" w="sm" type="none"/>
+            <a:headEnd type="none" w="sm" len="sm"/>
+            <a:tailEnd type="none" w="sm" len="sm"/>
           </a:ln>
         </p:spPr>
       </p:sp>
       <p:sp>
         <p:nvSpPr>
           <p:cNvPr id="112" name="Google Shape;112;g17980f8dc43_0_46:notes"/>
-          <p:cNvSpPr txBox="1"/>
+          <p:cNvSpPr txBox="1">
+            <a:spLocks noGrp="1"/>
+          </p:cNvSpPr>
           <p:nvPr>
-            <p:ph idx="1" type="body"/>
+            <p:ph type="body" idx="1"/>
           </p:nvPr>
         </p:nvSpPr>
         <p:spPr>
@@ -1152,12 +1185,12 @@
           </a:ln>
         </p:spPr>
         <p:txBody>
-          <a:bodyPr anchorCtr="0" anchor="t" bIns="91425" lIns="91425" spcFirstLastPara="1" rIns="91425" wrap="square" tIns="91425">
+          <a:bodyPr spcFirstLastPara="1" wrap="square" lIns="91425" tIns="91425" rIns="91425" bIns="91425" anchor="t" anchorCtr="0">
             <a:noAutofit/>
           </a:bodyPr>
           <a:lstStyle/>
           <a:p>
-            <a:pPr indent="0" lvl="0" marL="0" rtl="0" algn="l">
+            <a:pPr marL="0" lvl="0" indent="0" algn="l" rtl="0">
               <a:lnSpc>
                 <a:spcPct val="100000"/>
               </a:lnSpc>
@@ -1170,9 +1203,6 @@
               <a:buSzPts val="1100"/>
               <a:buNone/>
             </a:pPr>
-            <a:r>
-              <a:t/>
-            </a:r>
             <a:endParaRPr/>
           </a:p>
         </p:txBody>
@@ -1186,11 +1216,11 @@
 </file>
 
 <file path=ppt/notesSlides/notesSlide2.xml><?xml version="1.0" encoding="utf-8"?>
-<p:notes xmlns:a="http://schemas.openxmlformats.org/drawingml/2006/main" xmlns:r="http://schemas.openxmlformats.org/officeDocument/2006/relationships" xmlns:mc="http://schemas.openxmlformats.org/markup-compatibility/2006" xmlns:mv="urn:schemas-microsoft-com:mac:vml" xmlns:p="http://schemas.openxmlformats.org/presentationml/2006/main" xmlns:c="http://schemas.openxmlformats.org/drawingml/2006/chart" xmlns:dgm="http://schemas.openxmlformats.org/drawingml/2006/diagram" xmlns:o="urn:schemas-microsoft-com:office:office" xmlns:v="urn:schemas-microsoft-com:vml" xmlns:pvml="urn:schemas-microsoft-com:office:powerpoint" xmlns:com="http://schemas.openxmlformats.org/drawingml/2006/compatibility" xmlns:p14="http://schemas.microsoft.com/office/powerpoint/2010/main" xmlns:p15="http://schemas.microsoft.com/office/powerpoint/2012/main" xmlns:ahyp="http://schemas.microsoft.com/office/drawing/2018/hyperlinkcolor" showMasterPhAnim="0" showMasterSp="0">
+<p:notes xmlns:a="http://schemas.openxmlformats.org/drawingml/2006/main" xmlns:r="http://schemas.openxmlformats.org/officeDocument/2006/relationships" xmlns:p="http://schemas.openxmlformats.org/presentationml/2006/main" showMasterSp="0" showMasterPhAnim="0">
   <p:cSld>
     <p:spTree>
       <p:nvGrpSpPr>
-        <p:cNvPr id="56" name="Shape 56"/>
+        <p:cNvPr id="1" name="Shape 56"/>
         <p:cNvGrpSpPr/>
         <p:nvPr/>
       </p:nvGrpSpPr>
@@ -1205,9 +1235,11 @@
       <p:sp>
         <p:nvSpPr>
           <p:cNvPr id="57" name="Google Shape;57;g1732d9a83e9_0_5:notes"/>
-          <p:cNvSpPr/>
+          <p:cNvSpPr>
+            <a:spLocks noGrp="1" noRot="1" noChangeAspect="1"/>
+          </p:cNvSpPr>
           <p:nvPr>
-            <p:ph idx="2" type="sldImg"/>
+            <p:ph type="sldImg" idx="2"/>
           </p:nvPr>
         </p:nvSpPr>
         <p:spPr>
@@ -1216,9 +1248,13 @@
             <a:ext cx="6096000" cy="3429000"/>
           </a:xfrm>
           <a:custGeom>
-            <a:rect b="b" l="l" r="r" t="t"/>
+            <a:avLst/>
+            <a:gdLst/>
+            <a:ahLst/>
+            <a:cxnLst/>
+            <a:rect l="l" t="t" r="r" b="b"/>
             <a:pathLst>
-              <a:path extrusionOk="0" h="120000" w="120000">
+              <a:path w="120000" h="120000" extrusionOk="0">
                 <a:moveTo>
                   <a:pt x="0" y="0"/>
                 </a:moveTo>
@@ -1236,23 +1272,25 @@
             </a:pathLst>
           </a:custGeom>
           <a:noFill/>
-          <a:ln cap="flat" cmpd="sng" w="9525">
+          <a:ln w="9525" cap="flat" cmpd="sng">
             <a:solidFill>
               <a:srgbClr val="000000"/>
             </a:solidFill>
             <a:prstDash val="solid"/>
             <a:round/>
-            <a:headEnd len="sm" w="sm" type="none"/>
-            <a:tailEnd len="sm" w="sm" type="none"/>
+            <a:headEnd type="none" w="sm" len="sm"/>
+            <a:tailEnd type="none" w="sm" len="sm"/>
           </a:ln>
         </p:spPr>
       </p:sp>
       <p:sp>
         <p:nvSpPr>
           <p:cNvPr id="58" name="Google Shape;58;g1732d9a83e9_0_5:notes"/>
-          <p:cNvSpPr txBox="1"/>
+          <p:cNvSpPr txBox="1">
+            <a:spLocks noGrp="1"/>
+          </p:cNvSpPr>
           <p:nvPr>
-            <p:ph idx="1" type="body"/>
+            <p:ph type="body" idx="1"/>
           </p:nvPr>
         </p:nvSpPr>
         <p:spPr>
@@ -1269,12 +1307,12 @@
           </a:ln>
         </p:spPr>
         <p:txBody>
-          <a:bodyPr anchorCtr="0" anchor="t" bIns="91425" lIns="91425" spcFirstLastPara="1" rIns="91425" wrap="square" tIns="91425">
+          <a:bodyPr spcFirstLastPara="1" wrap="square" lIns="91425" tIns="91425" rIns="91425" bIns="91425" anchor="t" anchorCtr="0">
             <a:noAutofit/>
           </a:bodyPr>
           <a:lstStyle/>
           <a:p>
-            <a:pPr indent="0" lvl="0" marL="0" rtl="0" algn="l">
+            <a:pPr marL="0" lvl="0" indent="0" algn="l" rtl="0">
               <a:lnSpc>
                 <a:spcPct val="100000"/>
               </a:lnSpc>
@@ -1287,9 +1325,6 @@
               <a:buSzPts val="1100"/>
               <a:buNone/>
             </a:pPr>
-            <a:r>
-              <a:t/>
-            </a:r>
             <a:endParaRPr/>
           </a:p>
         </p:txBody>
@@ -1303,11 +1338,11 @@
 </file>
 
 <file path=ppt/notesSlides/notesSlide3.xml><?xml version="1.0" encoding="utf-8"?>
-<p:notes xmlns:a="http://schemas.openxmlformats.org/drawingml/2006/main" xmlns:r="http://schemas.openxmlformats.org/officeDocument/2006/relationships" xmlns:mc="http://schemas.openxmlformats.org/markup-compatibility/2006" xmlns:mv="urn:schemas-microsoft-com:mac:vml" xmlns:p="http://schemas.openxmlformats.org/presentationml/2006/main" xmlns:c="http://schemas.openxmlformats.org/drawingml/2006/chart" xmlns:dgm="http://schemas.openxmlformats.org/drawingml/2006/diagram" xmlns:o="urn:schemas-microsoft-com:office:office" xmlns:v="urn:schemas-microsoft-com:vml" xmlns:pvml="urn:schemas-microsoft-com:office:powerpoint" xmlns:com="http://schemas.openxmlformats.org/drawingml/2006/compatibility" xmlns:p14="http://schemas.microsoft.com/office/powerpoint/2010/main" xmlns:p15="http://schemas.microsoft.com/office/powerpoint/2012/main" xmlns:ahyp="http://schemas.microsoft.com/office/drawing/2018/hyperlinkcolor" showMasterPhAnim="0" showMasterSp="0">
+<p:notes xmlns:a="http://schemas.openxmlformats.org/drawingml/2006/main" xmlns:r="http://schemas.openxmlformats.org/officeDocument/2006/relationships" xmlns:p="http://schemas.openxmlformats.org/presentationml/2006/main" showMasterSp="0" showMasterPhAnim="0">
   <p:cSld>
     <p:spTree>
       <p:nvGrpSpPr>
-        <p:cNvPr id="62" name="Shape 62"/>
+        <p:cNvPr id="1" name="Shape 62"/>
         <p:cNvGrpSpPr/>
         <p:nvPr/>
       </p:nvGrpSpPr>
@@ -1322,9 +1357,11 @@
       <p:sp>
         <p:nvSpPr>
           <p:cNvPr id="63" name="Google Shape;63;g17980f8dc43_0_18:notes"/>
-          <p:cNvSpPr/>
+          <p:cNvSpPr>
+            <a:spLocks noGrp="1" noRot="1" noChangeAspect="1"/>
+          </p:cNvSpPr>
           <p:nvPr>
-            <p:ph idx="2" type="sldImg"/>
+            <p:ph type="sldImg" idx="2"/>
           </p:nvPr>
         </p:nvSpPr>
         <p:spPr>
@@ -1333,9 +1370,13 @@
             <a:ext cx="6096000" cy="3429000"/>
           </a:xfrm>
           <a:custGeom>
-            <a:rect b="b" l="l" r="r" t="t"/>
+            <a:avLst/>
+            <a:gdLst/>
+            <a:ahLst/>
+            <a:cxnLst/>
+            <a:rect l="l" t="t" r="r" b="b"/>
             <a:pathLst>
-              <a:path extrusionOk="0" h="120000" w="120000">
+              <a:path w="120000" h="120000" extrusionOk="0">
                 <a:moveTo>
                   <a:pt x="0" y="0"/>
                 </a:moveTo>
@@ -1353,23 +1394,25 @@
             </a:pathLst>
           </a:custGeom>
           <a:noFill/>
-          <a:ln cap="flat" cmpd="sng" w="9525">
+          <a:ln w="9525" cap="flat" cmpd="sng">
             <a:solidFill>
               <a:srgbClr val="000000"/>
             </a:solidFill>
             <a:prstDash val="solid"/>
             <a:round/>
-            <a:headEnd len="sm" w="sm" type="none"/>
-            <a:tailEnd len="sm" w="sm" type="none"/>
+            <a:headEnd type="none" w="sm" len="sm"/>
+            <a:tailEnd type="none" w="sm" len="sm"/>
           </a:ln>
         </p:spPr>
       </p:sp>
       <p:sp>
         <p:nvSpPr>
           <p:cNvPr id="64" name="Google Shape;64;g17980f8dc43_0_18:notes"/>
-          <p:cNvSpPr txBox="1"/>
+          <p:cNvSpPr txBox="1">
+            <a:spLocks noGrp="1"/>
+          </p:cNvSpPr>
           <p:nvPr>
-            <p:ph idx="1" type="body"/>
+            <p:ph type="body" idx="1"/>
           </p:nvPr>
         </p:nvSpPr>
         <p:spPr>
@@ -1386,12 +1429,12 @@
           </a:ln>
         </p:spPr>
         <p:txBody>
-          <a:bodyPr anchorCtr="0" anchor="t" bIns="91425" lIns="91425" spcFirstLastPara="1" rIns="91425" wrap="square" tIns="91425">
+          <a:bodyPr spcFirstLastPara="1" wrap="square" lIns="91425" tIns="91425" rIns="91425" bIns="91425" anchor="t" anchorCtr="0">
             <a:noAutofit/>
           </a:bodyPr>
           <a:lstStyle/>
           <a:p>
-            <a:pPr indent="0" lvl="0" marL="0" rtl="0" algn="l">
+            <a:pPr marL="0" lvl="0" indent="0" algn="l" rtl="0">
               <a:lnSpc>
                 <a:spcPct val="100000"/>
               </a:lnSpc>
@@ -1404,9 +1447,6 @@
               <a:buSzPts val="1100"/>
               <a:buNone/>
             </a:pPr>
-            <a:r>
-              <a:t/>
-            </a:r>
             <a:endParaRPr/>
           </a:p>
         </p:txBody>
@@ -1420,11 +1460,11 @@
 </file>
 
 <file path=ppt/notesSlides/notesSlide4.xml><?xml version="1.0" encoding="utf-8"?>
-<p:notes xmlns:a="http://schemas.openxmlformats.org/drawingml/2006/main" xmlns:r="http://schemas.openxmlformats.org/officeDocument/2006/relationships" xmlns:mc="http://schemas.openxmlformats.org/markup-compatibility/2006" xmlns:mv="urn:schemas-microsoft-com:mac:vml" xmlns:p="http://schemas.openxmlformats.org/presentationml/2006/main" xmlns:c="http://schemas.openxmlformats.org/drawingml/2006/chart" xmlns:dgm="http://schemas.openxmlformats.org/drawingml/2006/diagram" xmlns:o="urn:schemas-microsoft-com:office:office" xmlns:v="urn:schemas-microsoft-com:vml" xmlns:pvml="urn:schemas-microsoft-com:office:powerpoint" xmlns:com="http://schemas.openxmlformats.org/drawingml/2006/compatibility" xmlns:p14="http://schemas.microsoft.com/office/powerpoint/2010/main" xmlns:p15="http://schemas.microsoft.com/office/powerpoint/2012/main" xmlns:ahyp="http://schemas.microsoft.com/office/drawing/2018/hyperlinkcolor" showMasterPhAnim="0" showMasterSp="0">
+<p:notes xmlns:a="http://schemas.openxmlformats.org/drawingml/2006/main" xmlns:r="http://schemas.openxmlformats.org/officeDocument/2006/relationships" xmlns:p="http://schemas.openxmlformats.org/presentationml/2006/main" showMasterSp="0" showMasterPhAnim="0">
   <p:cSld>
     <p:spTree>
       <p:nvGrpSpPr>
-        <p:cNvPr id="68" name="Shape 68"/>
+        <p:cNvPr id="1" name="Shape 68"/>
         <p:cNvGrpSpPr/>
         <p:nvPr/>
       </p:nvGrpSpPr>
@@ -1439,9 +1479,11 @@
       <p:sp>
         <p:nvSpPr>
           <p:cNvPr id="69" name="Google Shape;69;g17980f8dc43_0_23:notes"/>
-          <p:cNvSpPr/>
+          <p:cNvSpPr>
+            <a:spLocks noGrp="1" noRot="1" noChangeAspect="1"/>
+          </p:cNvSpPr>
           <p:nvPr>
-            <p:ph idx="2" type="sldImg"/>
+            <p:ph type="sldImg" idx="2"/>
           </p:nvPr>
         </p:nvSpPr>
         <p:spPr>
@@ -1450,9 +1492,13 @@
             <a:ext cx="6096000" cy="3429000"/>
           </a:xfrm>
           <a:custGeom>
-            <a:rect b="b" l="l" r="r" t="t"/>
+            <a:avLst/>
+            <a:gdLst/>
+            <a:ahLst/>
+            <a:cxnLst/>
+            <a:rect l="l" t="t" r="r" b="b"/>
             <a:pathLst>
-              <a:path extrusionOk="0" h="120000" w="120000">
+              <a:path w="120000" h="120000" extrusionOk="0">
                 <a:moveTo>
                   <a:pt x="0" y="0"/>
                 </a:moveTo>
@@ -1470,23 +1516,25 @@
             </a:pathLst>
           </a:custGeom>
           <a:noFill/>
-          <a:ln cap="flat" cmpd="sng" w="9525">
+          <a:ln w="9525" cap="flat" cmpd="sng">
             <a:solidFill>
               <a:srgbClr val="000000"/>
             </a:solidFill>
             <a:prstDash val="solid"/>
             <a:round/>
-            <a:headEnd len="sm" w="sm" type="none"/>
-            <a:tailEnd len="sm" w="sm" type="none"/>
+            <a:headEnd type="none" w="sm" len="sm"/>
+            <a:tailEnd type="none" w="sm" len="sm"/>
           </a:ln>
         </p:spPr>
       </p:sp>
       <p:sp>
         <p:nvSpPr>
           <p:cNvPr id="70" name="Google Shape;70;g17980f8dc43_0_23:notes"/>
-          <p:cNvSpPr txBox="1"/>
+          <p:cNvSpPr txBox="1">
+            <a:spLocks noGrp="1"/>
+          </p:cNvSpPr>
           <p:nvPr>
-            <p:ph idx="1" type="body"/>
+            <p:ph type="body" idx="1"/>
           </p:nvPr>
         </p:nvSpPr>
         <p:spPr>
@@ -1503,12 +1551,12 @@
           </a:ln>
         </p:spPr>
         <p:txBody>
-          <a:bodyPr anchorCtr="0" anchor="t" bIns="91425" lIns="91425" spcFirstLastPara="1" rIns="91425" wrap="square" tIns="91425">
+          <a:bodyPr spcFirstLastPara="1" wrap="square" lIns="91425" tIns="91425" rIns="91425" bIns="91425" anchor="t" anchorCtr="0">
             <a:noAutofit/>
           </a:bodyPr>
           <a:lstStyle/>
           <a:p>
-            <a:pPr indent="0" lvl="0" marL="0" rtl="0" algn="l">
+            <a:pPr marL="0" lvl="0" indent="0" algn="l" rtl="0">
               <a:lnSpc>
                 <a:spcPct val="100000"/>
               </a:lnSpc>
@@ -1521,9 +1569,6 @@
               <a:buSzPts val="1100"/>
               <a:buNone/>
             </a:pPr>
-            <a:r>
-              <a:t/>
-            </a:r>
             <a:endParaRPr/>
           </a:p>
         </p:txBody>
@@ -1537,11 +1582,11 @@
 </file>
 
 <file path=ppt/notesSlides/notesSlide5.xml><?xml version="1.0" encoding="utf-8"?>
-<p:notes xmlns:a="http://schemas.openxmlformats.org/drawingml/2006/main" xmlns:r="http://schemas.openxmlformats.org/officeDocument/2006/relationships" xmlns:mc="http://schemas.openxmlformats.org/markup-compatibility/2006" xmlns:mv="urn:schemas-microsoft-com:mac:vml" xmlns:p="http://schemas.openxmlformats.org/presentationml/2006/main" xmlns:c="http://schemas.openxmlformats.org/drawingml/2006/chart" xmlns:dgm="http://schemas.openxmlformats.org/drawingml/2006/diagram" xmlns:o="urn:schemas-microsoft-com:office:office" xmlns:v="urn:schemas-microsoft-com:vml" xmlns:pvml="urn:schemas-microsoft-com:office:powerpoint" xmlns:com="http://schemas.openxmlformats.org/drawingml/2006/compatibility" xmlns:p14="http://schemas.microsoft.com/office/powerpoint/2010/main" xmlns:p15="http://schemas.microsoft.com/office/powerpoint/2012/main" xmlns:ahyp="http://schemas.microsoft.com/office/drawing/2018/hyperlinkcolor" showMasterPhAnim="0" showMasterSp="0">
+<p:notes xmlns:a="http://schemas.openxmlformats.org/drawingml/2006/main" xmlns:r="http://schemas.openxmlformats.org/officeDocument/2006/relationships" xmlns:p="http://schemas.openxmlformats.org/presentationml/2006/main" showMasterSp="0" showMasterPhAnim="0">
   <p:cSld>
     <p:spTree>
       <p:nvGrpSpPr>
-        <p:cNvPr id="74" name="Shape 74"/>
+        <p:cNvPr id="1" name="Shape 74"/>
         <p:cNvGrpSpPr/>
         <p:nvPr/>
       </p:nvGrpSpPr>
@@ -1556,9 +1601,11 @@
       <p:sp>
         <p:nvSpPr>
           <p:cNvPr id="75" name="Google Shape;75;g17980f8dc43_0_28:notes"/>
-          <p:cNvSpPr/>
+          <p:cNvSpPr>
+            <a:spLocks noGrp="1" noRot="1" noChangeAspect="1"/>
+          </p:cNvSpPr>
           <p:nvPr>
-            <p:ph idx="2" type="sldImg"/>
+            <p:ph type="sldImg" idx="2"/>
           </p:nvPr>
         </p:nvSpPr>
         <p:spPr>
@@ -1567,9 +1614,13 @@
             <a:ext cx="6096000" cy="3429000"/>
           </a:xfrm>
           <a:custGeom>
-            <a:rect b="b" l="l" r="r" t="t"/>
+            <a:avLst/>
+            <a:gdLst/>
+            <a:ahLst/>
+            <a:cxnLst/>
+            <a:rect l="l" t="t" r="r" b="b"/>
             <a:pathLst>
-              <a:path extrusionOk="0" h="120000" w="120000">
+              <a:path w="120000" h="120000" extrusionOk="0">
                 <a:moveTo>
                   <a:pt x="0" y="0"/>
                 </a:moveTo>
@@ -1587,23 +1638,25 @@
             </a:pathLst>
           </a:custGeom>
           <a:noFill/>
-          <a:ln cap="flat" cmpd="sng" w="9525">
+          <a:ln w="9525" cap="flat" cmpd="sng">
             <a:solidFill>
               <a:srgbClr val="000000"/>
             </a:solidFill>
             <a:prstDash val="solid"/>
             <a:round/>
-            <a:headEnd len="sm" w="sm" type="none"/>
-            <a:tailEnd len="sm" w="sm" type="none"/>
+            <a:headEnd type="none" w="sm" len="sm"/>
+            <a:tailEnd type="none" w="sm" len="sm"/>
           </a:ln>
         </p:spPr>
       </p:sp>
       <p:sp>
         <p:nvSpPr>
           <p:cNvPr id="76" name="Google Shape;76;g17980f8dc43_0_28:notes"/>
-          <p:cNvSpPr txBox="1"/>
+          <p:cNvSpPr txBox="1">
+            <a:spLocks noGrp="1"/>
+          </p:cNvSpPr>
           <p:nvPr>
-            <p:ph idx="1" type="body"/>
+            <p:ph type="body" idx="1"/>
           </p:nvPr>
         </p:nvSpPr>
         <p:spPr>
@@ -1620,12 +1673,12 @@
           </a:ln>
         </p:spPr>
         <p:txBody>
-          <a:bodyPr anchorCtr="0" anchor="t" bIns="91425" lIns="91425" spcFirstLastPara="1" rIns="91425" wrap="square" tIns="91425">
+          <a:bodyPr spcFirstLastPara="1" wrap="square" lIns="91425" tIns="91425" rIns="91425" bIns="91425" anchor="t" anchorCtr="0">
             <a:noAutofit/>
           </a:bodyPr>
           <a:lstStyle/>
           <a:p>
-            <a:pPr indent="0" lvl="0" marL="0" rtl="0" algn="l">
+            <a:pPr marL="0" lvl="0" indent="0" algn="l" rtl="0">
               <a:lnSpc>
                 <a:spcPct val="100000"/>
               </a:lnSpc>
@@ -1638,9 +1691,6 @@
               <a:buSzPts val="1100"/>
               <a:buNone/>
             </a:pPr>
-            <a:r>
-              <a:t/>
-            </a:r>
             <a:endParaRPr/>
           </a:p>
         </p:txBody>
@@ -1654,11 +1704,11 @@
 </file>
 
 <file path=ppt/notesSlides/notesSlide6.xml><?xml version="1.0" encoding="utf-8"?>
-<p:notes xmlns:a="http://schemas.openxmlformats.org/drawingml/2006/main" xmlns:r="http://schemas.openxmlformats.org/officeDocument/2006/relationships" xmlns:mc="http://schemas.openxmlformats.org/markup-compatibility/2006" xmlns:mv="urn:schemas-microsoft-com:mac:vml" xmlns:p="http://schemas.openxmlformats.org/presentationml/2006/main" xmlns:c="http://schemas.openxmlformats.org/drawingml/2006/chart" xmlns:dgm="http://schemas.openxmlformats.org/drawingml/2006/diagram" xmlns:o="urn:schemas-microsoft-com:office:office" xmlns:v="urn:schemas-microsoft-com:vml" xmlns:pvml="urn:schemas-microsoft-com:office:powerpoint" xmlns:com="http://schemas.openxmlformats.org/drawingml/2006/compatibility" xmlns:p14="http://schemas.microsoft.com/office/powerpoint/2010/main" xmlns:p15="http://schemas.microsoft.com/office/powerpoint/2012/main" xmlns:ahyp="http://schemas.microsoft.com/office/drawing/2018/hyperlinkcolor" showMasterPhAnim="0" showMasterSp="0">
+<p:notes xmlns:a="http://schemas.openxmlformats.org/drawingml/2006/main" xmlns:r="http://schemas.openxmlformats.org/officeDocument/2006/relationships" xmlns:p="http://schemas.openxmlformats.org/presentationml/2006/main" showMasterSp="0" showMasterPhAnim="0">
   <p:cSld>
     <p:spTree>
       <p:nvGrpSpPr>
-        <p:cNvPr id="80" name="Shape 80"/>
+        <p:cNvPr id="1" name="Shape 80"/>
         <p:cNvGrpSpPr/>
         <p:nvPr/>
       </p:nvGrpSpPr>
@@ -1673,9 +1723,11 @@
       <p:sp>
         <p:nvSpPr>
           <p:cNvPr id="81" name="Google Shape;81;g17980f8dc43_0_33:notes"/>
-          <p:cNvSpPr/>
+          <p:cNvSpPr>
+            <a:spLocks noGrp="1" noRot="1" noChangeAspect="1"/>
+          </p:cNvSpPr>
           <p:nvPr>
-            <p:ph idx="2" type="sldImg"/>
+            <p:ph type="sldImg" idx="2"/>
           </p:nvPr>
         </p:nvSpPr>
         <p:spPr>
@@ -1684,9 +1736,13 @@
             <a:ext cx="6096000" cy="3429000"/>
           </a:xfrm>
           <a:custGeom>
-            <a:rect b="b" l="l" r="r" t="t"/>
+            <a:avLst/>
+            <a:gdLst/>
+            <a:ahLst/>
+            <a:cxnLst/>
+            <a:rect l="l" t="t" r="r" b="b"/>
             <a:pathLst>
-              <a:path extrusionOk="0" h="120000" w="120000">
+              <a:path w="120000" h="120000" extrusionOk="0">
                 <a:moveTo>
                   <a:pt x="0" y="0"/>
                 </a:moveTo>
@@ -1704,23 +1760,25 @@
             </a:pathLst>
           </a:custGeom>
           <a:noFill/>
-          <a:ln cap="flat" cmpd="sng" w="9525">
+          <a:ln w="9525" cap="flat" cmpd="sng">
             <a:solidFill>
               <a:srgbClr val="000000"/>
             </a:solidFill>
             <a:prstDash val="solid"/>
             <a:round/>
-            <a:headEnd len="sm" w="sm" type="none"/>
-            <a:tailEnd len="sm" w="sm" type="none"/>
+            <a:headEnd type="none" w="sm" len="sm"/>
+            <a:tailEnd type="none" w="sm" len="sm"/>
           </a:ln>
         </p:spPr>
       </p:sp>
       <p:sp>
         <p:nvSpPr>
           <p:cNvPr id="82" name="Google Shape;82;g17980f8dc43_0_33:notes"/>
-          <p:cNvSpPr txBox="1"/>
+          <p:cNvSpPr txBox="1">
+            <a:spLocks noGrp="1"/>
+          </p:cNvSpPr>
           <p:nvPr>
-            <p:ph idx="1" type="body"/>
+            <p:ph type="body" idx="1"/>
           </p:nvPr>
         </p:nvSpPr>
         <p:spPr>
@@ -1737,12 +1795,12 @@
           </a:ln>
         </p:spPr>
         <p:txBody>
-          <a:bodyPr anchorCtr="0" anchor="t" bIns="91425" lIns="91425" spcFirstLastPara="1" rIns="91425" wrap="square" tIns="91425">
+          <a:bodyPr spcFirstLastPara="1" wrap="square" lIns="91425" tIns="91425" rIns="91425" bIns="91425" anchor="t" anchorCtr="0">
             <a:noAutofit/>
           </a:bodyPr>
           <a:lstStyle/>
           <a:p>
-            <a:pPr indent="0" lvl="0" marL="0" rtl="0" algn="l">
+            <a:pPr marL="0" lvl="0" indent="0" algn="l" rtl="0">
               <a:lnSpc>
                 <a:spcPct val="100000"/>
               </a:lnSpc>
@@ -1755,9 +1813,6 @@
               <a:buSzPts val="1100"/>
               <a:buNone/>
             </a:pPr>
-            <a:r>
-              <a:t/>
-            </a:r>
             <a:endParaRPr/>
           </a:p>
         </p:txBody>
@@ -1771,11 +1826,11 @@
 </file>
 
 <file path=ppt/notesSlides/notesSlide7.xml><?xml version="1.0" encoding="utf-8"?>
-<p:notes xmlns:a="http://schemas.openxmlformats.org/drawingml/2006/main" xmlns:r="http://schemas.openxmlformats.org/officeDocument/2006/relationships" xmlns:mc="http://schemas.openxmlformats.org/markup-compatibility/2006" xmlns:mv="urn:schemas-microsoft-com:mac:vml" xmlns:p="http://schemas.openxmlformats.org/presentationml/2006/main" xmlns:c="http://schemas.openxmlformats.org/drawingml/2006/chart" xmlns:dgm="http://schemas.openxmlformats.org/drawingml/2006/diagram" xmlns:o="urn:schemas-microsoft-com:office:office" xmlns:v="urn:schemas-microsoft-com:vml" xmlns:pvml="urn:schemas-microsoft-com:office:powerpoint" xmlns:com="http://schemas.openxmlformats.org/drawingml/2006/compatibility" xmlns:p14="http://schemas.microsoft.com/office/powerpoint/2010/main" xmlns:p15="http://schemas.microsoft.com/office/powerpoint/2012/main" xmlns:ahyp="http://schemas.microsoft.com/office/drawing/2018/hyperlinkcolor" showMasterPhAnim="0" showMasterSp="0">
+<p:notes xmlns:a="http://schemas.openxmlformats.org/drawingml/2006/main" xmlns:r="http://schemas.openxmlformats.org/officeDocument/2006/relationships" xmlns:p="http://schemas.openxmlformats.org/presentationml/2006/main" showMasterSp="0" showMasterPhAnim="0">
   <p:cSld>
     <p:spTree>
       <p:nvGrpSpPr>
-        <p:cNvPr id="86" name="Shape 86"/>
+        <p:cNvPr id="1" name="Shape 86"/>
         <p:cNvGrpSpPr/>
         <p:nvPr/>
       </p:nvGrpSpPr>
@@ -1790,9 +1845,11 @@
       <p:sp>
         <p:nvSpPr>
           <p:cNvPr id="87" name="Google Shape;87;g17980f8dc43_0_38:notes"/>
-          <p:cNvSpPr/>
+          <p:cNvSpPr>
+            <a:spLocks noGrp="1" noRot="1" noChangeAspect="1"/>
+          </p:cNvSpPr>
           <p:nvPr>
-            <p:ph idx="2" type="sldImg"/>
+            <p:ph type="sldImg" idx="2"/>
           </p:nvPr>
         </p:nvSpPr>
         <p:spPr>
@@ -1801,9 +1858,13 @@
             <a:ext cx="6096000" cy="3429000"/>
           </a:xfrm>
           <a:custGeom>
-            <a:rect b="b" l="l" r="r" t="t"/>
+            <a:avLst/>
+            <a:gdLst/>
+            <a:ahLst/>
+            <a:cxnLst/>
+            <a:rect l="l" t="t" r="r" b="b"/>
             <a:pathLst>
-              <a:path extrusionOk="0" h="120000" w="120000">
+              <a:path w="120000" h="120000" extrusionOk="0">
                 <a:moveTo>
                   <a:pt x="0" y="0"/>
                 </a:moveTo>
@@ -1821,23 +1882,25 @@
             </a:pathLst>
           </a:custGeom>
           <a:noFill/>
-          <a:ln cap="flat" cmpd="sng" w="9525">
+          <a:ln w="9525" cap="flat" cmpd="sng">
             <a:solidFill>
               <a:srgbClr val="000000"/>
             </a:solidFill>
             <a:prstDash val="solid"/>
             <a:round/>
-            <a:headEnd len="sm" w="sm" type="none"/>
-            <a:tailEnd len="sm" w="sm" type="none"/>
+            <a:headEnd type="none" w="sm" len="sm"/>
+            <a:tailEnd type="none" w="sm" len="sm"/>
           </a:ln>
         </p:spPr>
       </p:sp>
       <p:sp>
         <p:nvSpPr>
           <p:cNvPr id="88" name="Google Shape;88;g17980f8dc43_0_38:notes"/>
-          <p:cNvSpPr txBox="1"/>
+          <p:cNvSpPr txBox="1">
+            <a:spLocks noGrp="1"/>
+          </p:cNvSpPr>
           <p:nvPr>
-            <p:ph idx="1" type="body"/>
+            <p:ph type="body" idx="1"/>
           </p:nvPr>
         </p:nvSpPr>
         <p:spPr>
@@ -1854,12 +1917,12 @@
           </a:ln>
         </p:spPr>
         <p:txBody>
-          <a:bodyPr anchorCtr="0" anchor="t" bIns="91425" lIns="91425" spcFirstLastPara="1" rIns="91425" wrap="square" tIns="91425">
+          <a:bodyPr spcFirstLastPara="1" wrap="square" lIns="91425" tIns="91425" rIns="91425" bIns="91425" anchor="t" anchorCtr="0">
             <a:noAutofit/>
           </a:bodyPr>
           <a:lstStyle/>
           <a:p>
-            <a:pPr indent="0" lvl="0" marL="0" rtl="0" algn="l">
+            <a:pPr marL="0" lvl="0" indent="0" algn="l" rtl="0">
               <a:lnSpc>
                 <a:spcPct val="100000"/>
               </a:lnSpc>
@@ -1872,9 +1935,6 @@
               <a:buSzPts val="1100"/>
               <a:buNone/>
             </a:pPr>
-            <a:r>
-              <a:t/>
-            </a:r>
             <a:endParaRPr/>
           </a:p>
         </p:txBody>
@@ -1888,11 +1948,11 @@
 </file>
 
 <file path=ppt/notesSlides/notesSlide8.xml><?xml version="1.0" encoding="utf-8"?>
-<p:notes xmlns:a="http://schemas.openxmlformats.org/drawingml/2006/main" xmlns:r="http://schemas.openxmlformats.org/officeDocument/2006/relationships" xmlns:mc="http://schemas.openxmlformats.org/markup-compatibility/2006" xmlns:mv="urn:schemas-microsoft-com:mac:vml" xmlns:p="http://schemas.openxmlformats.org/presentationml/2006/main" xmlns:c="http://schemas.openxmlformats.org/drawingml/2006/chart" xmlns:dgm="http://schemas.openxmlformats.org/drawingml/2006/diagram" xmlns:o="urn:schemas-microsoft-com:office:office" xmlns:v="urn:schemas-microsoft-com:vml" xmlns:pvml="urn:schemas-microsoft-com:office:powerpoint" xmlns:com="http://schemas.openxmlformats.org/drawingml/2006/compatibility" xmlns:p14="http://schemas.microsoft.com/office/powerpoint/2010/main" xmlns:p15="http://schemas.microsoft.com/office/powerpoint/2012/main" xmlns:ahyp="http://schemas.microsoft.com/office/drawing/2018/hyperlinkcolor" showMasterPhAnim="0" showMasterSp="0">
+<p:notes xmlns:a="http://schemas.openxmlformats.org/drawingml/2006/main" xmlns:r="http://schemas.openxmlformats.org/officeDocument/2006/relationships" xmlns:p="http://schemas.openxmlformats.org/presentationml/2006/main" showMasterSp="0" showMasterPhAnim="0">
   <p:cSld>
     <p:spTree>
       <p:nvGrpSpPr>
-        <p:cNvPr id="92" name="Shape 92"/>
+        <p:cNvPr id="1" name="Shape 92"/>
         <p:cNvGrpSpPr/>
         <p:nvPr/>
       </p:nvGrpSpPr>
@@ -1907,20 +1967,26 @@
       <p:sp>
         <p:nvSpPr>
           <p:cNvPr id="93" name="Google Shape;93;g17980f8dc43_0_8:notes"/>
-          <p:cNvSpPr/>
+          <p:cNvSpPr>
+            <a:spLocks noGrp="1" noRot="1" noChangeAspect="1"/>
+          </p:cNvSpPr>
           <p:nvPr>
-            <p:ph idx="2" type="sldImg"/>
+            <p:ph type="sldImg" idx="2"/>
           </p:nvPr>
         </p:nvSpPr>
         <p:spPr>
           <a:xfrm>
-            <a:off x="381300" y="685800"/>
+            <a:off x="381000" y="685800"/>
             <a:ext cx="6096000" cy="3429000"/>
           </a:xfrm>
           <a:custGeom>
-            <a:rect b="b" l="l" r="r" t="t"/>
+            <a:avLst/>
+            <a:gdLst/>
+            <a:ahLst/>
+            <a:cxnLst/>
+            <a:rect l="l" t="t" r="r" b="b"/>
             <a:pathLst>
-              <a:path extrusionOk="0" h="120000" w="120000">
+              <a:path w="120000" h="120000" extrusionOk="0">
                 <a:moveTo>
                   <a:pt x="0" y="0"/>
                 </a:moveTo>
@@ -1938,23 +2004,25 @@
             </a:pathLst>
           </a:custGeom>
           <a:noFill/>
-          <a:ln cap="flat" cmpd="sng" w="9525">
+          <a:ln w="9525" cap="flat" cmpd="sng">
             <a:solidFill>
               <a:srgbClr val="000000"/>
             </a:solidFill>
             <a:prstDash val="solid"/>
             <a:round/>
-            <a:headEnd len="sm" w="sm" type="none"/>
-            <a:tailEnd len="sm" w="sm" type="none"/>
+            <a:headEnd type="none" w="sm" len="sm"/>
+            <a:tailEnd type="none" w="sm" len="sm"/>
           </a:ln>
         </p:spPr>
       </p:sp>
       <p:sp>
         <p:nvSpPr>
           <p:cNvPr id="94" name="Google Shape;94;g17980f8dc43_0_8:notes"/>
-          <p:cNvSpPr txBox="1"/>
+          <p:cNvSpPr txBox="1">
+            <a:spLocks noGrp="1"/>
+          </p:cNvSpPr>
           <p:nvPr>
-            <p:ph idx="1" type="body"/>
+            <p:ph type="body" idx="1"/>
           </p:nvPr>
         </p:nvSpPr>
         <p:spPr>
@@ -1971,12 +2039,12 @@
           </a:ln>
         </p:spPr>
         <p:txBody>
-          <a:bodyPr anchorCtr="0" anchor="t" bIns="91425" lIns="91425" spcFirstLastPara="1" rIns="91425" wrap="square" tIns="91425">
+          <a:bodyPr spcFirstLastPara="1" wrap="square" lIns="91425" tIns="91425" rIns="91425" bIns="91425" anchor="t" anchorCtr="0">
             <a:noAutofit/>
           </a:bodyPr>
           <a:lstStyle/>
           <a:p>
-            <a:pPr indent="0" lvl="0" marL="0" rtl="0" algn="l">
+            <a:pPr marL="0" lvl="0" indent="0" algn="l" rtl="0">
               <a:lnSpc>
                 <a:spcPct val="100000"/>
               </a:lnSpc>
@@ -1989,9 +2057,6 @@
               <a:buSzPts val="1100"/>
               <a:buNone/>
             </a:pPr>
-            <a:r>
-              <a:t/>
-            </a:r>
             <a:endParaRPr/>
           </a:p>
         </p:txBody>
@@ -2005,11 +2070,11 @@
 </file>
 
 <file path=ppt/notesSlides/notesSlide9.xml><?xml version="1.0" encoding="utf-8"?>
-<p:notes xmlns:a="http://schemas.openxmlformats.org/drawingml/2006/main" xmlns:r="http://schemas.openxmlformats.org/officeDocument/2006/relationships" xmlns:mc="http://schemas.openxmlformats.org/markup-compatibility/2006" xmlns:mv="urn:schemas-microsoft-com:mac:vml" xmlns:p="http://schemas.openxmlformats.org/presentationml/2006/main" xmlns:c="http://schemas.openxmlformats.org/drawingml/2006/chart" xmlns:dgm="http://schemas.openxmlformats.org/drawingml/2006/diagram" xmlns:o="urn:schemas-microsoft-com:office:office" xmlns:v="urn:schemas-microsoft-com:vml" xmlns:pvml="urn:schemas-microsoft-com:office:powerpoint" xmlns:com="http://schemas.openxmlformats.org/drawingml/2006/compatibility" xmlns:p14="http://schemas.microsoft.com/office/powerpoint/2010/main" xmlns:p15="http://schemas.microsoft.com/office/powerpoint/2012/main" xmlns:ahyp="http://schemas.microsoft.com/office/drawing/2018/hyperlinkcolor" showMasterPhAnim="0" showMasterSp="0">
+<p:notes xmlns:a="http://schemas.openxmlformats.org/drawingml/2006/main" xmlns:r="http://schemas.openxmlformats.org/officeDocument/2006/relationships" xmlns:p="http://schemas.openxmlformats.org/presentationml/2006/main" showMasterSp="0" showMasterPhAnim="0">
   <p:cSld>
     <p:spTree>
       <p:nvGrpSpPr>
-        <p:cNvPr id="98" name="Shape 98"/>
+        <p:cNvPr id="1" name="Shape 98"/>
         <p:cNvGrpSpPr/>
         <p:nvPr/>
       </p:nvGrpSpPr>
@@ -2024,9 +2089,11 @@
       <p:sp>
         <p:nvSpPr>
           <p:cNvPr id="99" name="Google Shape;99;p8:notes"/>
-          <p:cNvSpPr/>
+          <p:cNvSpPr>
+            <a:spLocks noGrp="1" noRot="1" noChangeAspect="1"/>
+          </p:cNvSpPr>
           <p:nvPr>
-            <p:ph idx="2" type="sldImg"/>
+            <p:ph type="sldImg" idx="2"/>
           </p:nvPr>
         </p:nvSpPr>
         <p:spPr>
@@ -2035,9 +2102,13 @@
             <a:ext cx="6096000" cy="3429000"/>
           </a:xfrm>
           <a:custGeom>
-            <a:rect b="b" l="l" r="r" t="t"/>
+            <a:avLst/>
+            <a:gdLst/>
+            <a:ahLst/>
+            <a:cxnLst/>
+            <a:rect l="l" t="t" r="r" b="b"/>
             <a:pathLst>
-              <a:path extrusionOk="0" h="120000" w="120000">
+              <a:path w="120000" h="120000" extrusionOk="0">
                 <a:moveTo>
                   <a:pt x="0" y="0"/>
                 </a:moveTo>
@@ -2055,23 +2126,25 @@
             </a:pathLst>
           </a:custGeom>
           <a:noFill/>
-          <a:ln cap="flat" cmpd="sng" w="9525">
+          <a:ln w="9525" cap="flat" cmpd="sng">
             <a:solidFill>
               <a:srgbClr val="000000"/>
             </a:solidFill>
             <a:prstDash val="solid"/>
             <a:round/>
-            <a:headEnd len="sm" w="sm" type="none"/>
-            <a:tailEnd len="sm" w="sm" type="none"/>
+            <a:headEnd type="none" w="sm" len="sm"/>
+            <a:tailEnd type="none" w="sm" len="sm"/>
           </a:ln>
         </p:spPr>
       </p:sp>
       <p:sp>
         <p:nvSpPr>
           <p:cNvPr id="100" name="Google Shape;100;p8:notes"/>
-          <p:cNvSpPr txBox="1"/>
+          <p:cNvSpPr txBox="1">
+            <a:spLocks noGrp="1"/>
+          </p:cNvSpPr>
           <p:nvPr>
-            <p:ph idx="1" type="body"/>
+            <p:ph type="body" idx="1"/>
           </p:nvPr>
         </p:nvSpPr>
         <p:spPr>
@@ -2088,12 +2161,12 @@
           </a:ln>
         </p:spPr>
         <p:txBody>
-          <a:bodyPr anchorCtr="0" anchor="t" bIns="91425" lIns="91425" spcFirstLastPara="1" rIns="91425" wrap="square" tIns="91425">
+          <a:bodyPr spcFirstLastPara="1" wrap="square" lIns="91425" tIns="91425" rIns="91425" bIns="91425" anchor="t" anchorCtr="0">
             <a:noAutofit/>
           </a:bodyPr>
           <a:lstStyle/>
           <a:p>
-            <a:pPr indent="0" lvl="0" marL="0" rtl="0" algn="l">
+            <a:pPr marL="0" lvl="0" indent="0" algn="l" rtl="0">
               <a:lnSpc>
                 <a:spcPct val="100000"/>
               </a:lnSpc>
@@ -2106,9 +2179,6 @@
               <a:buSzPts val="1100"/>
               <a:buNone/>
             </a:pPr>
-            <a:r>
-              <a:t/>
-            </a:r>
             <a:endParaRPr/>
           </a:p>
         </p:txBody>
@@ -2122,11 +2192,11 @@
 </file>
 
 <file path=ppt/slideLayouts/slideLayout1.xml><?xml version="1.0" encoding="utf-8"?>
-<p:sldLayout xmlns:a="http://schemas.openxmlformats.org/drawingml/2006/main" xmlns:r="http://schemas.openxmlformats.org/officeDocument/2006/relationships" xmlns:mc="http://schemas.openxmlformats.org/markup-compatibility/2006" xmlns:mv="urn:schemas-microsoft-com:mac:vml" xmlns:p="http://schemas.openxmlformats.org/presentationml/2006/main" xmlns:c="http://schemas.openxmlformats.org/drawingml/2006/chart" xmlns:dgm="http://schemas.openxmlformats.org/drawingml/2006/diagram" xmlns:o="urn:schemas-microsoft-com:office:office" xmlns:v="urn:schemas-microsoft-com:vml" xmlns:pvml="urn:schemas-microsoft-com:office:powerpoint" xmlns:com="http://schemas.openxmlformats.org/drawingml/2006/compatibility" xmlns:p14="http://schemas.microsoft.com/office/powerpoint/2010/main" xmlns:p15="http://schemas.microsoft.com/office/powerpoint/2012/main" xmlns:ahyp="http://schemas.microsoft.com/office/drawing/2018/hyperlinkcolor" matchingName="Title slide" type="title">
+<p:sldLayout xmlns:a="http://schemas.openxmlformats.org/drawingml/2006/main" xmlns:r="http://schemas.openxmlformats.org/officeDocument/2006/relationships" xmlns:p="http://schemas.openxmlformats.org/presentationml/2006/main" matchingName="Title slide" type="title">
   <p:cSld name="TITLE">
     <p:spTree>
       <p:nvGrpSpPr>
-        <p:cNvPr id="9" name="Shape 9"/>
+        <p:cNvPr id="1" name="Shape 9"/>
         <p:cNvGrpSpPr/>
         <p:nvPr/>
       </p:nvGrpSpPr>
@@ -2141,7 +2211,9 @@
       <p:sp>
         <p:nvSpPr>
           <p:cNvPr id="10" name="Google Shape;10;p10"/>
-          <p:cNvSpPr txBox="1"/>
+          <p:cNvSpPr txBox="1">
+            <a:spLocks noGrp="1"/>
+          </p:cNvSpPr>
           <p:nvPr>
             <p:ph type="ctrTitle"/>
           </p:nvPr>
@@ -2160,7 +2232,7 @@
           </a:ln>
         </p:spPr>
         <p:txBody>
-          <a:bodyPr anchorCtr="0" anchor="b" bIns="91425" lIns="91425" spcFirstLastPara="1" rIns="91425" wrap="square" tIns="91425">
+          <a:bodyPr spcFirstLastPara="1" wrap="square" lIns="91425" tIns="91425" rIns="91425" bIns="91425" anchor="b" anchorCtr="0">
             <a:normAutofit/>
           </a:bodyPr>
           <a:lstStyle>
@@ -2291,15 +2363,19 @@
               <a:defRPr sz="5200"/>
             </a:lvl9pPr>
           </a:lstStyle>
-          <a:p/>
+          <a:p>
+            <a:endParaRPr/>
+          </a:p>
         </p:txBody>
       </p:sp>
       <p:sp>
         <p:nvSpPr>
           <p:cNvPr id="11" name="Google Shape;11;p10"/>
-          <p:cNvSpPr txBox="1"/>
+          <p:cNvSpPr txBox="1">
+            <a:spLocks noGrp="1"/>
+          </p:cNvSpPr>
           <p:nvPr>
-            <p:ph idx="1" type="subTitle"/>
+            <p:ph type="subTitle" idx="1"/>
           </p:nvPr>
         </p:nvSpPr>
         <p:spPr>
@@ -2316,7 +2392,7 @@
           </a:ln>
         </p:spPr>
         <p:txBody>
-          <a:bodyPr anchorCtr="0" anchor="t" bIns="91425" lIns="91425" spcFirstLastPara="1" rIns="91425" wrap="square" tIns="91425">
+          <a:bodyPr spcFirstLastPara="1" wrap="square" lIns="91425" tIns="91425" rIns="91425" bIns="91425" anchor="t" anchorCtr="0">
             <a:normAutofit/>
           </a:bodyPr>
           <a:lstStyle>
@@ -2447,15 +2523,19 @@
               <a:defRPr sz="2800"/>
             </a:lvl9pPr>
           </a:lstStyle>
-          <a:p/>
+          <a:p>
+            <a:endParaRPr/>
+          </a:p>
         </p:txBody>
       </p:sp>
       <p:sp>
         <p:nvSpPr>
           <p:cNvPr id="12" name="Google Shape;12;p10"/>
-          <p:cNvSpPr txBox="1"/>
+          <p:cNvSpPr txBox="1">
+            <a:spLocks noGrp="1"/>
+          </p:cNvSpPr>
           <p:nvPr>
-            <p:ph idx="12" type="sldNum"/>
+            <p:ph type="sldNum" idx="12"/>
           </p:nvPr>
         </p:nvSpPr>
         <p:spPr>
@@ -2472,11 +2552,11 @@
           </a:ln>
         </p:spPr>
         <p:txBody>
-          <a:bodyPr anchorCtr="0" anchor="ctr" bIns="91425" lIns="91425" spcFirstLastPara="1" rIns="91425" wrap="square" tIns="91425">
+          <a:bodyPr spcFirstLastPara="1" wrap="square" lIns="91425" tIns="91425" rIns="91425" bIns="91425" anchor="ctr" anchorCtr="0">
             <a:normAutofit/>
           </a:bodyPr>
           <a:lstStyle>
-            <a:lvl1pPr indent="0" lvl="0" marL="0" marR="0" algn="r">
+            <a:lvl1pPr marL="0" marR="0" lvl="0" indent="0" algn="r">
               <a:lnSpc>
                 <a:spcPct val="100000"/>
               </a:lnSpc>
@@ -2492,7 +2572,7 @@
               <a:buSzPts val="1000"/>
               <a:buFont typeface="Arial"/>
               <a:buNone/>
-              <a:defRPr b="0" i="0" sz="1000" u="none" cap="none" strike="noStrike">
+              <a:defRPr sz="1000" b="0" i="0" u="none" strike="noStrike" cap="none">
                 <a:solidFill>
                   <a:schemeClr val="lt2"/>
                 </a:solidFill>
@@ -2502,7 +2582,7 @@
                 <a:sym typeface="Arial"/>
               </a:defRPr>
             </a:lvl1pPr>
-            <a:lvl2pPr indent="0" lvl="1" marL="0" marR="0" algn="r">
+            <a:lvl2pPr marL="0" marR="0" lvl="1" indent="0" algn="r">
               <a:lnSpc>
                 <a:spcPct val="100000"/>
               </a:lnSpc>
@@ -2518,7 +2598,7 @@
               <a:buSzPts val="1000"/>
               <a:buFont typeface="Arial"/>
               <a:buNone/>
-              <a:defRPr b="0" i="0" sz="1000" u="none" cap="none" strike="noStrike">
+              <a:defRPr sz="1000" b="0" i="0" u="none" strike="noStrike" cap="none">
                 <a:solidFill>
                   <a:schemeClr val="lt2"/>
                 </a:solidFill>
@@ -2528,7 +2608,7 @@
                 <a:sym typeface="Arial"/>
               </a:defRPr>
             </a:lvl2pPr>
-            <a:lvl3pPr indent="0" lvl="2" marL="0" marR="0" algn="r">
+            <a:lvl3pPr marL="0" marR="0" lvl="2" indent="0" algn="r">
               <a:lnSpc>
                 <a:spcPct val="100000"/>
               </a:lnSpc>
@@ -2544,7 +2624,7 @@
               <a:buSzPts val="1000"/>
               <a:buFont typeface="Arial"/>
               <a:buNone/>
-              <a:defRPr b="0" i="0" sz="1000" u="none" cap="none" strike="noStrike">
+              <a:defRPr sz="1000" b="0" i="0" u="none" strike="noStrike" cap="none">
                 <a:solidFill>
                   <a:schemeClr val="lt2"/>
                 </a:solidFill>
@@ -2554,7 +2634,7 @@
                 <a:sym typeface="Arial"/>
               </a:defRPr>
             </a:lvl3pPr>
-            <a:lvl4pPr indent="0" lvl="3" marL="0" marR="0" algn="r">
+            <a:lvl4pPr marL="0" marR="0" lvl="3" indent="0" algn="r">
               <a:lnSpc>
                 <a:spcPct val="100000"/>
               </a:lnSpc>
@@ -2570,7 +2650,7 @@
               <a:buSzPts val="1000"/>
               <a:buFont typeface="Arial"/>
               <a:buNone/>
-              <a:defRPr b="0" i="0" sz="1000" u="none" cap="none" strike="noStrike">
+              <a:defRPr sz="1000" b="0" i="0" u="none" strike="noStrike" cap="none">
                 <a:solidFill>
                   <a:schemeClr val="lt2"/>
                 </a:solidFill>
@@ -2580,7 +2660,7 @@
                 <a:sym typeface="Arial"/>
               </a:defRPr>
             </a:lvl4pPr>
-            <a:lvl5pPr indent="0" lvl="4" marL="0" marR="0" algn="r">
+            <a:lvl5pPr marL="0" marR="0" lvl="4" indent="0" algn="r">
               <a:lnSpc>
                 <a:spcPct val="100000"/>
               </a:lnSpc>
@@ -2596,7 +2676,7 @@
               <a:buSzPts val="1000"/>
               <a:buFont typeface="Arial"/>
               <a:buNone/>
-              <a:defRPr b="0" i="0" sz="1000" u="none" cap="none" strike="noStrike">
+              <a:defRPr sz="1000" b="0" i="0" u="none" strike="noStrike" cap="none">
                 <a:solidFill>
                   <a:schemeClr val="lt2"/>
                 </a:solidFill>
@@ -2606,7 +2686,7 @@
                 <a:sym typeface="Arial"/>
               </a:defRPr>
             </a:lvl5pPr>
-            <a:lvl6pPr indent="0" lvl="5" marL="0" marR="0" algn="r">
+            <a:lvl6pPr marL="0" marR="0" lvl="5" indent="0" algn="r">
               <a:lnSpc>
                 <a:spcPct val="100000"/>
               </a:lnSpc>
@@ -2622,7 +2702,7 @@
               <a:buSzPts val="1000"/>
               <a:buFont typeface="Arial"/>
               <a:buNone/>
-              <a:defRPr b="0" i="0" sz="1000" u="none" cap="none" strike="noStrike">
+              <a:defRPr sz="1000" b="0" i="0" u="none" strike="noStrike" cap="none">
                 <a:solidFill>
                   <a:schemeClr val="lt2"/>
                 </a:solidFill>
@@ -2632,7 +2712,7 @@
                 <a:sym typeface="Arial"/>
               </a:defRPr>
             </a:lvl6pPr>
-            <a:lvl7pPr indent="0" lvl="6" marL="0" marR="0" algn="r">
+            <a:lvl7pPr marL="0" marR="0" lvl="6" indent="0" algn="r">
               <a:lnSpc>
                 <a:spcPct val="100000"/>
               </a:lnSpc>
@@ -2648,7 +2728,7 @@
               <a:buSzPts val="1000"/>
               <a:buFont typeface="Arial"/>
               <a:buNone/>
-              <a:defRPr b="0" i="0" sz="1000" u="none" cap="none" strike="noStrike">
+              <a:defRPr sz="1000" b="0" i="0" u="none" strike="noStrike" cap="none">
                 <a:solidFill>
                   <a:schemeClr val="lt2"/>
                 </a:solidFill>
@@ -2658,7 +2738,7 @@
                 <a:sym typeface="Arial"/>
               </a:defRPr>
             </a:lvl7pPr>
-            <a:lvl8pPr indent="0" lvl="7" marL="0" marR="0" algn="r">
+            <a:lvl8pPr marL="0" marR="0" lvl="7" indent="0" algn="r">
               <a:lnSpc>
                 <a:spcPct val="100000"/>
               </a:lnSpc>
@@ -2674,7 +2754,7 @@
               <a:buSzPts val="1000"/>
               <a:buFont typeface="Arial"/>
               <a:buNone/>
-              <a:defRPr b="0" i="0" sz="1000" u="none" cap="none" strike="noStrike">
+              <a:defRPr sz="1000" b="0" i="0" u="none" strike="noStrike" cap="none">
                 <a:solidFill>
                   <a:schemeClr val="lt2"/>
                 </a:solidFill>
@@ -2684,7 +2764,7 @@
                 <a:sym typeface="Arial"/>
               </a:defRPr>
             </a:lvl8pPr>
-            <a:lvl9pPr indent="0" lvl="8" marL="0" marR="0" algn="r">
+            <a:lvl9pPr marL="0" marR="0" lvl="8" indent="0" algn="r">
               <a:lnSpc>
                 <a:spcPct val="100000"/>
               </a:lnSpc>
@@ -2700,7 +2780,7 @@
               <a:buSzPts val="1000"/>
               <a:buFont typeface="Arial"/>
               <a:buNone/>
-              <a:defRPr b="0" i="0" sz="1000" u="none" cap="none" strike="noStrike">
+              <a:defRPr sz="1000" b="0" i="0" u="none" strike="noStrike" cap="none">
                 <a:solidFill>
                   <a:schemeClr val="lt2"/>
                 </a:solidFill>
@@ -2712,7 +2792,7 @@
             </a:lvl9pPr>
           </a:lstStyle>
           <a:p>
-            <a:pPr indent="0" lvl="0" marL="0" rtl="0" algn="r">
+            <a:pPr marL="0" lvl="0" indent="0" algn="r" rtl="0">
               <a:spcBef>
                 <a:spcPts val="0"/>
               </a:spcBef>
@@ -2723,7 +2803,7 @@
             </a:pPr>
             <a:fld id="{00000000-1234-1234-1234-123412341234}" type="slidenum">
               <a:rPr lang="pt-BR"/>
-              <a:t>‹#›</a:t>
+              <a:t>‹nº›</a:t>
             </a:fld>
             <a:endParaRPr/>
           </a:p>
@@ -2738,11 +2818,11 @@
 </file>
 
 <file path=ppt/slideLayouts/slideLayout10.xml><?xml version="1.0" encoding="utf-8"?>
-<p:sldLayout xmlns:a="http://schemas.openxmlformats.org/drawingml/2006/main" xmlns:r="http://schemas.openxmlformats.org/officeDocument/2006/relationships" xmlns:mc="http://schemas.openxmlformats.org/markup-compatibility/2006" xmlns:mv="urn:schemas-microsoft-com:mac:vml" xmlns:p="http://schemas.openxmlformats.org/presentationml/2006/main" xmlns:c="http://schemas.openxmlformats.org/drawingml/2006/chart" xmlns:dgm="http://schemas.openxmlformats.org/drawingml/2006/diagram" xmlns:o="urn:schemas-microsoft-com:office:office" xmlns:v="urn:schemas-microsoft-com:vml" xmlns:pvml="urn:schemas-microsoft-com:office:powerpoint" xmlns:com="http://schemas.openxmlformats.org/drawingml/2006/compatibility" xmlns:p14="http://schemas.microsoft.com/office/powerpoint/2010/main" xmlns:p15="http://schemas.microsoft.com/office/powerpoint/2012/main" xmlns:ahyp="http://schemas.microsoft.com/office/drawing/2018/hyperlinkcolor" matchingName="Big number">
+<p:sldLayout xmlns:a="http://schemas.openxmlformats.org/drawingml/2006/main" xmlns:r="http://schemas.openxmlformats.org/officeDocument/2006/relationships" xmlns:p="http://schemas.openxmlformats.org/presentationml/2006/main" matchingName="Big number">
   <p:cSld name="BIG_NUMBER">
     <p:spTree>
       <p:nvGrpSpPr>
-        <p:cNvPr id="44" name="Shape 44"/>
+        <p:cNvPr id="1" name="Shape 44"/>
         <p:cNvGrpSpPr/>
         <p:nvPr/>
       </p:nvGrpSpPr>
@@ -2757,9 +2837,11 @@
       <p:sp>
         <p:nvSpPr>
           <p:cNvPr id="45" name="Google Shape;45;p19"/>
-          <p:cNvSpPr txBox="1"/>
+          <p:cNvSpPr txBox="1">
+            <a:spLocks noGrp="1"/>
+          </p:cNvSpPr>
           <p:nvPr>
-            <p:ph hasCustomPrompt="1" type="title"/>
+            <p:ph type="title" hasCustomPrompt="1"/>
           </p:nvPr>
         </p:nvSpPr>
         <p:spPr>
@@ -2776,7 +2858,7 @@
           </a:ln>
         </p:spPr>
         <p:txBody>
-          <a:bodyPr anchorCtr="0" anchor="b" bIns="91425" lIns="91425" spcFirstLastPara="1" rIns="91425" wrap="square" tIns="91425">
+          <a:bodyPr spcFirstLastPara="1" wrap="square" lIns="91425" tIns="91425" rIns="91425" bIns="91425" anchor="b" anchorCtr="0">
             <a:normAutofit/>
           </a:bodyPr>
           <a:lstStyle>
@@ -2917,9 +2999,11 @@
       <p:sp>
         <p:nvSpPr>
           <p:cNvPr id="46" name="Google Shape;46;p19"/>
-          <p:cNvSpPr txBox="1"/>
+          <p:cNvSpPr txBox="1">
+            <a:spLocks noGrp="1"/>
+          </p:cNvSpPr>
           <p:nvPr>
-            <p:ph idx="1" type="body"/>
+            <p:ph type="body" idx="1"/>
           </p:nvPr>
         </p:nvSpPr>
         <p:spPr>
@@ -2936,11 +3020,11 @@
           </a:ln>
         </p:spPr>
         <p:txBody>
-          <a:bodyPr anchorCtr="0" anchor="t" bIns="91425" lIns="91425" spcFirstLastPara="1" rIns="91425" wrap="square" tIns="91425">
+          <a:bodyPr spcFirstLastPara="1" wrap="square" lIns="91425" tIns="91425" rIns="91425" bIns="91425" anchor="t" anchorCtr="0">
             <a:normAutofit/>
           </a:bodyPr>
           <a:lstStyle>
-            <a:lvl1pPr indent="-342900" lvl="0" marL="457200" algn="ctr">
+            <a:lvl1pPr marL="457200" lvl="0" indent="-342900" algn="ctr">
               <a:lnSpc>
                 <a:spcPct val="115000"/>
               </a:lnSpc>
@@ -2954,7 +3038,7 @@
               <a:buChar char="●"/>
               <a:defRPr/>
             </a:lvl1pPr>
-            <a:lvl2pPr indent="-317500" lvl="1" marL="914400" algn="ctr">
+            <a:lvl2pPr marL="914400" lvl="1" indent="-317500" algn="ctr">
               <a:lnSpc>
                 <a:spcPct val="115000"/>
               </a:lnSpc>
@@ -2968,7 +3052,7 @@
               <a:buChar char="○"/>
               <a:defRPr/>
             </a:lvl2pPr>
-            <a:lvl3pPr indent="-317500" lvl="2" marL="1371600" algn="ctr">
+            <a:lvl3pPr marL="1371600" lvl="2" indent="-317500" algn="ctr">
               <a:lnSpc>
                 <a:spcPct val="115000"/>
               </a:lnSpc>
@@ -2982,7 +3066,7 @@
               <a:buChar char="■"/>
               <a:defRPr/>
             </a:lvl3pPr>
-            <a:lvl4pPr indent="-317500" lvl="3" marL="1828800" algn="ctr">
+            <a:lvl4pPr marL="1828800" lvl="3" indent="-317500" algn="ctr">
               <a:lnSpc>
                 <a:spcPct val="115000"/>
               </a:lnSpc>
@@ -2996,7 +3080,7 @@
               <a:buChar char="●"/>
               <a:defRPr/>
             </a:lvl4pPr>
-            <a:lvl5pPr indent="-317500" lvl="4" marL="2286000" algn="ctr">
+            <a:lvl5pPr marL="2286000" lvl="4" indent="-317500" algn="ctr">
               <a:lnSpc>
                 <a:spcPct val="115000"/>
               </a:lnSpc>
@@ -3010,7 +3094,7 @@
               <a:buChar char="○"/>
               <a:defRPr/>
             </a:lvl5pPr>
-            <a:lvl6pPr indent="-317500" lvl="5" marL="2743200" algn="ctr">
+            <a:lvl6pPr marL="2743200" lvl="5" indent="-317500" algn="ctr">
               <a:lnSpc>
                 <a:spcPct val="115000"/>
               </a:lnSpc>
@@ -3024,7 +3108,7 @@
               <a:buChar char="■"/>
               <a:defRPr/>
             </a:lvl6pPr>
-            <a:lvl7pPr indent="-317500" lvl="6" marL="3200400" algn="ctr">
+            <a:lvl7pPr marL="3200400" lvl="6" indent="-317500" algn="ctr">
               <a:lnSpc>
                 <a:spcPct val="115000"/>
               </a:lnSpc>
@@ -3038,7 +3122,7 @@
               <a:buChar char="●"/>
               <a:defRPr/>
             </a:lvl7pPr>
-            <a:lvl8pPr indent="-317500" lvl="7" marL="3657600" algn="ctr">
+            <a:lvl8pPr marL="3657600" lvl="7" indent="-317500" algn="ctr">
               <a:lnSpc>
                 <a:spcPct val="115000"/>
               </a:lnSpc>
@@ -3052,7 +3136,7 @@
               <a:buChar char="○"/>
               <a:defRPr/>
             </a:lvl8pPr>
-            <a:lvl9pPr indent="-317500" lvl="8" marL="4114800" algn="ctr">
+            <a:lvl9pPr marL="4114800" lvl="8" indent="-317500" algn="ctr">
               <a:lnSpc>
                 <a:spcPct val="115000"/>
               </a:lnSpc>
@@ -3067,15 +3151,19 @@
               <a:defRPr/>
             </a:lvl9pPr>
           </a:lstStyle>
-          <a:p/>
+          <a:p>
+            <a:endParaRPr/>
+          </a:p>
         </p:txBody>
       </p:sp>
       <p:sp>
         <p:nvSpPr>
           <p:cNvPr id="47" name="Google Shape;47;p19"/>
-          <p:cNvSpPr txBox="1"/>
+          <p:cNvSpPr txBox="1">
+            <a:spLocks noGrp="1"/>
+          </p:cNvSpPr>
           <p:nvPr>
-            <p:ph idx="12" type="sldNum"/>
+            <p:ph type="sldNum" idx="12"/>
           </p:nvPr>
         </p:nvSpPr>
         <p:spPr>
@@ -3092,11 +3180,11 @@
           </a:ln>
         </p:spPr>
         <p:txBody>
-          <a:bodyPr anchorCtr="0" anchor="ctr" bIns="91425" lIns="91425" spcFirstLastPara="1" rIns="91425" wrap="square" tIns="91425">
+          <a:bodyPr spcFirstLastPara="1" wrap="square" lIns="91425" tIns="91425" rIns="91425" bIns="91425" anchor="ctr" anchorCtr="0">
             <a:normAutofit/>
           </a:bodyPr>
           <a:lstStyle>
-            <a:lvl1pPr indent="0" lvl="0" marL="0" marR="0" algn="r">
+            <a:lvl1pPr marL="0" marR="0" lvl="0" indent="0" algn="r">
               <a:lnSpc>
                 <a:spcPct val="100000"/>
               </a:lnSpc>
@@ -3112,7 +3200,7 @@
               <a:buSzPts val="1000"/>
               <a:buFont typeface="Arial"/>
               <a:buNone/>
-              <a:defRPr b="0" i="0" sz="1000" u="none" cap="none" strike="noStrike">
+              <a:defRPr sz="1000" b="0" i="0" u="none" strike="noStrike" cap="none">
                 <a:solidFill>
                   <a:schemeClr val="lt2"/>
                 </a:solidFill>
@@ -3122,7 +3210,7 @@
                 <a:sym typeface="Arial"/>
               </a:defRPr>
             </a:lvl1pPr>
-            <a:lvl2pPr indent="0" lvl="1" marL="0" marR="0" algn="r">
+            <a:lvl2pPr marL="0" marR="0" lvl="1" indent="0" algn="r">
               <a:lnSpc>
                 <a:spcPct val="100000"/>
               </a:lnSpc>
@@ -3138,7 +3226,7 @@
               <a:buSzPts val="1000"/>
               <a:buFont typeface="Arial"/>
               <a:buNone/>
-              <a:defRPr b="0" i="0" sz="1000" u="none" cap="none" strike="noStrike">
+              <a:defRPr sz="1000" b="0" i="0" u="none" strike="noStrike" cap="none">
                 <a:solidFill>
                   <a:schemeClr val="lt2"/>
                 </a:solidFill>
@@ -3148,7 +3236,7 @@
                 <a:sym typeface="Arial"/>
               </a:defRPr>
             </a:lvl2pPr>
-            <a:lvl3pPr indent="0" lvl="2" marL="0" marR="0" algn="r">
+            <a:lvl3pPr marL="0" marR="0" lvl="2" indent="0" algn="r">
               <a:lnSpc>
                 <a:spcPct val="100000"/>
               </a:lnSpc>
@@ -3164,7 +3252,7 @@
               <a:buSzPts val="1000"/>
               <a:buFont typeface="Arial"/>
               <a:buNone/>
-              <a:defRPr b="0" i="0" sz="1000" u="none" cap="none" strike="noStrike">
+              <a:defRPr sz="1000" b="0" i="0" u="none" strike="noStrike" cap="none">
                 <a:solidFill>
                   <a:schemeClr val="lt2"/>
                 </a:solidFill>
@@ -3174,7 +3262,7 @@
                 <a:sym typeface="Arial"/>
               </a:defRPr>
             </a:lvl3pPr>
-            <a:lvl4pPr indent="0" lvl="3" marL="0" marR="0" algn="r">
+            <a:lvl4pPr marL="0" marR="0" lvl="3" indent="0" algn="r">
               <a:lnSpc>
                 <a:spcPct val="100000"/>
               </a:lnSpc>
@@ -3190,7 +3278,7 @@
               <a:buSzPts val="1000"/>
               <a:buFont typeface="Arial"/>
               <a:buNone/>
-              <a:defRPr b="0" i="0" sz="1000" u="none" cap="none" strike="noStrike">
+              <a:defRPr sz="1000" b="0" i="0" u="none" strike="noStrike" cap="none">
                 <a:solidFill>
                   <a:schemeClr val="lt2"/>
                 </a:solidFill>
@@ -3200,7 +3288,7 @@
                 <a:sym typeface="Arial"/>
               </a:defRPr>
             </a:lvl4pPr>
-            <a:lvl5pPr indent="0" lvl="4" marL="0" marR="0" algn="r">
+            <a:lvl5pPr marL="0" marR="0" lvl="4" indent="0" algn="r">
               <a:lnSpc>
                 <a:spcPct val="100000"/>
               </a:lnSpc>
@@ -3216,7 +3304,7 @@
               <a:buSzPts val="1000"/>
               <a:buFont typeface="Arial"/>
               <a:buNone/>
-              <a:defRPr b="0" i="0" sz="1000" u="none" cap="none" strike="noStrike">
+              <a:defRPr sz="1000" b="0" i="0" u="none" strike="noStrike" cap="none">
                 <a:solidFill>
                   <a:schemeClr val="lt2"/>
                 </a:solidFill>
@@ -3226,7 +3314,7 @@
                 <a:sym typeface="Arial"/>
               </a:defRPr>
             </a:lvl5pPr>
-            <a:lvl6pPr indent="0" lvl="5" marL="0" marR="0" algn="r">
+            <a:lvl6pPr marL="0" marR="0" lvl="5" indent="0" algn="r">
               <a:lnSpc>
                 <a:spcPct val="100000"/>
               </a:lnSpc>
@@ -3242,7 +3330,7 @@
               <a:buSzPts val="1000"/>
               <a:buFont typeface="Arial"/>
               <a:buNone/>
-              <a:defRPr b="0" i="0" sz="1000" u="none" cap="none" strike="noStrike">
+              <a:defRPr sz="1000" b="0" i="0" u="none" strike="noStrike" cap="none">
                 <a:solidFill>
                   <a:schemeClr val="lt2"/>
                 </a:solidFill>
@@ -3252,7 +3340,7 @@
                 <a:sym typeface="Arial"/>
               </a:defRPr>
             </a:lvl6pPr>
-            <a:lvl7pPr indent="0" lvl="6" marL="0" marR="0" algn="r">
+            <a:lvl7pPr marL="0" marR="0" lvl="6" indent="0" algn="r">
               <a:lnSpc>
                 <a:spcPct val="100000"/>
               </a:lnSpc>
@@ -3268,7 +3356,7 @@
               <a:buSzPts val="1000"/>
               <a:buFont typeface="Arial"/>
               <a:buNone/>
-              <a:defRPr b="0" i="0" sz="1000" u="none" cap="none" strike="noStrike">
+              <a:defRPr sz="1000" b="0" i="0" u="none" strike="noStrike" cap="none">
                 <a:solidFill>
                   <a:schemeClr val="lt2"/>
                 </a:solidFill>
@@ -3278,7 +3366,7 @@
                 <a:sym typeface="Arial"/>
               </a:defRPr>
             </a:lvl7pPr>
-            <a:lvl8pPr indent="0" lvl="7" marL="0" marR="0" algn="r">
+            <a:lvl8pPr marL="0" marR="0" lvl="7" indent="0" algn="r">
               <a:lnSpc>
                 <a:spcPct val="100000"/>
               </a:lnSpc>
@@ -3294,7 +3382,7 @@
               <a:buSzPts val="1000"/>
               <a:buFont typeface="Arial"/>
               <a:buNone/>
-              <a:defRPr b="0" i="0" sz="1000" u="none" cap="none" strike="noStrike">
+              <a:defRPr sz="1000" b="0" i="0" u="none" strike="noStrike" cap="none">
                 <a:solidFill>
                   <a:schemeClr val="lt2"/>
                 </a:solidFill>
@@ -3304,7 +3392,7 @@
                 <a:sym typeface="Arial"/>
               </a:defRPr>
             </a:lvl8pPr>
-            <a:lvl9pPr indent="0" lvl="8" marL="0" marR="0" algn="r">
+            <a:lvl9pPr marL="0" marR="0" lvl="8" indent="0" algn="r">
               <a:lnSpc>
                 <a:spcPct val="100000"/>
               </a:lnSpc>
@@ -3320,7 +3408,7 @@
               <a:buSzPts val="1000"/>
               <a:buFont typeface="Arial"/>
               <a:buNone/>
-              <a:defRPr b="0" i="0" sz="1000" u="none" cap="none" strike="noStrike">
+              <a:defRPr sz="1000" b="0" i="0" u="none" strike="noStrike" cap="none">
                 <a:solidFill>
                   <a:schemeClr val="lt2"/>
                 </a:solidFill>
@@ -3332,7 +3420,7 @@
             </a:lvl9pPr>
           </a:lstStyle>
           <a:p>
-            <a:pPr indent="0" lvl="0" marL="0" rtl="0" algn="r">
+            <a:pPr marL="0" lvl="0" indent="0" algn="r" rtl="0">
               <a:spcBef>
                 <a:spcPts val="0"/>
               </a:spcBef>
@@ -3343,7 +3431,7 @@
             </a:pPr>
             <a:fld id="{00000000-1234-1234-1234-123412341234}" type="slidenum">
               <a:rPr lang="pt-BR"/>
-              <a:t>‹#›</a:t>
+              <a:t>‹nº›</a:t>
             </a:fld>
             <a:endParaRPr/>
           </a:p>
@@ -3358,11 +3446,11 @@
 </file>
 
 <file path=ppt/slideLayouts/slideLayout11.xml><?xml version="1.0" encoding="utf-8"?>
-<p:sldLayout xmlns:a="http://schemas.openxmlformats.org/drawingml/2006/main" xmlns:r="http://schemas.openxmlformats.org/officeDocument/2006/relationships" xmlns:mc="http://schemas.openxmlformats.org/markup-compatibility/2006" xmlns:mv="urn:schemas-microsoft-com:mac:vml" xmlns:p="http://schemas.openxmlformats.org/presentationml/2006/main" xmlns:c="http://schemas.openxmlformats.org/drawingml/2006/chart" xmlns:dgm="http://schemas.openxmlformats.org/drawingml/2006/diagram" xmlns:o="urn:schemas-microsoft-com:office:office" xmlns:v="urn:schemas-microsoft-com:vml" xmlns:pvml="urn:schemas-microsoft-com:office:powerpoint" xmlns:com="http://schemas.openxmlformats.org/drawingml/2006/compatibility" xmlns:p14="http://schemas.microsoft.com/office/powerpoint/2010/main" xmlns:p15="http://schemas.microsoft.com/office/powerpoint/2012/main" xmlns:ahyp="http://schemas.microsoft.com/office/drawing/2018/hyperlinkcolor" matchingName="Blank" type="blank">
+<p:sldLayout xmlns:a="http://schemas.openxmlformats.org/drawingml/2006/main" xmlns:r="http://schemas.openxmlformats.org/officeDocument/2006/relationships" xmlns:p="http://schemas.openxmlformats.org/presentationml/2006/main" matchingName="Blank" type="blank">
   <p:cSld name="BLANK">
     <p:spTree>
       <p:nvGrpSpPr>
-        <p:cNvPr id="48" name="Shape 48"/>
+        <p:cNvPr id="1" name="Shape 48"/>
         <p:cNvGrpSpPr/>
         <p:nvPr/>
       </p:nvGrpSpPr>
@@ -3377,9 +3465,11 @@
       <p:sp>
         <p:nvSpPr>
           <p:cNvPr id="49" name="Google Shape;49;p20"/>
-          <p:cNvSpPr txBox="1"/>
+          <p:cNvSpPr txBox="1">
+            <a:spLocks noGrp="1"/>
+          </p:cNvSpPr>
           <p:nvPr>
-            <p:ph idx="12" type="sldNum"/>
+            <p:ph type="sldNum" idx="12"/>
           </p:nvPr>
         </p:nvSpPr>
         <p:spPr>
@@ -3396,11 +3486,11 @@
           </a:ln>
         </p:spPr>
         <p:txBody>
-          <a:bodyPr anchorCtr="0" anchor="ctr" bIns="91425" lIns="91425" spcFirstLastPara="1" rIns="91425" wrap="square" tIns="91425">
+          <a:bodyPr spcFirstLastPara="1" wrap="square" lIns="91425" tIns="91425" rIns="91425" bIns="91425" anchor="ctr" anchorCtr="0">
             <a:normAutofit/>
           </a:bodyPr>
           <a:lstStyle>
-            <a:lvl1pPr indent="0" lvl="0" marL="0" marR="0" algn="r">
+            <a:lvl1pPr marL="0" marR="0" lvl="0" indent="0" algn="r">
               <a:lnSpc>
                 <a:spcPct val="100000"/>
               </a:lnSpc>
@@ -3416,7 +3506,7 @@
               <a:buSzPts val="1000"/>
               <a:buFont typeface="Arial"/>
               <a:buNone/>
-              <a:defRPr b="0" i="0" sz="1000" u="none" cap="none" strike="noStrike">
+              <a:defRPr sz="1000" b="0" i="0" u="none" strike="noStrike" cap="none">
                 <a:solidFill>
                   <a:schemeClr val="lt2"/>
                 </a:solidFill>
@@ -3426,7 +3516,7 @@
                 <a:sym typeface="Arial"/>
               </a:defRPr>
             </a:lvl1pPr>
-            <a:lvl2pPr indent="0" lvl="1" marL="0" marR="0" algn="r">
+            <a:lvl2pPr marL="0" marR="0" lvl="1" indent="0" algn="r">
               <a:lnSpc>
                 <a:spcPct val="100000"/>
               </a:lnSpc>
@@ -3442,7 +3532,7 @@
               <a:buSzPts val="1000"/>
               <a:buFont typeface="Arial"/>
               <a:buNone/>
-              <a:defRPr b="0" i="0" sz="1000" u="none" cap="none" strike="noStrike">
+              <a:defRPr sz="1000" b="0" i="0" u="none" strike="noStrike" cap="none">
                 <a:solidFill>
                   <a:schemeClr val="lt2"/>
                 </a:solidFill>
@@ -3452,7 +3542,7 @@
                 <a:sym typeface="Arial"/>
               </a:defRPr>
             </a:lvl2pPr>
-            <a:lvl3pPr indent="0" lvl="2" marL="0" marR="0" algn="r">
+            <a:lvl3pPr marL="0" marR="0" lvl="2" indent="0" algn="r">
               <a:lnSpc>
                 <a:spcPct val="100000"/>
               </a:lnSpc>
@@ -3468,7 +3558,7 @@
               <a:buSzPts val="1000"/>
               <a:buFont typeface="Arial"/>
               <a:buNone/>
-              <a:defRPr b="0" i="0" sz="1000" u="none" cap="none" strike="noStrike">
+              <a:defRPr sz="1000" b="0" i="0" u="none" strike="noStrike" cap="none">
                 <a:solidFill>
                   <a:schemeClr val="lt2"/>
                 </a:solidFill>
@@ -3478,7 +3568,7 @@
                 <a:sym typeface="Arial"/>
               </a:defRPr>
             </a:lvl3pPr>
-            <a:lvl4pPr indent="0" lvl="3" marL="0" marR="0" algn="r">
+            <a:lvl4pPr marL="0" marR="0" lvl="3" indent="0" algn="r">
               <a:lnSpc>
                 <a:spcPct val="100000"/>
               </a:lnSpc>
@@ -3494,7 +3584,7 @@
               <a:buSzPts val="1000"/>
               <a:buFont typeface="Arial"/>
               <a:buNone/>
-              <a:defRPr b="0" i="0" sz="1000" u="none" cap="none" strike="noStrike">
+              <a:defRPr sz="1000" b="0" i="0" u="none" strike="noStrike" cap="none">
                 <a:solidFill>
                   <a:schemeClr val="lt2"/>
                 </a:solidFill>
@@ -3504,7 +3594,7 @@
                 <a:sym typeface="Arial"/>
               </a:defRPr>
             </a:lvl4pPr>
-            <a:lvl5pPr indent="0" lvl="4" marL="0" marR="0" algn="r">
+            <a:lvl5pPr marL="0" marR="0" lvl="4" indent="0" algn="r">
               <a:lnSpc>
                 <a:spcPct val="100000"/>
               </a:lnSpc>
@@ -3520,7 +3610,7 @@
               <a:buSzPts val="1000"/>
               <a:buFont typeface="Arial"/>
               <a:buNone/>
-              <a:defRPr b="0" i="0" sz="1000" u="none" cap="none" strike="noStrike">
+              <a:defRPr sz="1000" b="0" i="0" u="none" strike="noStrike" cap="none">
                 <a:solidFill>
                   <a:schemeClr val="lt2"/>
                 </a:solidFill>
@@ -3530,7 +3620,7 @@
                 <a:sym typeface="Arial"/>
               </a:defRPr>
             </a:lvl5pPr>
-            <a:lvl6pPr indent="0" lvl="5" marL="0" marR="0" algn="r">
+            <a:lvl6pPr marL="0" marR="0" lvl="5" indent="0" algn="r">
               <a:lnSpc>
                 <a:spcPct val="100000"/>
               </a:lnSpc>
@@ -3546,7 +3636,7 @@
               <a:buSzPts val="1000"/>
               <a:buFont typeface="Arial"/>
               <a:buNone/>
-              <a:defRPr b="0" i="0" sz="1000" u="none" cap="none" strike="noStrike">
+              <a:defRPr sz="1000" b="0" i="0" u="none" strike="noStrike" cap="none">
                 <a:solidFill>
                   <a:schemeClr val="lt2"/>
                 </a:solidFill>
@@ -3556,7 +3646,7 @@
                 <a:sym typeface="Arial"/>
               </a:defRPr>
             </a:lvl6pPr>
-            <a:lvl7pPr indent="0" lvl="6" marL="0" marR="0" algn="r">
+            <a:lvl7pPr marL="0" marR="0" lvl="6" indent="0" algn="r">
               <a:lnSpc>
                 <a:spcPct val="100000"/>
               </a:lnSpc>
@@ -3572,7 +3662,7 @@
               <a:buSzPts val="1000"/>
               <a:buFont typeface="Arial"/>
               <a:buNone/>
-              <a:defRPr b="0" i="0" sz="1000" u="none" cap="none" strike="noStrike">
+              <a:defRPr sz="1000" b="0" i="0" u="none" strike="noStrike" cap="none">
                 <a:solidFill>
                   <a:schemeClr val="lt2"/>
                 </a:solidFill>
@@ -3582,7 +3672,7 @@
                 <a:sym typeface="Arial"/>
               </a:defRPr>
             </a:lvl7pPr>
-            <a:lvl8pPr indent="0" lvl="7" marL="0" marR="0" algn="r">
+            <a:lvl8pPr marL="0" marR="0" lvl="7" indent="0" algn="r">
               <a:lnSpc>
                 <a:spcPct val="100000"/>
               </a:lnSpc>
@@ -3598,7 +3688,7 @@
               <a:buSzPts val="1000"/>
               <a:buFont typeface="Arial"/>
               <a:buNone/>
-              <a:defRPr b="0" i="0" sz="1000" u="none" cap="none" strike="noStrike">
+              <a:defRPr sz="1000" b="0" i="0" u="none" strike="noStrike" cap="none">
                 <a:solidFill>
                   <a:schemeClr val="lt2"/>
                 </a:solidFill>
@@ -3608,7 +3698,7 @@
                 <a:sym typeface="Arial"/>
               </a:defRPr>
             </a:lvl8pPr>
-            <a:lvl9pPr indent="0" lvl="8" marL="0" marR="0" algn="r">
+            <a:lvl9pPr marL="0" marR="0" lvl="8" indent="0" algn="r">
               <a:lnSpc>
                 <a:spcPct val="100000"/>
               </a:lnSpc>
@@ -3624,7 +3714,7 @@
               <a:buSzPts val="1000"/>
               <a:buFont typeface="Arial"/>
               <a:buNone/>
-              <a:defRPr b="0" i="0" sz="1000" u="none" cap="none" strike="noStrike">
+              <a:defRPr sz="1000" b="0" i="0" u="none" strike="noStrike" cap="none">
                 <a:solidFill>
                   <a:schemeClr val="lt2"/>
                 </a:solidFill>
@@ -3636,7 +3726,7 @@
             </a:lvl9pPr>
           </a:lstStyle>
           <a:p>
-            <a:pPr indent="0" lvl="0" marL="0" rtl="0" algn="r">
+            <a:pPr marL="0" lvl="0" indent="0" algn="r" rtl="0">
               <a:spcBef>
                 <a:spcPts val="0"/>
               </a:spcBef>
@@ -3647,7 +3737,7 @@
             </a:pPr>
             <a:fld id="{00000000-1234-1234-1234-123412341234}" type="slidenum">
               <a:rPr lang="pt-BR"/>
-              <a:t>‹#›</a:t>
+              <a:t>‹nº›</a:t>
             </a:fld>
             <a:endParaRPr/>
           </a:p>
@@ -3662,11 +3752,11 @@
 </file>
 
 <file path=ppt/slideLayouts/slideLayout2.xml><?xml version="1.0" encoding="utf-8"?>
-<p:sldLayout xmlns:a="http://schemas.openxmlformats.org/drawingml/2006/main" xmlns:r="http://schemas.openxmlformats.org/officeDocument/2006/relationships" xmlns:mc="http://schemas.openxmlformats.org/markup-compatibility/2006" xmlns:mv="urn:schemas-microsoft-com:mac:vml" xmlns:p="http://schemas.openxmlformats.org/presentationml/2006/main" xmlns:c="http://schemas.openxmlformats.org/drawingml/2006/chart" xmlns:dgm="http://schemas.openxmlformats.org/drawingml/2006/diagram" xmlns:o="urn:schemas-microsoft-com:office:office" xmlns:v="urn:schemas-microsoft-com:vml" xmlns:pvml="urn:schemas-microsoft-com:office:powerpoint" xmlns:com="http://schemas.openxmlformats.org/drawingml/2006/compatibility" xmlns:p14="http://schemas.microsoft.com/office/powerpoint/2010/main" xmlns:p15="http://schemas.microsoft.com/office/powerpoint/2012/main" xmlns:ahyp="http://schemas.microsoft.com/office/drawing/2018/hyperlinkcolor" matchingName="Title and body" type="tx">
+<p:sldLayout xmlns:a="http://schemas.openxmlformats.org/drawingml/2006/main" xmlns:r="http://schemas.openxmlformats.org/officeDocument/2006/relationships" xmlns:p="http://schemas.openxmlformats.org/presentationml/2006/main" matchingName="Title and body" type="tx">
   <p:cSld name="TITLE_AND_BODY">
     <p:spTree>
       <p:nvGrpSpPr>
-        <p:cNvPr id="13" name="Shape 13"/>
+        <p:cNvPr id="1" name="Shape 13"/>
         <p:cNvGrpSpPr/>
         <p:nvPr/>
       </p:nvGrpSpPr>
@@ -3681,7 +3771,9 @@
       <p:sp>
         <p:nvSpPr>
           <p:cNvPr id="14" name="Google Shape;14;p11"/>
-          <p:cNvSpPr txBox="1"/>
+          <p:cNvSpPr txBox="1">
+            <a:spLocks noGrp="1"/>
+          </p:cNvSpPr>
           <p:nvPr>
             <p:ph type="title"/>
           </p:nvPr>
@@ -3700,7 +3792,7 @@
           </a:ln>
         </p:spPr>
         <p:txBody>
-          <a:bodyPr anchorCtr="0" anchor="t" bIns="91425" lIns="91425" spcFirstLastPara="1" rIns="91425" wrap="square" tIns="91425">
+          <a:bodyPr spcFirstLastPara="1" wrap="square" lIns="91425" tIns="91425" rIns="91425" bIns="91425" anchor="t" anchorCtr="0">
             <a:normAutofit/>
           </a:bodyPr>
           <a:lstStyle>
@@ -3831,15 +3923,19 @@
               <a:defRPr/>
             </a:lvl9pPr>
           </a:lstStyle>
-          <a:p/>
+          <a:p>
+            <a:endParaRPr/>
+          </a:p>
         </p:txBody>
       </p:sp>
       <p:sp>
         <p:nvSpPr>
           <p:cNvPr id="15" name="Google Shape;15;p11"/>
-          <p:cNvSpPr txBox="1"/>
+          <p:cNvSpPr txBox="1">
+            <a:spLocks noGrp="1"/>
+          </p:cNvSpPr>
           <p:nvPr>
-            <p:ph idx="1" type="body"/>
+            <p:ph type="body" idx="1"/>
           </p:nvPr>
         </p:nvSpPr>
         <p:spPr>
@@ -3856,11 +3952,11 @@
           </a:ln>
         </p:spPr>
         <p:txBody>
-          <a:bodyPr anchorCtr="0" anchor="t" bIns="91425" lIns="91425" spcFirstLastPara="1" rIns="91425" wrap="square" tIns="91425">
+          <a:bodyPr spcFirstLastPara="1" wrap="square" lIns="91425" tIns="91425" rIns="91425" bIns="91425" anchor="t" anchorCtr="0">
             <a:normAutofit/>
           </a:bodyPr>
           <a:lstStyle>
-            <a:lvl1pPr indent="-342900" lvl="0" marL="457200" algn="l">
+            <a:lvl1pPr marL="457200" lvl="0" indent="-342900" algn="l">
               <a:lnSpc>
                 <a:spcPct val="115000"/>
               </a:lnSpc>
@@ -3874,7 +3970,7 @@
               <a:buChar char="●"/>
               <a:defRPr/>
             </a:lvl1pPr>
-            <a:lvl2pPr indent="-317500" lvl="1" marL="914400" algn="l">
+            <a:lvl2pPr marL="914400" lvl="1" indent="-317500" algn="l">
               <a:lnSpc>
                 <a:spcPct val="115000"/>
               </a:lnSpc>
@@ -3888,7 +3984,7 @@
               <a:buChar char="○"/>
               <a:defRPr/>
             </a:lvl2pPr>
-            <a:lvl3pPr indent="-317500" lvl="2" marL="1371600" algn="l">
+            <a:lvl3pPr marL="1371600" lvl="2" indent="-317500" algn="l">
               <a:lnSpc>
                 <a:spcPct val="115000"/>
               </a:lnSpc>
@@ -3902,7 +3998,7 @@
               <a:buChar char="■"/>
               <a:defRPr/>
             </a:lvl3pPr>
-            <a:lvl4pPr indent="-317500" lvl="3" marL="1828800" algn="l">
+            <a:lvl4pPr marL="1828800" lvl="3" indent="-317500" algn="l">
               <a:lnSpc>
                 <a:spcPct val="115000"/>
               </a:lnSpc>
@@ -3916,7 +4012,7 @@
               <a:buChar char="●"/>
               <a:defRPr/>
             </a:lvl4pPr>
-            <a:lvl5pPr indent="-317500" lvl="4" marL="2286000" algn="l">
+            <a:lvl5pPr marL="2286000" lvl="4" indent="-317500" algn="l">
               <a:lnSpc>
                 <a:spcPct val="115000"/>
               </a:lnSpc>
@@ -3930,7 +4026,7 @@
               <a:buChar char="○"/>
               <a:defRPr/>
             </a:lvl5pPr>
-            <a:lvl6pPr indent="-317500" lvl="5" marL="2743200" algn="l">
+            <a:lvl6pPr marL="2743200" lvl="5" indent="-317500" algn="l">
               <a:lnSpc>
                 <a:spcPct val="115000"/>
               </a:lnSpc>
@@ -3944,7 +4040,7 @@
               <a:buChar char="■"/>
               <a:defRPr/>
             </a:lvl6pPr>
-            <a:lvl7pPr indent="-317500" lvl="6" marL="3200400" algn="l">
+            <a:lvl7pPr marL="3200400" lvl="6" indent="-317500" algn="l">
               <a:lnSpc>
                 <a:spcPct val="115000"/>
               </a:lnSpc>
@@ -3958,7 +4054,7 @@
               <a:buChar char="●"/>
               <a:defRPr/>
             </a:lvl7pPr>
-            <a:lvl8pPr indent="-317500" lvl="7" marL="3657600" algn="l">
+            <a:lvl8pPr marL="3657600" lvl="7" indent="-317500" algn="l">
               <a:lnSpc>
                 <a:spcPct val="115000"/>
               </a:lnSpc>
@@ -3972,7 +4068,7 @@
               <a:buChar char="○"/>
               <a:defRPr/>
             </a:lvl8pPr>
-            <a:lvl9pPr indent="-317500" lvl="8" marL="4114800" algn="l">
+            <a:lvl9pPr marL="4114800" lvl="8" indent="-317500" algn="l">
               <a:lnSpc>
                 <a:spcPct val="115000"/>
               </a:lnSpc>
@@ -3987,15 +4083,19 @@
               <a:defRPr/>
             </a:lvl9pPr>
           </a:lstStyle>
-          <a:p/>
+          <a:p>
+            <a:endParaRPr/>
+          </a:p>
         </p:txBody>
       </p:sp>
       <p:sp>
         <p:nvSpPr>
           <p:cNvPr id="16" name="Google Shape;16;p11"/>
-          <p:cNvSpPr txBox="1"/>
+          <p:cNvSpPr txBox="1">
+            <a:spLocks noGrp="1"/>
+          </p:cNvSpPr>
           <p:nvPr>
-            <p:ph idx="12" type="sldNum"/>
+            <p:ph type="sldNum" idx="12"/>
           </p:nvPr>
         </p:nvSpPr>
         <p:spPr>
@@ -4012,11 +4112,11 @@
           </a:ln>
         </p:spPr>
         <p:txBody>
-          <a:bodyPr anchorCtr="0" anchor="ctr" bIns="91425" lIns="91425" spcFirstLastPara="1" rIns="91425" wrap="square" tIns="91425">
+          <a:bodyPr spcFirstLastPara="1" wrap="square" lIns="91425" tIns="91425" rIns="91425" bIns="91425" anchor="ctr" anchorCtr="0">
             <a:normAutofit/>
           </a:bodyPr>
           <a:lstStyle>
-            <a:lvl1pPr indent="0" lvl="0" marL="0" marR="0" algn="r">
+            <a:lvl1pPr marL="0" marR="0" lvl="0" indent="0" algn="r">
               <a:lnSpc>
                 <a:spcPct val="100000"/>
               </a:lnSpc>
@@ -4032,7 +4132,7 @@
               <a:buSzPts val="1000"/>
               <a:buFont typeface="Arial"/>
               <a:buNone/>
-              <a:defRPr b="0" i="0" sz="1000" u="none" cap="none" strike="noStrike">
+              <a:defRPr sz="1000" b="0" i="0" u="none" strike="noStrike" cap="none">
                 <a:solidFill>
                   <a:schemeClr val="lt2"/>
                 </a:solidFill>
@@ -4042,7 +4142,7 @@
                 <a:sym typeface="Arial"/>
               </a:defRPr>
             </a:lvl1pPr>
-            <a:lvl2pPr indent="0" lvl="1" marL="0" marR="0" algn="r">
+            <a:lvl2pPr marL="0" marR="0" lvl="1" indent="0" algn="r">
               <a:lnSpc>
                 <a:spcPct val="100000"/>
               </a:lnSpc>
@@ -4058,7 +4158,7 @@
               <a:buSzPts val="1000"/>
               <a:buFont typeface="Arial"/>
               <a:buNone/>
-              <a:defRPr b="0" i="0" sz="1000" u="none" cap="none" strike="noStrike">
+              <a:defRPr sz="1000" b="0" i="0" u="none" strike="noStrike" cap="none">
                 <a:solidFill>
                   <a:schemeClr val="lt2"/>
                 </a:solidFill>
@@ -4068,7 +4168,7 @@
                 <a:sym typeface="Arial"/>
               </a:defRPr>
             </a:lvl2pPr>
-            <a:lvl3pPr indent="0" lvl="2" marL="0" marR="0" algn="r">
+            <a:lvl3pPr marL="0" marR="0" lvl="2" indent="0" algn="r">
               <a:lnSpc>
                 <a:spcPct val="100000"/>
               </a:lnSpc>
@@ -4084,7 +4184,7 @@
               <a:buSzPts val="1000"/>
               <a:buFont typeface="Arial"/>
               <a:buNone/>
-              <a:defRPr b="0" i="0" sz="1000" u="none" cap="none" strike="noStrike">
+              <a:defRPr sz="1000" b="0" i="0" u="none" strike="noStrike" cap="none">
                 <a:solidFill>
                   <a:schemeClr val="lt2"/>
                 </a:solidFill>
@@ -4094,7 +4194,7 @@
                 <a:sym typeface="Arial"/>
               </a:defRPr>
             </a:lvl3pPr>
-            <a:lvl4pPr indent="0" lvl="3" marL="0" marR="0" algn="r">
+            <a:lvl4pPr marL="0" marR="0" lvl="3" indent="0" algn="r">
               <a:lnSpc>
                 <a:spcPct val="100000"/>
               </a:lnSpc>
@@ -4110,7 +4210,7 @@
               <a:buSzPts val="1000"/>
               <a:buFont typeface="Arial"/>
               <a:buNone/>
-              <a:defRPr b="0" i="0" sz="1000" u="none" cap="none" strike="noStrike">
+              <a:defRPr sz="1000" b="0" i="0" u="none" strike="noStrike" cap="none">
                 <a:solidFill>
                   <a:schemeClr val="lt2"/>
                 </a:solidFill>
@@ -4120,7 +4220,7 @@
                 <a:sym typeface="Arial"/>
               </a:defRPr>
             </a:lvl4pPr>
-            <a:lvl5pPr indent="0" lvl="4" marL="0" marR="0" algn="r">
+            <a:lvl5pPr marL="0" marR="0" lvl="4" indent="0" algn="r">
               <a:lnSpc>
                 <a:spcPct val="100000"/>
               </a:lnSpc>
@@ -4136,7 +4236,7 @@
               <a:buSzPts val="1000"/>
               <a:buFont typeface="Arial"/>
               <a:buNone/>
-              <a:defRPr b="0" i="0" sz="1000" u="none" cap="none" strike="noStrike">
+              <a:defRPr sz="1000" b="0" i="0" u="none" strike="noStrike" cap="none">
                 <a:solidFill>
                   <a:schemeClr val="lt2"/>
                 </a:solidFill>
@@ -4146,7 +4246,7 @@
                 <a:sym typeface="Arial"/>
               </a:defRPr>
             </a:lvl5pPr>
-            <a:lvl6pPr indent="0" lvl="5" marL="0" marR="0" algn="r">
+            <a:lvl6pPr marL="0" marR="0" lvl="5" indent="0" algn="r">
               <a:lnSpc>
                 <a:spcPct val="100000"/>
               </a:lnSpc>
@@ -4162,7 +4262,7 @@
               <a:buSzPts val="1000"/>
               <a:buFont typeface="Arial"/>
               <a:buNone/>
-              <a:defRPr b="0" i="0" sz="1000" u="none" cap="none" strike="noStrike">
+              <a:defRPr sz="1000" b="0" i="0" u="none" strike="noStrike" cap="none">
                 <a:solidFill>
                   <a:schemeClr val="lt2"/>
                 </a:solidFill>
@@ -4172,7 +4272,7 @@
                 <a:sym typeface="Arial"/>
               </a:defRPr>
             </a:lvl6pPr>
-            <a:lvl7pPr indent="0" lvl="6" marL="0" marR="0" algn="r">
+            <a:lvl7pPr marL="0" marR="0" lvl="6" indent="0" algn="r">
               <a:lnSpc>
                 <a:spcPct val="100000"/>
               </a:lnSpc>
@@ -4188,7 +4288,7 @@
               <a:buSzPts val="1000"/>
               <a:buFont typeface="Arial"/>
               <a:buNone/>
-              <a:defRPr b="0" i="0" sz="1000" u="none" cap="none" strike="noStrike">
+              <a:defRPr sz="1000" b="0" i="0" u="none" strike="noStrike" cap="none">
                 <a:solidFill>
                   <a:schemeClr val="lt2"/>
                 </a:solidFill>
@@ -4198,7 +4298,7 @@
                 <a:sym typeface="Arial"/>
               </a:defRPr>
             </a:lvl7pPr>
-            <a:lvl8pPr indent="0" lvl="7" marL="0" marR="0" algn="r">
+            <a:lvl8pPr marL="0" marR="0" lvl="7" indent="0" algn="r">
               <a:lnSpc>
                 <a:spcPct val="100000"/>
               </a:lnSpc>
@@ -4214,7 +4314,7 @@
               <a:buSzPts val="1000"/>
               <a:buFont typeface="Arial"/>
               <a:buNone/>
-              <a:defRPr b="0" i="0" sz="1000" u="none" cap="none" strike="noStrike">
+              <a:defRPr sz="1000" b="0" i="0" u="none" strike="noStrike" cap="none">
                 <a:solidFill>
                   <a:schemeClr val="lt2"/>
                 </a:solidFill>
@@ -4224,7 +4324,7 @@
                 <a:sym typeface="Arial"/>
               </a:defRPr>
             </a:lvl8pPr>
-            <a:lvl9pPr indent="0" lvl="8" marL="0" marR="0" algn="r">
+            <a:lvl9pPr marL="0" marR="0" lvl="8" indent="0" algn="r">
               <a:lnSpc>
                 <a:spcPct val="100000"/>
               </a:lnSpc>
@@ -4240,7 +4340,7 @@
               <a:buSzPts val="1000"/>
               <a:buFont typeface="Arial"/>
               <a:buNone/>
-              <a:defRPr b="0" i="0" sz="1000" u="none" cap="none" strike="noStrike">
+              <a:defRPr sz="1000" b="0" i="0" u="none" strike="noStrike" cap="none">
                 <a:solidFill>
                   <a:schemeClr val="lt2"/>
                 </a:solidFill>
@@ -4252,7 +4352,7 @@
             </a:lvl9pPr>
           </a:lstStyle>
           <a:p>
-            <a:pPr indent="0" lvl="0" marL="0" rtl="0" algn="r">
+            <a:pPr marL="0" lvl="0" indent="0" algn="r" rtl="0">
               <a:spcBef>
                 <a:spcPts val="0"/>
               </a:spcBef>
@@ -4263,7 +4363,7 @@
             </a:pPr>
             <a:fld id="{00000000-1234-1234-1234-123412341234}" type="slidenum">
               <a:rPr lang="pt-BR"/>
-              <a:t>‹#›</a:t>
+              <a:t>‹nº›</a:t>
             </a:fld>
             <a:endParaRPr/>
           </a:p>
@@ -4278,11 +4378,11 @@
 </file>
 
 <file path=ppt/slideLayouts/slideLayout3.xml><?xml version="1.0" encoding="utf-8"?>
-<p:sldLayout xmlns:a="http://schemas.openxmlformats.org/drawingml/2006/main" xmlns:r="http://schemas.openxmlformats.org/officeDocument/2006/relationships" xmlns:mc="http://schemas.openxmlformats.org/markup-compatibility/2006" xmlns:mv="urn:schemas-microsoft-com:mac:vml" xmlns:p="http://schemas.openxmlformats.org/presentationml/2006/main" xmlns:c="http://schemas.openxmlformats.org/drawingml/2006/chart" xmlns:dgm="http://schemas.openxmlformats.org/drawingml/2006/diagram" xmlns:o="urn:schemas-microsoft-com:office:office" xmlns:v="urn:schemas-microsoft-com:vml" xmlns:pvml="urn:schemas-microsoft-com:office:powerpoint" xmlns:com="http://schemas.openxmlformats.org/drawingml/2006/compatibility" xmlns:p14="http://schemas.microsoft.com/office/powerpoint/2010/main" xmlns:p15="http://schemas.microsoft.com/office/powerpoint/2012/main" xmlns:ahyp="http://schemas.microsoft.com/office/drawing/2018/hyperlinkcolor" matchingName="Section header" type="secHead">
+<p:sldLayout xmlns:a="http://schemas.openxmlformats.org/drawingml/2006/main" xmlns:r="http://schemas.openxmlformats.org/officeDocument/2006/relationships" xmlns:p="http://schemas.openxmlformats.org/presentationml/2006/main" matchingName="Section header" type="secHead">
   <p:cSld name="SECTION_HEADER">
     <p:spTree>
       <p:nvGrpSpPr>
-        <p:cNvPr id="17" name="Shape 17"/>
+        <p:cNvPr id="1" name="Shape 17"/>
         <p:cNvGrpSpPr/>
         <p:nvPr/>
       </p:nvGrpSpPr>
@@ -4297,7 +4397,9 @@
       <p:sp>
         <p:nvSpPr>
           <p:cNvPr id="18" name="Google Shape;18;p12"/>
-          <p:cNvSpPr txBox="1"/>
+          <p:cNvSpPr txBox="1">
+            <a:spLocks noGrp="1"/>
+          </p:cNvSpPr>
           <p:nvPr>
             <p:ph type="title"/>
           </p:nvPr>
@@ -4316,7 +4418,7 @@
           </a:ln>
         </p:spPr>
         <p:txBody>
-          <a:bodyPr anchorCtr="0" anchor="ctr" bIns="91425" lIns="91425" spcFirstLastPara="1" rIns="91425" wrap="square" tIns="91425">
+          <a:bodyPr spcFirstLastPara="1" wrap="square" lIns="91425" tIns="91425" rIns="91425" bIns="91425" anchor="ctr" anchorCtr="0">
             <a:normAutofit/>
           </a:bodyPr>
           <a:lstStyle>
@@ -4447,15 +4549,19 @@
               <a:defRPr sz="3600"/>
             </a:lvl9pPr>
           </a:lstStyle>
-          <a:p/>
+          <a:p>
+            <a:endParaRPr/>
+          </a:p>
         </p:txBody>
       </p:sp>
       <p:sp>
         <p:nvSpPr>
           <p:cNvPr id="19" name="Google Shape;19;p12"/>
-          <p:cNvSpPr txBox="1"/>
+          <p:cNvSpPr txBox="1">
+            <a:spLocks noGrp="1"/>
+          </p:cNvSpPr>
           <p:nvPr>
-            <p:ph idx="12" type="sldNum"/>
+            <p:ph type="sldNum" idx="12"/>
           </p:nvPr>
         </p:nvSpPr>
         <p:spPr>
@@ -4472,11 +4578,11 @@
           </a:ln>
         </p:spPr>
         <p:txBody>
-          <a:bodyPr anchorCtr="0" anchor="ctr" bIns="91425" lIns="91425" spcFirstLastPara="1" rIns="91425" wrap="square" tIns="91425">
+          <a:bodyPr spcFirstLastPara="1" wrap="square" lIns="91425" tIns="91425" rIns="91425" bIns="91425" anchor="ctr" anchorCtr="0">
             <a:normAutofit/>
           </a:bodyPr>
           <a:lstStyle>
-            <a:lvl1pPr indent="0" lvl="0" marL="0" marR="0" algn="r">
+            <a:lvl1pPr marL="0" marR="0" lvl="0" indent="0" algn="r">
               <a:lnSpc>
                 <a:spcPct val="100000"/>
               </a:lnSpc>
@@ -4492,7 +4598,7 @@
               <a:buSzPts val="1000"/>
               <a:buFont typeface="Arial"/>
               <a:buNone/>
-              <a:defRPr b="0" i="0" sz="1000" u="none" cap="none" strike="noStrike">
+              <a:defRPr sz="1000" b="0" i="0" u="none" strike="noStrike" cap="none">
                 <a:solidFill>
                   <a:schemeClr val="lt2"/>
                 </a:solidFill>
@@ -4502,7 +4608,7 @@
                 <a:sym typeface="Arial"/>
               </a:defRPr>
             </a:lvl1pPr>
-            <a:lvl2pPr indent="0" lvl="1" marL="0" marR="0" algn="r">
+            <a:lvl2pPr marL="0" marR="0" lvl="1" indent="0" algn="r">
               <a:lnSpc>
                 <a:spcPct val="100000"/>
               </a:lnSpc>
@@ -4518,7 +4624,7 @@
               <a:buSzPts val="1000"/>
               <a:buFont typeface="Arial"/>
               <a:buNone/>
-              <a:defRPr b="0" i="0" sz="1000" u="none" cap="none" strike="noStrike">
+              <a:defRPr sz="1000" b="0" i="0" u="none" strike="noStrike" cap="none">
                 <a:solidFill>
                   <a:schemeClr val="lt2"/>
                 </a:solidFill>
@@ -4528,7 +4634,7 @@
                 <a:sym typeface="Arial"/>
               </a:defRPr>
             </a:lvl2pPr>
-            <a:lvl3pPr indent="0" lvl="2" marL="0" marR="0" algn="r">
+            <a:lvl3pPr marL="0" marR="0" lvl="2" indent="0" algn="r">
               <a:lnSpc>
                 <a:spcPct val="100000"/>
               </a:lnSpc>
@@ -4544,7 +4650,7 @@
               <a:buSzPts val="1000"/>
               <a:buFont typeface="Arial"/>
               <a:buNone/>
-              <a:defRPr b="0" i="0" sz="1000" u="none" cap="none" strike="noStrike">
+              <a:defRPr sz="1000" b="0" i="0" u="none" strike="noStrike" cap="none">
                 <a:solidFill>
                   <a:schemeClr val="lt2"/>
                 </a:solidFill>
@@ -4554,7 +4660,7 @@
                 <a:sym typeface="Arial"/>
               </a:defRPr>
             </a:lvl3pPr>
-            <a:lvl4pPr indent="0" lvl="3" marL="0" marR="0" algn="r">
+            <a:lvl4pPr marL="0" marR="0" lvl="3" indent="0" algn="r">
               <a:lnSpc>
                 <a:spcPct val="100000"/>
               </a:lnSpc>
@@ -4570,7 +4676,7 @@
               <a:buSzPts val="1000"/>
               <a:buFont typeface="Arial"/>
               <a:buNone/>
-              <a:defRPr b="0" i="0" sz="1000" u="none" cap="none" strike="noStrike">
+              <a:defRPr sz="1000" b="0" i="0" u="none" strike="noStrike" cap="none">
                 <a:solidFill>
                   <a:schemeClr val="lt2"/>
                 </a:solidFill>
@@ -4580,7 +4686,7 @@
                 <a:sym typeface="Arial"/>
               </a:defRPr>
             </a:lvl4pPr>
-            <a:lvl5pPr indent="0" lvl="4" marL="0" marR="0" algn="r">
+            <a:lvl5pPr marL="0" marR="0" lvl="4" indent="0" algn="r">
               <a:lnSpc>
                 <a:spcPct val="100000"/>
               </a:lnSpc>
@@ -4596,7 +4702,7 @@
               <a:buSzPts val="1000"/>
               <a:buFont typeface="Arial"/>
               <a:buNone/>
-              <a:defRPr b="0" i="0" sz="1000" u="none" cap="none" strike="noStrike">
+              <a:defRPr sz="1000" b="0" i="0" u="none" strike="noStrike" cap="none">
                 <a:solidFill>
                   <a:schemeClr val="lt2"/>
                 </a:solidFill>
@@ -4606,7 +4712,7 @@
                 <a:sym typeface="Arial"/>
               </a:defRPr>
             </a:lvl5pPr>
-            <a:lvl6pPr indent="0" lvl="5" marL="0" marR="0" algn="r">
+            <a:lvl6pPr marL="0" marR="0" lvl="5" indent="0" algn="r">
               <a:lnSpc>
                 <a:spcPct val="100000"/>
               </a:lnSpc>
@@ -4622,7 +4728,7 @@
               <a:buSzPts val="1000"/>
               <a:buFont typeface="Arial"/>
               <a:buNone/>
-              <a:defRPr b="0" i="0" sz="1000" u="none" cap="none" strike="noStrike">
+              <a:defRPr sz="1000" b="0" i="0" u="none" strike="noStrike" cap="none">
                 <a:solidFill>
                   <a:schemeClr val="lt2"/>
                 </a:solidFill>
@@ -4632,7 +4738,7 @@
                 <a:sym typeface="Arial"/>
               </a:defRPr>
             </a:lvl6pPr>
-            <a:lvl7pPr indent="0" lvl="6" marL="0" marR="0" algn="r">
+            <a:lvl7pPr marL="0" marR="0" lvl="6" indent="0" algn="r">
               <a:lnSpc>
                 <a:spcPct val="100000"/>
               </a:lnSpc>
@@ -4648,7 +4754,7 @@
               <a:buSzPts val="1000"/>
               <a:buFont typeface="Arial"/>
               <a:buNone/>
-              <a:defRPr b="0" i="0" sz="1000" u="none" cap="none" strike="noStrike">
+              <a:defRPr sz="1000" b="0" i="0" u="none" strike="noStrike" cap="none">
                 <a:solidFill>
                   <a:schemeClr val="lt2"/>
                 </a:solidFill>
@@ -4658,7 +4764,7 @@
                 <a:sym typeface="Arial"/>
               </a:defRPr>
             </a:lvl7pPr>
-            <a:lvl8pPr indent="0" lvl="7" marL="0" marR="0" algn="r">
+            <a:lvl8pPr marL="0" marR="0" lvl="7" indent="0" algn="r">
               <a:lnSpc>
                 <a:spcPct val="100000"/>
               </a:lnSpc>
@@ -4674,7 +4780,7 @@
               <a:buSzPts val="1000"/>
               <a:buFont typeface="Arial"/>
               <a:buNone/>
-              <a:defRPr b="0" i="0" sz="1000" u="none" cap="none" strike="noStrike">
+              <a:defRPr sz="1000" b="0" i="0" u="none" strike="noStrike" cap="none">
                 <a:solidFill>
                   <a:schemeClr val="lt2"/>
                 </a:solidFill>
@@ -4684,7 +4790,7 @@
                 <a:sym typeface="Arial"/>
               </a:defRPr>
             </a:lvl8pPr>
-            <a:lvl9pPr indent="0" lvl="8" marL="0" marR="0" algn="r">
+            <a:lvl9pPr marL="0" marR="0" lvl="8" indent="0" algn="r">
               <a:lnSpc>
                 <a:spcPct val="100000"/>
               </a:lnSpc>
@@ -4700,7 +4806,7 @@
               <a:buSzPts val="1000"/>
               <a:buFont typeface="Arial"/>
               <a:buNone/>
-              <a:defRPr b="0" i="0" sz="1000" u="none" cap="none" strike="noStrike">
+              <a:defRPr sz="1000" b="0" i="0" u="none" strike="noStrike" cap="none">
                 <a:solidFill>
                   <a:schemeClr val="lt2"/>
                 </a:solidFill>
@@ -4712,7 +4818,7 @@
             </a:lvl9pPr>
           </a:lstStyle>
           <a:p>
-            <a:pPr indent="0" lvl="0" marL="0" rtl="0" algn="r">
+            <a:pPr marL="0" lvl="0" indent="0" algn="r" rtl="0">
               <a:spcBef>
                 <a:spcPts val="0"/>
               </a:spcBef>
@@ -4723,7 +4829,7 @@
             </a:pPr>
             <a:fld id="{00000000-1234-1234-1234-123412341234}" type="slidenum">
               <a:rPr lang="pt-BR"/>
-              <a:t>‹#›</a:t>
+              <a:t>‹nº›</a:t>
             </a:fld>
             <a:endParaRPr/>
           </a:p>
@@ -4738,11 +4844,11 @@
 </file>
 
 <file path=ppt/slideLayouts/slideLayout4.xml><?xml version="1.0" encoding="utf-8"?>
-<p:sldLayout xmlns:a="http://schemas.openxmlformats.org/drawingml/2006/main" xmlns:r="http://schemas.openxmlformats.org/officeDocument/2006/relationships" xmlns:mc="http://schemas.openxmlformats.org/markup-compatibility/2006" xmlns:mv="urn:schemas-microsoft-com:mac:vml" xmlns:p="http://schemas.openxmlformats.org/presentationml/2006/main" xmlns:c="http://schemas.openxmlformats.org/drawingml/2006/chart" xmlns:dgm="http://schemas.openxmlformats.org/drawingml/2006/diagram" xmlns:o="urn:schemas-microsoft-com:office:office" xmlns:v="urn:schemas-microsoft-com:vml" xmlns:pvml="urn:schemas-microsoft-com:office:powerpoint" xmlns:com="http://schemas.openxmlformats.org/drawingml/2006/compatibility" xmlns:p14="http://schemas.microsoft.com/office/powerpoint/2010/main" xmlns:p15="http://schemas.microsoft.com/office/powerpoint/2012/main" xmlns:ahyp="http://schemas.microsoft.com/office/drawing/2018/hyperlinkcolor" matchingName="Title and two columns" type="twoColTx">
+<p:sldLayout xmlns:a="http://schemas.openxmlformats.org/drawingml/2006/main" xmlns:r="http://schemas.openxmlformats.org/officeDocument/2006/relationships" xmlns:p="http://schemas.openxmlformats.org/presentationml/2006/main" matchingName="Title and two columns" type="twoColTx">
   <p:cSld name="TITLE_AND_TWO_COLUMNS">
     <p:spTree>
       <p:nvGrpSpPr>
-        <p:cNvPr id="20" name="Shape 20"/>
+        <p:cNvPr id="1" name="Shape 20"/>
         <p:cNvGrpSpPr/>
         <p:nvPr/>
       </p:nvGrpSpPr>
@@ -4757,7 +4863,9 @@
       <p:sp>
         <p:nvSpPr>
           <p:cNvPr id="21" name="Google Shape;21;p13"/>
-          <p:cNvSpPr txBox="1"/>
+          <p:cNvSpPr txBox="1">
+            <a:spLocks noGrp="1"/>
+          </p:cNvSpPr>
           <p:nvPr>
             <p:ph type="title"/>
           </p:nvPr>
@@ -4776,7 +4884,7 @@
           </a:ln>
         </p:spPr>
         <p:txBody>
-          <a:bodyPr anchorCtr="0" anchor="t" bIns="91425" lIns="91425" spcFirstLastPara="1" rIns="91425" wrap="square" tIns="91425">
+          <a:bodyPr spcFirstLastPara="1" wrap="square" lIns="91425" tIns="91425" rIns="91425" bIns="91425" anchor="t" anchorCtr="0">
             <a:normAutofit/>
           </a:bodyPr>
           <a:lstStyle>
@@ -4907,15 +5015,19 @@
               <a:defRPr/>
             </a:lvl9pPr>
           </a:lstStyle>
-          <a:p/>
+          <a:p>
+            <a:endParaRPr/>
+          </a:p>
         </p:txBody>
       </p:sp>
       <p:sp>
         <p:nvSpPr>
           <p:cNvPr id="22" name="Google Shape;22;p13"/>
-          <p:cNvSpPr txBox="1"/>
+          <p:cNvSpPr txBox="1">
+            <a:spLocks noGrp="1"/>
+          </p:cNvSpPr>
           <p:nvPr>
-            <p:ph idx="1" type="body"/>
+            <p:ph type="body" idx="1"/>
           </p:nvPr>
         </p:nvSpPr>
         <p:spPr>
@@ -4932,11 +5044,11 @@
           </a:ln>
         </p:spPr>
         <p:txBody>
-          <a:bodyPr anchorCtr="0" anchor="t" bIns="91425" lIns="91425" spcFirstLastPara="1" rIns="91425" wrap="square" tIns="91425">
+          <a:bodyPr spcFirstLastPara="1" wrap="square" lIns="91425" tIns="91425" rIns="91425" bIns="91425" anchor="t" anchorCtr="0">
             <a:normAutofit/>
           </a:bodyPr>
           <a:lstStyle>
-            <a:lvl1pPr indent="-317500" lvl="0" marL="457200" algn="l">
+            <a:lvl1pPr marL="457200" lvl="0" indent="-317500" algn="l">
               <a:lnSpc>
                 <a:spcPct val="115000"/>
               </a:lnSpc>
@@ -4950,7 +5062,7 @@
               <a:buChar char="●"/>
               <a:defRPr sz="1400"/>
             </a:lvl1pPr>
-            <a:lvl2pPr indent="-304800" lvl="1" marL="914400" algn="l">
+            <a:lvl2pPr marL="914400" lvl="1" indent="-304800" algn="l">
               <a:lnSpc>
                 <a:spcPct val="115000"/>
               </a:lnSpc>
@@ -4964,7 +5076,7 @@
               <a:buChar char="○"/>
               <a:defRPr sz="1200"/>
             </a:lvl2pPr>
-            <a:lvl3pPr indent="-304800" lvl="2" marL="1371600" algn="l">
+            <a:lvl3pPr marL="1371600" lvl="2" indent="-304800" algn="l">
               <a:lnSpc>
                 <a:spcPct val="115000"/>
               </a:lnSpc>
@@ -4978,7 +5090,7 @@
               <a:buChar char="■"/>
               <a:defRPr sz="1200"/>
             </a:lvl3pPr>
-            <a:lvl4pPr indent="-304800" lvl="3" marL="1828800" algn="l">
+            <a:lvl4pPr marL="1828800" lvl="3" indent="-304800" algn="l">
               <a:lnSpc>
                 <a:spcPct val="115000"/>
               </a:lnSpc>
@@ -4992,7 +5104,7 @@
               <a:buChar char="●"/>
               <a:defRPr sz="1200"/>
             </a:lvl4pPr>
-            <a:lvl5pPr indent="-304800" lvl="4" marL="2286000" algn="l">
+            <a:lvl5pPr marL="2286000" lvl="4" indent="-304800" algn="l">
               <a:lnSpc>
                 <a:spcPct val="115000"/>
               </a:lnSpc>
@@ -5006,7 +5118,7 @@
               <a:buChar char="○"/>
               <a:defRPr sz="1200"/>
             </a:lvl5pPr>
-            <a:lvl6pPr indent="-304800" lvl="5" marL="2743200" algn="l">
+            <a:lvl6pPr marL="2743200" lvl="5" indent="-304800" algn="l">
               <a:lnSpc>
                 <a:spcPct val="115000"/>
               </a:lnSpc>
@@ -5020,7 +5132,7 @@
               <a:buChar char="■"/>
               <a:defRPr sz="1200"/>
             </a:lvl6pPr>
-            <a:lvl7pPr indent="-304800" lvl="6" marL="3200400" algn="l">
+            <a:lvl7pPr marL="3200400" lvl="6" indent="-304800" algn="l">
               <a:lnSpc>
                 <a:spcPct val="115000"/>
               </a:lnSpc>
@@ -5034,7 +5146,7 @@
               <a:buChar char="●"/>
               <a:defRPr sz="1200"/>
             </a:lvl7pPr>
-            <a:lvl8pPr indent="-304800" lvl="7" marL="3657600" algn="l">
+            <a:lvl8pPr marL="3657600" lvl="7" indent="-304800" algn="l">
               <a:lnSpc>
                 <a:spcPct val="115000"/>
               </a:lnSpc>
@@ -5048,7 +5160,7 @@
               <a:buChar char="○"/>
               <a:defRPr sz="1200"/>
             </a:lvl8pPr>
-            <a:lvl9pPr indent="-304800" lvl="8" marL="4114800" algn="l">
+            <a:lvl9pPr marL="4114800" lvl="8" indent="-304800" algn="l">
               <a:lnSpc>
                 <a:spcPct val="115000"/>
               </a:lnSpc>
@@ -5063,15 +5175,19 @@
               <a:defRPr sz="1200"/>
             </a:lvl9pPr>
           </a:lstStyle>
-          <a:p/>
+          <a:p>
+            <a:endParaRPr/>
+          </a:p>
         </p:txBody>
       </p:sp>
       <p:sp>
         <p:nvSpPr>
           <p:cNvPr id="23" name="Google Shape;23;p13"/>
-          <p:cNvSpPr txBox="1"/>
+          <p:cNvSpPr txBox="1">
+            <a:spLocks noGrp="1"/>
+          </p:cNvSpPr>
           <p:nvPr>
-            <p:ph idx="2" type="body"/>
+            <p:ph type="body" idx="2"/>
           </p:nvPr>
         </p:nvSpPr>
         <p:spPr>
@@ -5088,11 +5204,11 @@
           </a:ln>
         </p:spPr>
         <p:txBody>
-          <a:bodyPr anchorCtr="0" anchor="t" bIns="91425" lIns="91425" spcFirstLastPara="1" rIns="91425" wrap="square" tIns="91425">
+          <a:bodyPr spcFirstLastPara="1" wrap="square" lIns="91425" tIns="91425" rIns="91425" bIns="91425" anchor="t" anchorCtr="0">
             <a:normAutofit/>
           </a:bodyPr>
           <a:lstStyle>
-            <a:lvl1pPr indent="-317500" lvl="0" marL="457200" algn="l">
+            <a:lvl1pPr marL="457200" lvl="0" indent="-317500" algn="l">
               <a:lnSpc>
                 <a:spcPct val="115000"/>
               </a:lnSpc>
@@ -5106,7 +5222,7 @@
               <a:buChar char="●"/>
               <a:defRPr sz="1400"/>
             </a:lvl1pPr>
-            <a:lvl2pPr indent="-304800" lvl="1" marL="914400" algn="l">
+            <a:lvl2pPr marL="914400" lvl="1" indent="-304800" algn="l">
               <a:lnSpc>
                 <a:spcPct val="115000"/>
               </a:lnSpc>
@@ -5120,7 +5236,7 @@
               <a:buChar char="○"/>
               <a:defRPr sz="1200"/>
             </a:lvl2pPr>
-            <a:lvl3pPr indent="-304800" lvl="2" marL="1371600" algn="l">
+            <a:lvl3pPr marL="1371600" lvl="2" indent="-304800" algn="l">
               <a:lnSpc>
                 <a:spcPct val="115000"/>
               </a:lnSpc>
@@ -5134,7 +5250,7 @@
               <a:buChar char="■"/>
               <a:defRPr sz="1200"/>
             </a:lvl3pPr>
-            <a:lvl4pPr indent="-304800" lvl="3" marL="1828800" algn="l">
+            <a:lvl4pPr marL="1828800" lvl="3" indent="-304800" algn="l">
               <a:lnSpc>
                 <a:spcPct val="115000"/>
               </a:lnSpc>
@@ -5148,7 +5264,7 @@
               <a:buChar char="●"/>
               <a:defRPr sz="1200"/>
             </a:lvl4pPr>
-            <a:lvl5pPr indent="-304800" lvl="4" marL="2286000" algn="l">
+            <a:lvl5pPr marL="2286000" lvl="4" indent="-304800" algn="l">
               <a:lnSpc>
                 <a:spcPct val="115000"/>
               </a:lnSpc>
@@ -5162,7 +5278,7 @@
               <a:buChar char="○"/>
               <a:defRPr sz="1200"/>
             </a:lvl5pPr>
-            <a:lvl6pPr indent="-304800" lvl="5" marL="2743200" algn="l">
+            <a:lvl6pPr marL="2743200" lvl="5" indent="-304800" algn="l">
               <a:lnSpc>
                 <a:spcPct val="115000"/>
               </a:lnSpc>
@@ -5176,7 +5292,7 @@
               <a:buChar char="■"/>
               <a:defRPr sz="1200"/>
             </a:lvl6pPr>
-            <a:lvl7pPr indent="-304800" lvl="6" marL="3200400" algn="l">
+            <a:lvl7pPr marL="3200400" lvl="6" indent="-304800" algn="l">
               <a:lnSpc>
                 <a:spcPct val="115000"/>
               </a:lnSpc>
@@ -5190,7 +5306,7 @@
               <a:buChar char="●"/>
               <a:defRPr sz="1200"/>
             </a:lvl7pPr>
-            <a:lvl8pPr indent="-304800" lvl="7" marL="3657600" algn="l">
+            <a:lvl8pPr marL="3657600" lvl="7" indent="-304800" algn="l">
               <a:lnSpc>
                 <a:spcPct val="115000"/>
               </a:lnSpc>
@@ -5204,7 +5320,7 @@
               <a:buChar char="○"/>
               <a:defRPr sz="1200"/>
             </a:lvl8pPr>
-            <a:lvl9pPr indent="-304800" lvl="8" marL="4114800" algn="l">
+            <a:lvl9pPr marL="4114800" lvl="8" indent="-304800" algn="l">
               <a:lnSpc>
                 <a:spcPct val="115000"/>
               </a:lnSpc>
@@ -5219,15 +5335,19 @@
               <a:defRPr sz="1200"/>
             </a:lvl9pPr>
           </a:lstStyle>
-          <a:p/>
+          <a:p>
+            <a:endParaRPr/>
+          </a:p>
         </p:txBody>
       </p:sp>
       <p:sp>
         <p:nvSpPr>
           <p:cNvPr id="24" name="Google Shape;24;p13"/>
-          <p:cNvSpPr txBox="1"/>
+          <p:cNvSpPr txBox="1">
+            <a:spLocks noGrp="1"/>
+          </p:cNvSpPr>
           <p:nvPr>
-            <p:ph idx="12" type="sldNum"/>
+            <p:ph type="sldNum" idx="12"/>
           </p:nvPr>
         </p:nvSpPr>
         <p:spPr>
@@ -5244,11 +5364,11 @@
           </a:ln>
         </p:spPr>
         <p:txBody>
-          <a:bodyPr anchorCtr="0" anchor="ctr" bIns="91425" lIns="91425" spcFirstLastPara="1" rIns="91425" wrap="square" tIns="91425">
+          <a:bodyPr spcFirstLastPara="1" wrap="square" lIns="91425" tIns="91425" rIns="91425" bIns="91425" anchor="ctr" anchorCtr="0">
             <a:normAutofit/>
           </a:bodyPr>
           <a:lstStyle>
-            <a:lvl1pPr indent="0" lvl="0" marL="0" marR="0" algn="r">
+            <a:lvl1pPr marL="0" marR="0" lvl="0" indent="0" algn="r">
               <a:lnSpc>
                 <a:spcPct val="100000"/>
               </a:lnSpc>
@@ -5264,7 +5384,7 @@
               <a:buSzPts val="1000"/>
               <a:buFont typeface="Arial"/>
               <a:buNone/>
-              <a:defRPr b="0" i="0" sz="1000" u="none" cap="none" strike="noStrike">
+              <a:defRPr sz="1000" b="0" i="0" u="none" strike="noStrike" cap="none">
                 <a:solidFill>
                   <a:schemeClr val="lt2"/>
                 </a:solidFill>
@@ -5274,7 +5394,7 @@
                 <a:sym typeface="Arial"/>
               </a:defRPr>
             </a:lvl1pPr>
-            <a:lvl2pPr indent="0" lvl="1" marL="0" marR="0" algn="r">
+            <a:lvl2pPr marL="0" marR="0" lvl="1" indent="0" algn="r">
               <a:lnSpc>
                 <a:spcPct val="100000"/>
               </a:lnSpc>
@@ -5290,7 +5410,7 @@
               <a:buSzPts val="1000"/>
               <a:buFont typeface="Arial"/>
               <a:buNone/>
-              <a:defRPr b="0" i="0" sz="1000" u="none" cap="none" strike="noStrike">
+              <a:defRPr sz="1000" b="0" i="0" u="none" strike="noStrike" cap="none">
                 <a:solidFill>
                   <a:schemeClr val="lt2"/>
                 </a:solidFill>
@@ -5300,7 +5420,7 @@
                 <a:sym typeface="Arial"/>
               </a:defRPr>
             </a:lvl2pPr>
-            <a:lvl3pPr indent="0" lvl="2" marL="0" marR="0" algn="r">
+            <a:lvl3pPr marL="0" marR="0" lvl="2" indent="0" algn="r">
               <a:lnSpc>
                 <a:spcPct val="100000"/>
               </a:lnSpc>
@@ -5316,7 +5436,7 @@
               <a:buSzPts val="1000"/>
               <a:buFont typeface="Arial"/>
               <a:buNone/>
-              <a:defRPr b="0" i="0" sz="1000" u="none" cap="none" strike="noStrike">
+              <a:defRPr sz="1000" b="0" i="0" u="none" strike="noStrike" cap="none">
                 <a:solidFill>
                   <a:schemeClr val="lt2"/>
                 </a:solidFill>
@@ -5326,7 +5446,7 @@
                 <a:sym typeface="Arial"/>
               </a:defRPr>
             </a:lvl3pPr>
-            <a:lvl4pPr indent="0" lvl="3" marL="0" marR="0" algn="r">
+            <a:lvl4pPr marL="0" marR="0" lvl="3" indent="0" algn="r">
               <a:lnSpc>
                 <a:spcPct val="100000"/>
               </a:lnSpc>
@@ -5342,7 +5462,7 @@
               <a:buSzPts val="1000"/>
               <a:buFont typeface="Arial"/>
               <a:buNone/>
-              <a:defRPr b="0" i="0" sz="1000" u="none" cap="none" strike="noStrike">
+              <a:defRPr sz="1000" b="0" i="0" u="none" strike="noStrike" cap="none">
                 <a:solidFill>
                   <a:schemeClr val="lt2"/>
                 </a:solidFill>
@@ -5352,7 +5472,7 @@
                 <a:sym typeface="Arial"/>
               </a:defRPr>
             </a:lvl4pPr>
-            <a:lvl5pPr indent="0" lvl="4" marL="0" marR="0" algn="r">
+            <a:lvl5pPr marL="0" marR="0" lvl="4" indent="0" algn="r">
               <a:lnSpc>
                 <a:spcPct val="100000"/>
               </a:lnSpc>
@@ -5368,7 +5488,7 @@
               <a:buSzPts val="1000"/>
               <a:buFont typeface="Arial"/>
               <a:buNone/>
-              <a:defRPr b="0" i="0" sz="1000" u="none" cap="none" strike="noStrike">
+              <a:defRPr sz="1000" b="0" i="0" u="none" strike="noStrike" cap="none">
                 <a:solidFill>
                   <a:schemeClr val="lt2"/>
                 </a:solidFill>
@@ -5378,7 +5498,7 @@
                 <a:sym typeface="Arial"/>
               </a:defRPr>
             </a:lvl5pPr>
-            <a:lvl6pPr indent="0" lvl="5" marL="0" marR="0" algn="r">
+            <a:lvl6pPr marL="0" marR="0" lvl="5" indent="0" algn="r">
               <a:lnSpc>
                 <a:spcPct val="100000"/>
               </a:lnSpc>
@@ -5394,7 +5514,7 @@
               <a:buSzPts val="1000"/>
               <a:buFont typeface="Arial"/>
               <a:buNone/>
-              <a:defRPr b="0" i="0" sz="1000" u="none" cap="none" strike="noStrike">
+              <a:defRPr sz="1000" b="0" i="0" u="none" strike="noStrike" cap="none">
                 <a:solidFill>
                   <a:schemeClr val="lt2"/>
                 </a:solidFill>
@@ -5404,7 +5524,7 @@
                 <a:sym typeface="Arial"/>
               </a:defRPr>
             </a:lvl6pPr>
-            <a:lvl7pPr indent="0" lvl="6" marL="0" marR="0" algn="r">
+            <a:lvl7pPr marL="0" marR="0" lvl="6" indent="0" algn="r">
               <a:lnSpc>
                 <a:spcPct val="100000"/>
               </a:lnSpc>
@@ -5420,7 +5540,7 @@
               <a:buSzPts val="1000"/>
               <a:buFont typeface="Arial"/>
               <a:buNone/>
-              <a:defRPr b="0" i="0" sz="1000" u="none" cap="none" strike="noStrike">
+              <a:defRPr sz="1000" b="0" i="0" u="none" strike="noStrike" cap="none">
                 <a:solidFill>
                   <a:schemeClr val="lt2"/>
                 </a:solidFill>
@@ -5430,7 +5550,7 @@
                 <a:sym typeface="Arial"/>
               </a:defRPr>
             </a:lvl7pPr>
-            <a:lvl8pPr indent="0" lvl="7" marL="0" marR="0" algn="r">
+            <a:lvl8pPr marL="0" marR="0" lvl="7" indent="0" algn="r">
               <a:lnSpc>
                 <a:spcPct val="100000"/>
               </a:lnSpc>
@@ -5446,7 +5566,7 @@
               <a:buSzPts val="1000"/>
               <a:buFont typeface="Arial"/>
               <a:buNone/>
-              <a:defRPr b="0" i="0" sz="1000" u="none" cap="none" strike="noStrike">
+              <a:defRPr sz="1000" b="0" i="0" u="none" strike="noStrike" cap="none">
                 <a:solidFill>
                   <a:schemeClr val="lt2"/>
                 </a:solidFill>
@@ -5456,7 +5576,7 @@
                 <a:sym typeface="Arial"/>
               </a:defRPr>
             </a:lvl8pPr>
-            <a:lvl9pPr indent="0" lvl="8" marL="0" marR="0" algn="r">
+            <a:lvl9pPr marL="0" marR="0" lvl="8" indent="0" algn="r">
               <a:lnSpc>
                 <a:spcPct val="100000"/>
               </a:lnSpc>
@@ -5472,7 +5592,7 @@
               <a:buSzPts val="1000"/>
               <a:buFont typeface="Arial"/>
               <a:buNone/>
-              <a:defRPr b="0" i="0" sz="1000" u="none" cap="none" strike="noStrike">
+              <a:defRPr sz="1000" b="0" i="0" u="none" strike="noStrike" cap="none">
                 <a:solidFill>
                   <a:schemeClr val="lt2"/>
                 </a:solidFill>
@@ -5484,7 +5604,7 @@
             </a:lvl9pPr>
           </a:lstStyle>
           <a:p>
-            <a:pPr indent="0" lvl="0" marL="0" rtl="0" algn="r">
+            <a:pPr marL="0" lvl="0" indent="0" algn="r" rtl="0">
               <a:spcBef>
                 <a:spcPts val="0"/>
               </a:spcBef>
@@ -5495,7 +5615,7 @@
             </a:pPr>
             <a:fld id="{00000000-1234-1234-1234-123412341234}" type="slidenum">
               <a:rPr lang="pt-BR"/>
-              <a:t>‹#›</a:t>
+              <a:t>‹nº›</a:t>
             </a:fld>
             <a:endParaRPr/>
           </a:p>
@@ -5510,11 +5630,11 @@
 </file>
 
 <file path=ppt/slideLayouts/slideLayout5.xml><?xml version="1.0" encoding="utf-8"?>
-<p:sldLayout xmlns:a="http://schemas.openxmlformats.org/drawingml/2006/main" xmlns:r="http://schemas.openxmlformats.org/officeDocument/2006/relationships" xmlns:mc="http://schemas.openxmlformats.org/markup-compatibility/2006" xmlns:mv="urn:schemas-microsoft-com:mac:vml" xmlns:p="http://schemas.openxmlformats.org/presentationml/2006/main" xmlns:c="http://schemas.openxmlformats.org/drawingml/2006/chart" xmlns:dgm="http://schemas.openxmlformats.org/drawingml/2006/diagram" xmlns:o="urn:schemas-microsoft-com:office:office" xmlns:v="urn:schemas-microsoft-com:vml" xmlns:pvml="urn:schemas-microsoft-com:office:powerpoint" xmlns:com="http://schemas.openxmlformats.org/drawingml/2006/compatibility" xmlns:p14="http://schemas.microsoft.com/office/powerpoint/2010/main" xmlns:p15="http://schemas.microsoft.com/office/powerpoint/2012/main" xmlns:ahyp="http://schemas.microsoft.com/office/drawing/2018/hyperlinkcolor" matchingName="Title only" type="titleOnly">
+<p:sldLayout xmlns:a="http://schemas.openxmlformats.org/drawingml/2006/main" xmlns:r="http://schemas.openxmlformats.org/officeDocument/2006/relationships" xmlns:p="http://schemas.openxmlformats.org/presentationml/2006/main" matchingName="Title only" type="titleOnly">
   <p:cSld name="TITLE_ONLY">
     <p:spTree>
       <p:nvGrpSpPr>
-        <p:cNvPr id="25" name="Shape 25"/>
+        <p:cNvPr id="1" name="Shape 25"/>
         <p:cNvGrpSpPr/>
         <p:nvPr/>
       </p:nvGrpSpPr>
@@ -5529,7 +5649,9 @@
       <p:sp>
         <p:nvSpPr>
           <p:cNvPr id="26" name="Google Shape;26;p14"/>
-          <p:cNvSpPr txBox="1"/>
+          <p:cNvSpPr txBox="1">
+            <a:spLocks noGrp="1"/>
+          </p:cNvSpPr>
           <p:nvPr>
             <p:ph type="title"/>
           </p:nvPr>
@@ -5548,7 +5670,7 @@
           </a:ln>
         </p:spPr>
         <p:txBody>
-          <a:bodyPr anchorCtr="0" anchor="t" bIns="91425" lIns="91425" spcFirstLastPara="1" rIns="91425" wrap="square" tIns="91425">
+          <a:bodyPr spcFirstLastPara="1" wrap="square" lIns="91425" tIns="91425" rIns="91425" bIns="91425" anchor="t" anchorCtr="0">
             <a:normAutofit/>
           </a:bodyPr>
           <a:lstStyle>
@@ -5679,15 +5801,19 @@
               <a:defRPr/>
             </a:lvl9pPr>
           </a:lstStyle>
-          <a:p/>
+          <a:p>
+            <a:endParaRPr/>
+          </a:p>
         </p:txBody>
       </p:sp>
       <p:sp>
         <p:nvSpPr>
           <p:cNvPr id="27" name="Google Shape;27;p14"/>
-          <p:cNvSpPr txBox="1"/>
+          <p:cNvSpPr txBox="1">
+            <a:spLocks noGrp="1"/>
+          </p:cNvSpPr>
           <p:nvPr>
-            <p:ph idx="12" type="sldNum"/>
+            <p:ph type="sldNum" idx="12"/>
           </p:nvPr>
         </p:nvSpPr>
         <p:spPr>
@@ -5704,11 +5830,11 @@
           </a:ln>
         </p:spPr>
         <p:txBody>
-          <a:bodyPr anchorCtr="0" anchor="ctr" bIns="91425" lIns="91425" spcFirstLastPara="1" rIns="91425" wrap="square" tIns="91425">
+          <a:bodyPr spcFirstLastPara="1" wrap="square" lIns="91425" tIns="91425" rIns="91425" bIns="91425" anchor="ctr" anchorCtr="0">
             <a:normAutofit/>
           </a:bodyPr>
           <a:lstStyle>
-            <a:lvl1pPr indent="0" lvl="0" marL="0" marR="0" algn="r">
+            <a:lvl1pPr marL="0" marR="0" lvl="0" indent="0" algn="r">
               <a:lnSpc>
                 <a:spcPct val="100000"/>
               </a:lnSpc>
@@ -5724,7 +5850,7 @@
               <a:buSzPts val="1000"/>
               <a:buFont typeface="Arial"/>
               <a:buNone/>
-              <a:defRPr b="0" i="0" sz="1000" u="none" cap="none" strike="noStrike">
+              <a:defRPr sz="1000" b="0" i="0" u="none" strike="noStrike" cap="none">
                 <a:solidFill>
                   <a:schemeClr val="lt2"/>
                 </a:solidFill>
@@ -5734,7 +5860,7 @@
                 <a:sym typeface="Arial"/>
               </a:defRPr>
             </a:lvl1pPr>
-            <a:lvl2pPr indent="0" lvl="1" marL="0" marR="0" algn="r">
+            <a:lvl2pPr marL="0" marR="0" lvl="1" indent="0" algn="r">
               <a:lnSpc>
                 <a:spcPct val="100000"/>
               </a:lnSpc>
@@ -5750,7 +5876,7 @@
               <a:buSzPts val="1000"/>
               <a:buFont typeface="Arial"/>
               <a:buNone/>
-              <a:defRPr b="0" i="0" sz="1000" u="none" cap="none" strike="noStrike">
+              <a:defRPr sz="1000" b="0" i="0" u="none" strike="noStrike" cap="none">
                 <a:solidFill>
                   <a:schemeClr val="lt2"/>
                 </a:solidFill>
@@ -5760,7 +5886,7 @@
                 <a:sym typeface="Arial"/>
               </a:defRPr>
             </a:lvl2pPr>
-            <a:lvl3pPr indent="0" lvl="2" marL="0" marR="0" algn="r">
+            <a:lvl3pPr marL="0" marR="0" lvl="2" indent="0" algn="r">
               <a:lnSpc>
                 <a:spcPct val="100000"/>
               </a:lnSpc>
@@ -5776,7 +5902,7 @@
               <a:buSzPts val="1000"/>
               <a:buFont typeface="Arial"/>
               <a:buNone/>
-              <a:defRPr b="0" i="0" sz="1000" u="none" cap="none" strike="noStrike">
+              <a:defRPr sz="1000" b="0" i="0" u="none" strike="noStrike" cap="none">
                 <a:solidFill>
                   <a:schemeClr val="lt2"/>
                 </a:solidFill>
@@ -5786,7 +5912,7 @@
                 <a:sym typeface="Arial"/>
               </a:defRPr>
             </a:lvl3pPr>
-            <a:lvl4pPr indent="0" lvl="3" marL="0" marR="0" algn="r">
+            <a:lvl4pPr marL="0" marR="0" lvl="3" indent="0" algn="r">
               <a:lnSpc>
                 <a:spcPct val="100000"/>
               </a:lnSpc>
@@ -5802,7 +5928,7 @@
               <a:buSzPts val="1000"/>
               <a:buFont typeface="Arial"/>
               <a:buNone/>
-              <a:defRPr b="0" i="0" sz="1000" u="none" cap="none" strike="noStrike">
+              <a:defRPr sz="1000" b="0" i="0" u="none" strike="noStrike" cap="none">
                 <a:solidFill>
                   <a:schemeClr val="lt2"/>
                 </a:solidFill>
@@ -5812,7 +5938,7 @@
                 <a:sym typeface="Arial"/>
               </a:defRPr>
             </a:lvl4pPr>
-            <a:lvl5pPr indent="0" lvl="4" marL="0" marR="0" algn="r">
+            <a:lvl5pPr marL="0" marR="0" lvl="4" indent="0" algn="r">
               <a:lnSpc>
                 <a:spcPct val="100000"/>
               </a:lnSpc>
@@ -5828,7 +5954,7 @@
               <a:buSzPts val="1000"/>
               <a:buFont typeface="Arial"/>
               <a:buNone/>
-              <a:defRPr b="0" i="0" sz="1000" u="none" cap="none" strike="noStrike">
+              <a:defRPr sz="1000" b="0" i="0" u="none" strike="noStrike" cap="none">
                 <a:solidFill>
                   <a:schemeClr val="lt2"/>
                 </a:solidFill>
@@ -5838,7 +5964,7 @@
                 <a:sym typeface="Arial"/>
               </a:defRPr>
             </a:lvl5pPr>
-            <a:lvl6pPr indent="0" lvl="5" marL="0" marR="0" algn="r">
+            <a:lvl6pPr marL="0" marR="0" lvl="5" indent="0" algn="r">
               <a:lnSpc>
                 <a:spcPct val="100000"/>
               </a:lnSpc>
@@ -5854,7 +5980,7 @@
               <a:buSzPts val="1000"/>
               <a:buFont typeface="Arial"/>
               <a:buNone/>
-              <a:defRPr b="0" i="0" sz="1000" u="none" cap="none" strike="noStrike">
+              <a:defRPr sz="1000" b="0" i="0" u="none" strike="noStrike" cap="none">
                 <a:solidFill>
                   <a:schemeClr val="lt2"/>
                 </a:solidFill>
@@ -5864,7 +5990,7 @@
                 <a:sym typeface="Arial"/>
               </a:defRPr>
             </a:lvl6pPr>
-            <a:lvl7pPr indent="0" lvl="6" marL="0" marR="0" algn="r">
+            <a:lvl7pPr marL="0" marR="0" lvl="6" indent="0" algn="r">
               <a:lnSpc>
                 <a:spcPct val="100000"/>
               </a:lnSpc>
@@ -5880,7 +6006,7 @@
               <a:buSzPts val="1000"/>
               <a:buFont typeface="Arial"/>
               <a:buNone/>
-              <a:defRPr b="0" i="0" sz="1000" u="none" cap="none" strike="noStrike">
+              <a:defRPr sz="1000" b="0" i="0" u="none" strike="noStrike" cap="none">
                 <a:solidFill>
                   <a:schemeClr val="lt2"/>
                 </a:solidFill>
@@ -5890,7 +6016,7 @@
                 <a:sym typeface="Arial"/>
               </a:defRPr>
             </a:lvl7pPr>
-            <a:lvl8pPr indent="0" lvl="7" marL="0" marR="0" algn="r">
+            <a:lvl8pPr marL="0" marR="0" lvl="7" indent="0" algn="r">
               <a:lnSpc>
                 <a:spcPct val="100000"/>
               </a:lnSpc>
@@ -5906,7 +6032,7 @@
               <a:buSzPts val="1000"/>
               <a:buFont typeface="Arial"/>
               <a:buNone/>
-              <a:defRPr b="0" i="0" sz="1000" u="none" cap="none" strike="noStrike">
+              <a:defRPr sz="1000" b="0" i="0" u="none" strike="noStrike" cap="none">
                 <a:solidFill>
                   <a:schemeClr val="lt2"/>
                 </a:solidFill>
@@ -5916,7 +6042,7 @@
                 <a:sym typeface="Arial"/>
               </a:defRPr>
             </a:lvl8pPr>
-            <a:lvl9pPr indent="0" lvl="8" marL="0" marR="0" algn="r">
+            <a:lvl9pPr marL="0" marR="0" lvl="8" indent="0" algn="r">
               <a:lnSpc>
                 <a:spcPct val="100000"/>
               </a:lnSpc>
@@ -5932,7 +6058,7 @@
               <a:buSzPts val="1000"/>
               <a:buFont typeface="Arial"/>
               <a:buNone/>
-              <a:defRPr b="0" i="0" sz="1000" u="none" cap="none" strike="noStrike">
+              <a:defRPr sz="1000" b="0" i="0" u="none" strike="noStrike" cap="none">
                 <a:solidFill>
                   <a:schemeClr val="lt2"/>
                 </a:solidFill>
@@ -5944,7 +6070,7 @@
             </a:lvl9pPr>
           </a:lstStyle>
           <a:p>
-            <a:pPr indent="0" lvl="0" marL="0" rtl="0" algn="r">
+            <a:pPr marL="0" lvl="0" indent="0" algn="r" rtl="0">
               <a:spcBef>
                 <a:spcPts val="0"/>
               </a:spcBef>
@@ -5955,7 +6081,7 @@
             </a:pPr>
             <a:fld id="{00000000-1234-1234-1234-123412341234}" type="slidenum">
               <a:rPr lang="pt-BR"/>
-              <a:t>‹#›</a:t>
+              <a:t>‹nº›</a:t>
             </a:fld>
             <a:endParaRPr/>
           </a:p>
@@ -5970,11 +6096,11 @@
 </file>
 
 <file path=ppt/slideLayouts/slideLayout6.xml><?xml version="1.0" encoding="utf-8"?>
-<p:sldLayout xmlns:a="http://schemas.openxmlformats.org/drawingml/2006/main" xmlns:r="http://schemas.openxmlformats.org/officeDocument/2006/relationships" xmlns:mc="http://schemas.openxmlformats.org/markup-compatibility/2006" xmlns:mv="urn:schemas-microsoft-com:mac:vml" xmlns:p="http://schemas.openxmlformats.org/presentationml/2006/main" xmlns:c="http://schemas.openxmlformats.org/drawingml/2006/chart" xmlns:dgm="http://schemas.openxmlformats.org/drawingml/2006/diagram" xmlns:o="urn:schemas-microsoft-com:office:office" xmlns:v="urn:schemas-microsoft-com:vml" xmlns:pvml="urn:schemas-microsoft-com:office:powerpoint" xmlns:com="http://schemas.openxmlformats.org/drawingml/2006/compatibility" xmlns:p14="http://schemas.microsoft.com/office/powerpoint/2010/main" xmlns:p15="http://schemas.microsoft.com/office/powerpoint/2012/main" xmlns:ahyp="http://schemas.microsoft.com/office/drawing/2018/hyperlinkcolor" matchingName="One column text">
+<p:sldLayout xmlns:a="http://schemas.openxmlformats.org/drawingml/2006/main" xmlns:r="http://schemas.openxmlformats.org/officeDocument/2006/relationships" xmlns:p="http://schemas.openxmlformats.org/presentationml/2006/main" matchingName="One column text">
   <p:cSld name="ONE_COLUMN_TEXT">
     <p:spTree>
       <p:nvGrpSpPr>
-        <p:cNvPr id="28" name="Shape 28"/>
+        <p:cNvPr id="1" name="Shape 28"/>
         <p:cNvGrpSpPr/>
         <p:nvPr/>
       </p:nvGrpSpPr>
@@ -5989,7 +6115,9 @@
       <p:sp>
         <p:nvSpPr>
           <p:cNvPr id="29" name="Google Shape;29;p15"/>
-          <p:cNvSpPr txBox="1"/>
+          <p:cNvSpPr txBox="1">
+            <a:spLocks noGrp="1"/>
+          </p:cNvSpPr>
           <p:nvPr>
             <p:ph type="title"/>
           </p:nvPr>
@@ -6008,7 +6136,7 @@
           </a:ln>
         </p:spPr>
         <p:txBody>
-          <a:bodyPr anchorCtr="0" anchor="b" bIns="91425" lIns="91425" spcFirstLastPara="1" rIns="91425" wrap="square" tIns="91425">
+          <a:bodyPr spcFirstLastPara="1" wrap="square" lIns="91425" tIns="91425" rIns="91425" bIns="91425" anchor="b" anchorCtr="0">
             <a:normAutofit/>
           </a:bodyPr>
           <a:lstStyle>
@@ -6139,15 +6267,19 @@
               <a:defRPr sz="2400"/>
             </a:lvl9pPr>
           </a:lstStyle>
-          <a:p/>
+          <a:p>
+            <a:endParaRPr/>
+          </a:p>
         </p:txBody>
       </p:sp>
       <p:sp>
         <p:nvSpPr>
           <p:cNvPr id="30" name="Google Shape;30;p15"/>
-          <p:cNvSpPr txBox="1"/>
+          <p:cNvSpPr txBox="1">
+            <a:spLocks noGrp="1"/>
+          </p:cNvSpPr>
           <p:nvPr>
-            <p:ph idx="1" type="body"/>
+            <p:ph type="body" idx="1"/>
           </p:nvPr>
         </p:nvSpPr>
         <p:spPr>
@@ -6164,11 +6296,11 @@
           </a:ln>
         </p:spPr>
         <p:txBody>
-          <a:bodyPr anchorCtr="0" anchor="t" bIns="91425" lIns="91425" spcFirstLastPara="1" rIns="91425" wrap="square" tIns="91425">
+          <a:bodyPr spcFirstLastPara="1" wrap="square" lIns="91425" tIns="91425" rIns="91425" bIns="91425" anchor="t" anchorCtr="0">
             <a:normAutofit/>
           </a:bodyPr>
           <a:lstStyle>
-            <a:lvl1pPr indent="-304800" lvl="0" marL="457200" algn="l">
+            <a:lvl1pPr marL="457200" lvl="0" indent="-304800" algn="l">
               <a:lnSpc>
                 <a:spcPct val="115000"/>
               </a:lnSpc>
@@ -6182,7 +6314,7 @@
               <a:buChar char="●"/>
               <a:defRPr sz="1200"/>
             </a:lvl1pPr>
-            <a:lvl2pPr indent="-304800" lvl="1" marL="914400" algn="l">
+            <a:lvl2pPr marL="914400" lvl="1" indent="-304800" algn="l">
               <a:lnSpc>
                 <a:spcPct val="115000"/>
               </a:lnSpc>
@@ -6196,7 +6328,7 @@
               <a:buChar char="○"/>
               <a:defRPr sz="1200"/>
             </a:lvl2pPr>
-            <a:lvl3pPr indent="-304800" lvl="2" marL="1371600" algn="l">
+            <a:lvl3pPr marL="1371600" lvl="2" indent="-304800" algn="l">
               <a:lnSpc>
                 <a:spcPct val="115000"/>
               </a:lnSpc>
@@ -6210,7 +6342,7 @@
               <a:buChar char="■"/>
               <a:defRPr sz="1200"/>
             </a:lvl3pPr>
-            <a:lvl4pPr indent="-304800" lvl="3" marL="1828800" algn="l">
+            <a:lvl4pPr marL="1828800" lvl="3" indent="-304800" algn="l">
               <a:lnSpc>
                 <a:spcPct val="115000"/>
               </a:lnSpc>
@@ -6224,7 +6356,7 @@
               <a:buChar char="●"/>
               <a:defRPr sz="1200"/>
             </a:lvl4pPr>
-            <a:lvl5pPr indent="-304800" lvl="4" marL="2286000" algn="l">
+            <a:lvl5pPr marL="2286000" lvl="4" indent="-304800" algn="l">
               <a:lnSpc>
                 <a:spcPct val="115000"/>
               </a:lnSpc>
@@ -6238,7 +6370,7 @@
               <a:buChar char="○"/>
               <a:defRPr sz="1200"/>
             </a:lvl5pPr>
-            <a:lvl6pPr indent="-304800" lvl="5" marL="2743200" algn="l">
+            <a:lvl6pPr marL="2743200" lvl="5" indent="-304800" algn="l">
               <a:lnSpc>
                 <a:spcPct val="115000"/>
               </a:lnSpc>
@@ -6252,7 +6384,7 @@
               <a:buChar char="■"/>
               <a:defRPr sz="1200"/>
             </a:lvl6pPr>
-            <a:lvl7pPr indent="-304800" lvl="6" marL="3200400" algn="l">
+            <a:lvl7pPr marL="3200400" lvl="6" indent="-304800" algn="l">
               <a:lnSpc>
                 <a:spcPct val="115000"/>
               </a:lnSpc>
@@ -6266,7 +6398,7 @@
               <a:buChar char="●"/>
               <a:defRPr sz="1200"/>
             </a:lvl7pPr>
-            <a:lvl8pPr indent="-304800" lvl="7" marL="3657600" algn="l">
+            <a:lvl8pPr marL="3657600" lvl="7" indent="-304800" algn="l">
               <a:lnSpc>
                 <a:spcPct val="115000"/>
               </a:lnSpc>
@@ -6280,7 +6412,7 @@
               <a:buChar char="○"/>
               <a:defRPr sz="1200"/>
             </a:lvl8pPr>
-            <a:lvl9pPr indent="-304800" lvl="8" marL="4114800" algn="l">
+            <a:lvl9pPr marL="4114800" lvl="8" indent="-304800" algn="l">
               <a:lnSpc>
                 <a:spcPct val="115000"/>
               </a:lnSpc>
@@ -6295,15 +6427,19 @@
               <a:defRPr sz="1200"/>
             </a:lvl9pPr>
           </a:lstStyle>
-          <a:p/>
+          <a:p>
+            <a:endParaRPr/>
+          </a:p>
         </p:txBody>
       </p:sp>
       <p:sp>
         <p:nvSpPr>
           <p:cNvPr id="31" name="Google Shape;31;p15"/>
-          <p:cNvSpPr txBox="1"/>
+          <p:cNvSpPr txBox="1">
+            <a:spLocks noGrp="1"/>
+          </p:cNvSpPr>
           <p:nvPr>
-            <p:ph idx="12" type="sldNum"/>
+            <p:ph type="sldNum" idx="12"/>
           </p:nvPr>
         </p:nvSpPr>
         <p:spPr>
@@ -6320,11 +6456,11 @@
           </a:ln>
         </p:spPr>
         <p:txBody>
-          <a:bodyPr anchorCtr="0" anchor="ctr" bIns="91425" lIns="91425" spcFirstLastPara="1" rIns="91425" wrap="square" tIns="91425">
+          <a:bodyPr spcFirstLastPara="1" wrap="square" lIns="91425" tIns="91425" rIns="91425" bIns="91425" anchor="ctr" anchorCtr="0">
             <a:normAutofit/>
           </a:bodyPr>
           <a:lstStyle>
-            <a:lvl1pPr indent="0" lvl="0" marL="0" marR="0" algn="r">
+            <a:lvl1pPr marL="0" marR="0" lvl="0" indent="0" algn="r">
               <a:lnSpc>
                 <a:spcPct val="100000"/>
               </a:lnSpc>
@@ -6340,7 +6476,7 @@
               <a:buSzPts val="1000"/>
               <a:buFont typeface="Arial"/>
               <a:buNone/>
-              <a:defRPr b="0" i="0" sz="1000" u="none" cap="none" strike="noStrike">
+              <a:defRPr sz="1000" b="0" i="0" u="none" strike="noStrike" cap="none">
                 <a:solidFill>
                   <a:schemeClr val="lt2"/>
                 </a:solidFill>
@@ -6350,7 +6486,7 @@
                 <a:sym typeface="Arial"/>
               </a:defRPr>
             </a:lvl1pPr>
-            <a:lvl2pPr indent="0" lvl="1" marL="0" marR="0" algn="r">
+            <a:lvl2pPr marL="0" marR="0" lvl="1" indent="0" algn="r">
               <a:lnSpc>
                 <a:spcPct val="100000"/>
               </a:lnSpc>
@@ -6366,7 +6502,7 @@
               <a:buSzPts val="1000"/>
               <a:buFont typeface="Arial"/>
               <a:buNone/>
-              <a:defRPr b="0" i="0" sz="1000" u="none" cap="none" strike="noStrike">
+              <a:defRPr sz="1000" b="0" i="0" u="none" strike="noStrike" cap="none">
                 <a:solidFill>
                   <a:schemeClr val="lt2"/>
                 </a:solidFill>
@@ -6376,7 +6512,7 @@
                 <a:sym typeface="Arial"/>
               </a:defRPr>
             </a:lvl2pPr>
-            <a:lvl3pPr indent="0" lvl="2" marL="0" marR="0" algn="r">
+            <a:lvl3pPr marL="0" marR="0" lvl="2" indent="0" algn="r">
               <a:lnSpc>
                 <a:spcPct val="100000"/>
               </a:lnSpc>
@@ -6392,7 +6528,7 @@
               <a:buSzPts val="1000"/>
               <a:buFont typeface="Arial"/>
               <a:buNone/>
-              <a:defRPr b="0" i="0" sz="1000" u="none" cap="none" strike="noStrike">
+              <a:defRPr sz="1000" b="0" i="0" u="none" strike="noStrike" cap="none">
                 <a:solidFill>
                   <a:schemeClr val="lt2"/>
                 </a:solidFill>
@@ -6402,7 +6538,7 @@
                 <a:sym typeface="Arial"/>
               </a:defRPr>
             </a:lvl3pPr>
-            <a:lvl4pPr indent="0" lvl="3" marL="0" marR="0" algn="r">
+            <a:lvl4pPr marL="0" marR="0" lvl="3" indent="0" algn="r">
               <a:lnSpc>
                 <a:spcPct val="100000"/>
               </a:lnSpc>
@@ -6418,7 +6554,7 @@
               <a:buSzPts val="1000"/>
               <a:buFont typeface="Arial"/>
               <a:buNone/>
-              <a:defRPr b="0" i="0" sz="1000" u="none" cap="none" strike="noStrike">
+              <a:defRPr sz="1000" b="0" i="0" u="none" strike="noStrike" cap="none">
                 <a:solidFill>
                   <a:schemeClr val="lt2"/>
                 </a:solidFill>
@@ -6428,7 +6564,7 @@
                 <a:sym typeface="Arial"/>
               </a:defRPr>
             </a:lvl4pPr>
-            <a:lvl5pPr indent="0" lvl="4" marL="0" marR="0" algn="r">
+            <a:lvl5pPr marL="0" marR="0" lvl="4" indent="0" algn="r">
               <a:lnSpc>
                 <a:spcPct val="100000"/>
               </a:lnSpc>
@@ -6444,7 +6580,7 @@
               <a:buSzPts val="1000"/>
               <a:buFont typeface="Arial"/>
               <a:buNone/>
-              <a:defRPr b="0" i="0" sz="1000" u="none" cap="none" strike="noStrike">
+              <a:defRPr sz="1000" b="0" i="0" u="none" strike="noStrike" cap="none">
                 <a:solidFill>
                   <a:schemeClr val="lt2"/>
                 </a:solidFill>
@@ -6454,7 +6590,7 @@
                 <a:sym typeface="Arial"/>
               </a:defRPr>
             </a:lvl5pPr>
-            <a:lvl6pPr indent="0" lvl="5" marL="0" marR="0" algn="r">
+            <a:lvl6pPr marL="0" marR="0" lvl="5" indent="0" algn="r">
               <a:lnSpc>
                 <a:spcPct val="100000"/>
               </a:lnSpc>
@@ -6470,7 +6606,7 @@
               <a:buSzPts val="1000"/>
               <a:buFont typeface="Arial"/>
               <a:buNone/>
-              <a:defRPr b="0" i="0" sz="1000" u="none" cap="none" strike="noStrike">
+              <a:defRPr sz="1000" b="0" i="0" u="none" strike="noStrike" cap="none">
                 <a:solidFill>
                   <a:schemeClr val="lt2"/>
                 </a:solidFill>
@@ -6480,7 +6616,7 @@
                 <a:sym typeface="Arial"/>
               </a:defRPr>
             </a:lvl6pPr>
-            <a:lvl7pPr indent="0" lvl="6" marL="0" marR="0" algn="r">
+            <a:lvl7pPr marL="0" marR="0" lvl="6" indent="0" algn="r">
               <a:lnSpc>
                 <a:spcPct val="100000"/>
               </a:lnSpc>
@@ -6496,7 +6632,7 @@
               <a:buSzPts val="1000"/>
               <a:buFont typeface="Arial"/>
               <a:buNone/>
-              <a:defRPr b="0" i="0" sz="1000" u="none" cap="none" strike="noStrike">
+              <a:defRPr sz="1000" b="0" i="0" u="none" strike="noStrike" cap="none">
                 <a:solidFill>
                   <a:schemeClr val="lt2"/>
                 </a:solidFill>
@@ -6506,7 +6642,7 @@
                 <a:sym typeface="Arial"/>
               </a:defRPr>
             </a:lvl7pPr>
-            <a:lvl8pPr indent="0" lvl="7" marL="0" marR="0" algn="r">
+            <a:lvl8pPr marL="0" marR="0" lvl="7" indent="0" algn="r">
               <a:lnSpc>
                 <a:spcPct val="100000"/>
               </a:lnSpc>
@@ -6522,7 +6658,7 @@
               <a:buSzPts val="1000"/>
               <a:buFont typeface="Arial"/>
               <a:buNone/>
-              <a:defRPr b="0" i="0" sz="1000" u="none" cap="none" strike="noStrike">
+              <a:defRPr sz="1000" b="0" i="0" u="none" strike="noStrike" cap="none">
                 <a:solidFill>
                   <a:schemeClr val="lt2"/>
                 </a:solidFill>
@@ -6532,7 +6668,7 @@
                 <a:sym typeface="Arial"/>
               </a:defRPr>
             </a:lvl8pPr>
-            <a:lvl9pPr indent="0" lvl="8" marL="0" marR="0" algn="r">
+            <a:lvl9pPr marL="0" marR="0" lvl="8" indent="0" algn="r">
               <a:lnSpc>
                 <a:spcPct val="100000"/>
               </a:lnSpc>
@@ -6548,7 +6684,7 @@
               <a:buSzPts val="1000"/>
               <a:buFont typeface="Arial"/>
               <a:buNone/>
-              <a:defRPr b="0" i="0" sz="1000" u="none" cap="none" strike="noStrike">
+              <a:defRPr sz="1000" b="0" i="0" u="none" strike="noStrike" cap="none">
                 <a:solidFill>
                   <a:schemeClr val="lt2"/>
                 </a:solidFill>
@@ -6560,7 +6696,7 @@
             </a:lvl9pPr>
           </a:lstStyle>
           <a:p>
-            <a:pPr indent="0" lvl="0" marL="0" rtl="0" algn="r">
+            <a:pPr marL="0" lvl="0" indent="0" algn="r" rtl="0">
               <a:spcBef>
                 <a:spcPts val="0"/>
               </a:spcBef>
@@ -6571,7 +6707,7 @@
             </a:pPr>
             <a:fld id="{00000000-1234-1234-1234-123412341234}" type="slidenum">
               <a:rPr lang="pt-BR"/>
-              <a:t>‹#›</a:t>
+              <a:t>‹nº›</a:t>
             </a:fld>
             <a:endParaRPr/>
           </a:p>
@@ -6586,11 +6722,11 @@
 </file>
 
 <file path=ppt/slideLayouts/slideLayout7.xml><?xml version="1.0" encoding="utf-8"?>
-<p:sldLayout xmlns:a="http://schemas.openxmlformats.org/drawingml/2006/main" xmlns:r="http://schemas.openxmlformats.org/officeDocument/2006/relationships" xmlns:mc="http://schemas.openxmlformats.org/markup-compatibility/2006" xmlns:mv="urn:schemas-microsoft-com:mac:vml" xmlns:p="http://schemas.openxmlformats.org/presentationml/2006/main" xmlns:c="http://schemas.openxmlformats.org/drawingml/2006/chart" xmlns:dgm="http://schemas.openxmlformats.org/drawingml/2006/diagram" xmlns:o="urn:schemas-microsoft-com:office:office" xmlns:v="urn:schemas-microsoft-com:vml" xmlns:pvml="urn:schemas-microsoft-com:office:powerpoint" xmlns:com="http://schemas.openxmlformats.org/drawingml/2006/compatibility" xmlns:p14="http://schemas.microsoft.com/office/powerpoint/2010/main" xmlns:p15="http://schemas.microsoft.com/office/powerpoint/2012/main" xmlns:ahyp="http://schemas.microsoft.com/office/drawing/2018/hyperlinkcolor" matchingName="Main point">
+<p:sldLayout xmlns:a="http://schemas.openxmlformats.org/drawingml/2006/main" xmlns:r="http://schemas.openxmlformats.org/officeDocument/2006/relationships" xmlns:p="http://schemas.openxmlformats.org/presentationml/2006/main" matchingName="Main point">
   <p:cSld name="MAIN_POINT">
     <p:spTree>
       <p:nvGrpSpPr>
-        <p:cNvPr id="32" name="Shape 32"/>
+        <p:cNvPr id="1" name="Shape 32"/>
         <p:cNvGrpSpPr/>
         <p:nvPr/>
       </p:nvGrpSpPr>
@@ -6605,7 +6741,9 @@
       <p:sp>
         <p:nvSpPr>
           <p:cNvPr id="33" name="Google Shape;33;p16"/>
-          <p:cNvSpPr txBox="1"/>
+          <p:cNvSpPr txBox="1">
+            <a:spLocks noGrp="1"/>
+          </p:cNvSpPr>
           <p:nvPr>
             <p:ph type="title"/>
           </p:nvPr>
@@ -6624,7 +6762,7 @@
           </a:ln>
         </p:spPr>
         <p:txBody>
-          <a:bodyPr anchorCtr="0" anchor="ctr" bIns="91425" lIns="91425" spcFirstLastPara="1" rIns="91425" wrap="square" tIns="91425">
+          <a:bodyPr spcFirstLastPara="1" wrap="square" lIns="91425" tIns="91425" rIns="91425" bIns="91425" anchor="ctr" anchorCtr="0">
             <a:normAutofit/>
           </a:bodyPr>
           <a:lstStyle>
@@ -6755,15 +6893,19 @@
               <a:defRPr sz="4800"/>
             </a:lvl9pPr>
           </a:lstStyle>
-          <a:p/>
+          <a:p>
+            <a:endParaRPr/>
+          </a:p>
         </p:txBody>
       </p:sp>
       <p:sp>
         <p:nvSpPr>
           <p:cNvPr id="34" name="Google Shape;34;p16"/>
-          <p:cNvSpPr txBox="1"/>
+          <p:cNvSpPr txBox="1">
+            <a:spLocks noGrp="1"/>
+          </p:cNvSpPr>
           <p:nvPr>
-            <p:ph idx="12" type="sldNum"/>
+            <p:ph type="sldNum" idx="12"/>
           </p:nvPr>
         </p:nvSpPr>
         <p:spPr>
@@ -6780,11 +6922,11 @@
           </a:ln>
         </p:spPr>
         <p:txBody>
-          <a:bodyPr anchorCtr="0" anchor="ctr" bIns="91425" lIns="91425" spcFirstLastPara="1" rIns="91425" wrap="square" tIns="91425">
+          <a:bodyPr spcFirstLastPara="1" wrap="square" lIns="91425" tIns="91425" rIns="91425" bIns="91425" anchor="ctr" anchorCtr="0">
             <a:normAutofit/>
           </a:bodyPr>
           <a:lstStyle>
-            <a:lvl1pPr indent="0" lvl="0" marL="0" marR="0" algn="r">
+            <a:lvl1pPr marL="0" marR="0" lvl="0" indent="0" algn="r">
               <a:lnSpc>
                 <a:spcPct val="100000"/>
               </a:lnSpc>
@@ -6800,7 +6942,7 @@
               <a:buSzPts val="1000"/>
               <a:buFont typeface="Arial"/>
               <a:buNone/>
-              <a:defRPr b="0" i="0" sz="1000" u="none" cap="none" strike="noStrike">
+              <a:defRPr sz="1000" b="0" i="0" u="none" strike="noStrike" cap="none">
                 <a:solidFill>
                   <a:schemeClr val="lt2"/>
                 </a:solidFill>
@@ -6810,7 +6952,7 @@
                 <a:sym typeface="Arial"/>
               </a:defRPr>
             </a:lvl1pPr>
-            <a:lvl2pPr indent="0" lvl="1" marL="0" marR="0" algn="r">
+            <a:lvl2pPr marL="0" marR="0" lvl="1" indent="0" algn="r">
               <a:lnSpc>
                 <a:spcPct val="100000"/>
               </a:lnSpc>
@@ -6826,7 +6968,7 @@
               <a:buSzPts val="1000"/>
               <a:buFont typeface="Arial"/>
               <a:buNone/>
-              <a:defRPr b="0" i="0" sz="1000" u="none" cap="none" strike="noStrike">
+              <a:defRPr sz="1000" b="0" i="0" u="none" strike="noStrike" cap="none">
                 <a:solidFill>
                   <a:schemeClr val="lt2"/>
                 </a:solidFill>
@@ -6836,7 +6978,7 @@
                 <a:sym typeface="Arial"/>
               </a:defRPr>
             </a:lvl2pPr>
-            <a:lvl3pPr indent="0" lvl="2" marL="0" marR="0" algn="r">
+            <a:lvl3pPr marL="0" marR="0" lvl="2" indent="0" algn="r">
               <a:lnSpc>
                 <a:spcPct val="100000"/>
               </a:lnSpc>
@@ -6852,7 +6994,7 @@
               <a:buSzPts val="1000"/>
               <a:buFont typeface="Arial"/>
               <a:buNone/>
-              <a:defRPr b="0" i="0" sz="1000" u="none" cap="none" strike="noStrike">
+              <a:defRPr sz="1000" b="0" i="0" u="none" strike="noStrike" cap="none">
                 <a:solidFill>
                   <a:schemeClr val="lt2"/>
                 </a:solidFill>
@@ -6862,7 +7004,7 @@
                 <a:sym typeface="Arial"/>
               </a:defRPr>
             </a:lvl3pPr>
-            <a:lvl4pPr indent="0" lvl="3" marL="0" marR="0" algn="r">
+            <a:lvl4pPr marL="0" marR="0" lvl="3" indent="0" algn="r">
               <a:lnSpc>
                 <a:spcPct val="100000"/>
               </a:lnSpc>
@@ -6878,7 +7020,7 @@
               <a:buSzPts val="1000"/>
               <a:buFont typeface="Arial"/>
               <a:buNone/>
-              <a:defRPr b="0" i="0" sz="1000" u="none" cap="none" strike="noStrike">
+              <a:defRPr sz="1000" b="0" i="0" u="none" strike="noStrike" cap="none">
                 <a:solidFill>
                   <a:schemeClr val="lt2"/>
                 </a:solidFill>
@@ -6888,7 +7030,7 @@
                 <a:sym typeface="Arial"/>
               </a:defRPr>
             </a:lvl4pPr>
-            <a:lvl5pPr indent="0" lvl="4" marL="0" marR="0" algn="r">
+            <a:lvl5pPr marL="0" marR="0" lvl="4" indent="0" algn="r">
               <a:lnSpc>
                 <a:spcPct val="100000"/>
               </a:lnSpc>
@@ -6904,7 +7046,7 @@
               <a:buSzPts val="1000"/>
               <a:buFont typeface="Arial"/>
               <a:buNone/>
-              <a:defRPr b="0" i="0" sz="1000" u="none" cap="none" strike="noStrike">
+              <a:defRPr sz="1000" b="0" i="0" u="none" strike="noStrike" cap="none">
                 <a:solidFill>
                   <a:schemeClr val="lt2"/>
                 </a:solidFill>
@@ -6914,7 +7056,7 @@
                 <a:sym typeface="Arial"/>
               </a:defRPr>
             </a:lvl5pPr>
-            <a:lvl6pPr indent="0" lvl="5" marL="0" marR="0" algn="r">
+            <a:lvl6pPr marL="0" marR="0" lvl="5" indent="0" algn="r">
               <a:lnSpc>
                 <a:spcPct val="100000"/>
               </a:lnSpc>
@@ -6930,7 +7072,7 @@
               <a:buSzPts val="1000"/>
               <a:buFont typeface="Arial"/>
               <a:buNone/>
-              <a:defRPr b="0" i="0" sz="1000" u="none" cap="none" strike="noStrike">
+              <a:defRPr sz="1000" b="0" i="0" u="none" strike="noStrike" cap="none">
                 <a:solidFill>
                   <a:schemeClr val="lt2"/>
                 </a:solidFill>
@@ -6940,7 +7082,7 @@
                 <a:sym typeface="Arial"/>
               </a:defRPr>
             </a:lvl6pPr>
-            <a:lvl7pPr indent="0" lvl="6" marL="0" marR="0" algn="r">
+            <a:lvl7pPr marL="0" marR="0" lvl="6" indent="0" algn="r">
               <a:lnSpc>
                 <a:spcPct val="100000"/>
               </a:lnSpc>
@@ -6956,7 +7098,7 @@
               <a:buSzPts val="1000"/>
               <a:buFont typeface="Arial"/>
               <a:buNone/>
-              <a:defRPr b="0" i="0" sz="1000" u="none" cap="none" strike="noStrike">
+              <a:defRPr sz="1000" b="0" i="0" u="none" strike="noStrike" cap="none">
                 <a:solidFill>
                   <a:schemeClr val="lt2"/>
                 </a:solidFill>
@@ -6966,7 +7108,7 @@
                 <a:sym typeface="Arial"/>
               </a:defRPr>
             </a:lvl7pPr>
-            <a:lvl8pPr indent="0" lvl="7" marL="0" marR="0" algn="r">
+            <a:lvl8pPr marL="0" marR="0" lvl="7" indent="0" algn="r">
               <a:lnSpc>
                 <a:spcPct val="100000"/>
               </a:lnSpc>
@@ -6982,7 +7124,7 @@
               <a:buSzPts val="1000"/>
               <a:buFont typeface="Arial"/>
               <a:buNone/>
-              <a:defRPr b="0" i="0" sz="1000" u="none" cap="none" strike="noStrike">
+              <a:defRPr sz="1000" b="0" i="0" u="none" strike="noStrike" cap="none">
                 <a:solidFill>
                   <a:schemeClr val="lt2"/>
                 </a:solidFill>
@@ -6992,7 +7134,7 @@
                 <a:sym typeface="Arial"/>
               </a:defRPr>
             </a:lvl8pPr>
-            <a:lvl9pPr indent="0" lvl="8" marL="0" marR="0" algn="r">
+            <a:lvl9pPr marL="0" marR="0" lvl="8" indent="0" algn="r">
               <a:lnSpc>
                 <a:spcPct val="100000"/>
               </a:lnSpc>
@@ -7008,7 +7150,7 @@
               <a:buSzPts val="1000"/>
               <a:buFont typeface="Arial"/>
               <a:buNone/>
-              <a:defRPr b="0" i="0" sz="1000" u="none" cap="none" strike="noStrike">
+              <a:defRPr sz="1000" b="0" i="0" u="none" strike="noStrike" cap="none">
                 <a:solidFill>
                   <a:schemeClr val="lt2"/>
                 </a:solidFill>
@@ -7020,7 +7162,7 @@
             </a:lvl9pPr>
           </a:lstStyle>
           <a:p>
-            <a:pPr indent="0" lvl="0" marL="0" rtl="0" algn="r">
+            <a:pPr marL="0" lvl="0" indent="0" algn="r" rtl="0">
               <a:spcBef>
                 <a:spcPts val="0"/>
               </a:spcBef>
@@ -7031,7 +7173,7 @@
             </a:pPr>
             <a:fld id="{00000000-1234-1234-1234-123412341234}" type="slidenum">
               <a:rPr lang="pt-BR"/>
-              <a:t>‹#›</a:t>
+              <a:t>‹nº›</a:t>
             </a:fld>
             <a:endParaRPr/>
           </a:p>
@@ -7046,11 +7188,11 @@
 </file>
 
 <file path=ppt/slideLayouts/slideLayout8.xml><?xml version="1.0" encoding="utf-8"?>
-<p:sldLayout xmlns:a="http://schemas.openxmlformats.org/drawingml/2006/main" xmlns:r="http://schemas.openxmlformats.org/officeDocument/2006/relationships" xmlns:mc="http://schemas.openxmlformats.org/markup-compatibility/2006" xmlns:mv="urn:schemas-microsoft-com:mac:vml" xmlns:p="http://schemas.openxmlformats.org/presentationml/2006/main" xmlns:c="http://schemas.openxmlformats.org/drawingml/2006/chart" xmlns:dgm="http://schemas.openxmlformats.org/drawingml/2006/diagram" xmlns:o="urn:schemas-microsoft-com:office:office" xmlns:v="urn:schemas-microsoft-com:vml" xmlns:pvml="urn:schemas-microsoft-com:office:powerpoint" xmlns:com="http://schemas.openxmlformats.org/drawingml/2006/compatibility" xmlns:p14="http://schemas.microsoft.com/office/powerpoint/2010/main" xmlns:p15="http://schemas.microsoft.com/office/powerpoint/2012/main" xmlns:ahyp="http://schemas.microsoft.com/office/drawing/2018/hyperlinkcolor" matchingName="Section title and description">
+<p:sldLayout xmlns:a="http://schemas.openxmlformats.org/drawingml/2006/main" xmlns:r="http://schemas.openxmlformats.org/officeDocument/2006/relationships" xmlns:p="http://schemas.openxmlformats.org/presentationml/2006/main" matchingName="Section title and description">
   <p:cSld name="SECTION_TITLE_AND_DESCRIPTION">
     <p:spTree>
       <p:nvGrpSpPr>
-        <p:cNvPr id="35" name="Shape 35"/>
+        <p:cNvPr id="1" name="Shape 35"/>
         <p:cNvGrpSpPr/>
         <p:nvPr/>
       </p:nvGrpSpPr>
@@ -7084,12 +7226,12 @@
           </a:ln>
         </p:spPr>
         <p:txBody>
-          <a:bodyPr anchorCtr="0" anchor="ctr" bIns="91425" lIns="91425" spcFirstLastPara="1" rIns="91425" wrap="square" tIns="91425">
+          <a:bodyPr spcFirstLastPara="1" wrap="square" lIns="91425" tIns="91425" rIns="91425" bIns="91425" anchor="ctr" anchorCtr="0">
             <a:noAutofit/>
           </a:bodyPr>
           <a:lstStyle/>
           <a:p>
-            <a:pPr indent="0" lvl="0" marL="0" marR="0" rtl="0" algn="l">
+            <a:pPr marL="0" marR="0" lvl="0" indent="0" algn="l" rtl="0">
               <a:lnSpc>
                 <a:spcPct val="100000"/>
               </a:lnSpc>
@@ -7106,10 +7248,7 @@
               <a:buFont typeface="Arial"/>
               <a:buNone/>
             </a:pPr>
-            <a:r>
-              <a:t/>
-            </a:r>
-            <a:endParaRPr b="0" i="0" sz="1400" u="none" cap="none" strike="noStrike">
+            <a:endParaRPr sz="1400" b="0" i="0" u="none" strike="noStrike" cap="none">
               <a:solidFill>
                 <a:srgbClr val="000000"/>
               </a:solidFill>
@@ -7124,7 +7263,9 @@
       <p:sp>
         <p:nvSpPr>
           <p:cNvPr id="37" name="Google Shape;37;p17"/>
-          <p:cNvSpPr txBox="1"/>
+          <p:cNvSpPr txBox="1">
+            <a:spLocks noGrp="1"/>
+          </p:cNvSpPr>
           <p:nvPr>
             <p:ph type="title"/>
           </p:nvPr>
@@ -7143,7 +7284,7 @@
           </a:ln>
         </p:spPr>
         <p:txBody>
-          <a:bodyPr anchorCtr="0" anchor="b" bIns="91425" lIns="91425" spcFirstLastPara="1" rIns="91425" wrap="square" tIns="91425">
+          <a:bodyPr spcFirstLastPara="1" wrap="square" lIns="91425" tIns="91425" rIns="91425" bIns="91425" anchor="b" anchorCtr="0">
             <a:normAutofit/>
           </a:bodyPr>
           <a:lstStyle>
@@ -7274,15 +7415,19 @@
               <a:defRPr sz="4200"/>
             </a:lvl9pPr>
           </a:lstStyle>
-          <a:p/>
+          <a:p>
+            <a:endParaRPr/>
+          </a:p>
         </p:txBody>
       </p:sp>
       <p:sp>
         <p:nvSpPr>
           <p:cNvPr id="38" name="Google Shape;38;p17"/>
-          <p:cNvSpPr txBox="1"/>
+          <p:cNvSpPr txBox="1">
+            <a:spLocks noGrp="1"/>
+          </p:cNvSpPr>
           <p:nvPr>
-            <p:ph idx="1" type="subTitle"/>
+            <p:ph type="subTitle" idx="1"/>
           </p:nvPr>
         </p:nvSpPr>
         <p:spPr>
@@ -7299,7 +7444,7 @@
           </a:ln>
         </p:spPr>
         <p:txBody>
-          <a:bodyPr anchorCtr="0" anchor="t" bIns="91425" lIns="91425" spcFirstLastPara="1" rIns="91425" wrap="square" tIns="91425">
+          <a:bodyPr spcFirstLastPara="1" wrap="square" lIns="91425" tIns="91425" rIns="91425" bIns="91425" anchor="t" anchorCtr="0">
             <a:normAutofit/>
           </a:bodyPr>
           <a:lstStyle>
@@ -7430,15 +7575,19 @@
               <a:defRPr sz="2100"/>
             </a:lvl9pPr>
           </a:lstStyle>
-          <a:p/>
+          <a:p>
+            <a:endParaRPr/>
+          </a:p>
         </p:txBody>
       </p:sp>
       <p:sp>
         <p:nvSpPr>
           <p:cNvPr id="39" name="Google Shape;39;p17"/>
-          <p:cNvSpPr txBox="1"/>
+          <p:cNvSpPr txBox="1">
+            <a:spLocks noGrp="1"/>
+          </p:cNvSpPr>
           <p:nvPr>
-            <p:ph idx="2" type="body"/>
+            <p:ph type="body" idx="2"/>
           </p:nvPr>
         </p:nvSpPr>
         <p:spPr>
@@ -7455,11 +7604,11 @@
           </a:ln>
         </p:spPr>
         <p:txBody>
-          <a:bodyPr anchorCtr="0" anchor="ctr" bIns="91425" lIns="91425" spcFirstLastPara="1" rIns="91425" wrap="square" tIns="91425">
+          <a:bodyPr spcFirstLastPara="1" wrap="square" lIns="91425" tIns="91425" rIns="91425" bIns="91425" anchor="ctr" anchorCtr="0">
             <a:normAutofit/>
           </a:bodyPr>
           <a:lstStyle>
-            <a:lvl1pPr indent="-342900" lvl="0" marL="457200" algn="l">
+            <a:lvl1pPr marL="457200" lvl="0" indent="-342900" algn="l">
               <a:lnSpc>
                 <a:spcPct val="115000"/>
               </a:lnSpc>
@@ -7480,7 +7629,7 @@
                 </a:solidFill>
               </a:defRPr>
             </a:lvl1pPr>
-            <a:lvl2pPr indent="-317500" lvl="1" marL="914400" algn="l">
+            <a:lvl2pPr marL="914400" lvl="1" indent="-317500" algn="l">
               <a:lnSpc>
                 <a:spcPct val="115000"/>
               </a:lnSpc>
@@ -7501,7 +7650,7 @@
                 </a:solidFill>
               </a:defRPr>
             </a:lvl2pPr>
-            <a:lvl3pPr indent="-317500" lvl="2" marL="1371600" algn="l">
+            <a:lvl3pPr marL="1371600" lvl="2" indent="-317500" algn="l">
               <a:lnSpc>
                 <a:spcPct val="115000"/>
               </a:lnSpc>
@@ -7522,7 +7671,7 @@
                 </a:solidFill>
               </a:defRPr>
             </a:lvl3pPr>
-            <a:lvl4pPr indent="-317500" lvl="3" marL="1828800" algn="l">
+            <a:lvl4pPr marL="1828800" lvl="3" indent="-317500" algn="l">
               <a:lnSpc>
                 <a:spcPct val="115000"/>
               </a:lnSpc>
@@ -7543,7 +7692,7 @@
                 </a:solidFill>
               </a:defRPr>
             </a:lvl4pPr>
-            <a:lvl5pPr indent="-317500" lvl="4" marL="2286000" algn="l">
+            <a:lvl5pPr marL="2286000" lvl="4" indent="-317500" algn="l">
               <a:lnSpc>
                 <a:spcPct val="115000"/>
               </a:lnSpc>
@@ -7564,7 +7713,7 @@
                 </a:solidFill>
               </a:defRPr>
             </a:lvl5pPr>
-            <a:lvl6pPr indent="-317500" lvl="5" marL="2743200" algn="l">
+            <a:lvl6pPr marL="2743200" lvl="5" indent="-317500" algn="l">
               <a:lnSpc>
                 <a:spcPct val="115000"/>
               </a:lnSpc>
@@ -7585,7 +7734,7 @@
                 </a:solidFill>
               </a:defRPr>
             </a:lvl6pPr>
-            <a:lvl7pPr indent="-317500" lvl="6" marL="3200400" algn="l">
+            <a:lvl7pPr marL="3200400" lvl="6" indent="-317500" algn="l">
               <a:lnSpc>
                 <a:spcPct val="115000"/>
               </a:lnSpc>
@@ -7606,7 +7755,7 @@
                 </a:solidFill>
               </a:defRPr>
             </a:lvl7pPr>
-            <a:lvl8pPr indent="-317500" lvl="7" marL="3657600" algn="l">
+            <a:lvl8pPr marL="3657600" lvl="7" indent="-317500" algn="l">
               <a:lnSpc>
                 <a:spcPct val="115000"/>
               </a:lnSpc>
@@ -7627,7 +7776,7 @@
                 </a:solidFill>
               </a:defRPr>
             </a:lvl8pPr>
-            <a:lvl9pPr indent="-317500" lvl="8" marL="4114800" algn="l">
+            <a:lvl9pPr marL="4114800" lvl="8" indent="-317500" algn="l">
               <a:lnSpc>
                 <a:spcPct val="115000"/>
               </a:lnSpc>
@@ -7649,15 +7798,19 @@
               </a:defRPr>
             </a:lvl9pPr>
           </a:lstStyle>
-          <a:p/>
+          <a:p>
+            <a:endParaRPr/>
+          </a:p>
         </p:txBody>
       </p:sp>
       <p:sp>
         <p:nvSpPr>
           <p:cNvPr id="40" name="Google Shape;40;p17"/>
-          <p:cNvSpPr txBox="1"/>
+          <p:cNvSpPr txBox="1">
+            <a:spLocks noGrp="1"/>
+          </p:cNvSpPr>
           <p:nvPr>
-            <p:ph idx="12" type="sldNum"/>
+            <p:ph type="sldNum" idx="12"/>
           </p:nvPr>
         </p:nvSpPr>
         <p:spPr>
@@ -7674,11 +7827,11 @@
           </a:ln>
         </p:spPr>
         <p:txBody>
-          <a:bodyPr anchorCtr="0" anchor="ctr" bIns="91425" lIns="91425" spcFirstLastPara="1" rIns="91425" wrap="square" tIns="91425">
+          <a:bodyPr spcFirstLastPara="1" wrap="square" lIns="91425" tIns="91425" rIns="91425" bIns="91425" anchor="ctr" anchorCtr="0">
             <a:normAutofit/>
           </a:bodyPr>
           <a:lstStyle>
-            <a:lvl1pPr indent="0" lvl="0" marL="0" marR="0" algn="r">
+            <a:lvl1pPr marL="0" marR="0" lvl="0" indent="0" algn="r">
               <a:lnSpc>
                 <a:spcPct val="100000"/>
               </a:lnSpc>
@@ -7694,7 +7847,7 @@
               <a:buSzPts val="1000"/>
               <a:buFont typeface="Arial"/>
               <a:buNone/>
-              <a:defRPr b="0" i="0" sz="1000" u="none" cap="none" strike="noStrike">
+              <a:defRPr sz="1000" b="0" i="0" u="none" strike="noStrike" cap="none">
                 <a:solidFill>
                   <a:schemeClr val="lt2"/>
                 </a:solidFill>
@@ -7704,7 +7857,7 @@
                 <a:sym typeface="Arial"/>
               </a:defRPr>
             </a:lvl1pPr>
-            <a:lvl2pPr indent="0" lvl="1" marL="0" marR="0" algn="r">
+            <a:lvl2pPr marL="0" marR="0" lvl="1" indent="0" algn="r">
               <a:lnSpc>
                 <a:spcPct val="100000"/>
               </a:lnSpc>
@@ -7720,7 +7873,7 @@
               <a:buSzPts val="1000"/>
               <a:buFont typeface="Arial"/>
               <a:buNone/>
-              <a:defRPr b="0" i="0" sz="1000" u="none" cap="none" strike="noStrike">
+              <a:defRPr sz="1000" b="0" i="0" u="none" strike="noStrike" cap="none">
                 <a:solidFill>
                   <a:schemeClr val="lt2"/>
                 </a:solidFill>
@@ -7730,7 +7883,7 @@
                 <a:sym typeface="Arial"/>
               </a:defRPr>
             </a:lvl2pPr>
-            <a:lvl3pPr indent="0" lvl="2" marL="0" marR="0" algn="r">
+            <a:lvl3pPr marL="0" marR="0" lvl="2" indent="0" algn="r">
               <a:lnSpc>
                 <a:spcPct val="100000"/>
               </a:lnSpc>
@@ -7746,7 +7899,7 @@
               <a:buSzPts val="1000"/>
               <a:buFont typeface="Arial"/>
               <a:buNone/>
-              <a:defRPr b="0" i="0" sz="1000" u="none" cap="none" strike="noStrike">
+              <a:defRPr sz="1000" b="0" i="0" u="none" strike="noStrike" cap="none">
                 <a:solidFill>
                   <a:schemeClr val="lt2"/>
                 </a:solidFill>
@@ -7756,7 +7909,7 @@
                 <a:sym typeface="Arial"/>
               </a:defRPr>
             </a:lvl3pPr>
-            <a:lvl4pPr indent="0" lvl="3" marL="0" marR="0" algn="r">
+            <a:lvl4pPr marL="0" marR="0" lvl="3" indent="0" algn="r">
               <a:lnSpc>
                 <a:spcPct val="100000"/>
               </a:lnSpc>
@@ -7772,7 +7925,7 @@
               <a:buSzPts val="1000"/>
               <a:buFont typeface="Arial"/>
               <a:buNone/>
-              <a:defRPr b="0" i="0" sz="1000" u="none" cap="none" strike="noStrike">
+              <a:defRPr sz="1000" b="0" i="0" u="none" strike="noStrike" cap="none">
                 <a:solidFill>
                   <a:schemeClr val="lt2"/>
                 </a:solidFill>
@@ -7782,7 +7935,7 @@
                 <a:sym typeface="Arial"/>
               </a:defRPr>
             </a:lvl4pPr>
-            <a:lvl5pPr indent="0" lvl="4" marL="0" marR="0" algn="r">
+            <a:lvl5pPr marL="0" marR="0" lvl="4" indent="0" algn="r">
               <a:lnSpc>
                 <a:spcPct val="100000"/>
               </a:lnSpc>
@@ -7798,7 +7951,7 @@
               <a:buSzPts val="1000"/>
               <a:buFont typeface="Arial"/>
               <a:buNone/>
-              <a:defRPr b="0" i="0" sz="1000" u="none" cap="none" strike="noStrike">
+              <a:defRPr sz="1000" b="0" i="0" u="none" strike="noStrike" cap="none">
                 <a:solidFill>
                   <a:schemeClr val="lt2"/>
                 </a:solidFill>
@@ -7808,7 +7961,7 @@
                 <a:sym typeface="Arial"/>
               </a:defRPr>
             </a:lvl5pPr>
-            <a:lvl6pPr indent="0" lvl="5" marL="0" marR="0" algn="r">
+            <a:lvl6pPr marL="0" marR="0" lvl="5" indent="0" algn="r">
               <a:lnSpc>
                 <a:spcPct val="100000"/>
               </a:lnSpc>
@@ -7824,7 +7977,7 @@
               <a:buSzPts val="1000"/>
               <a:buFont typeface="Arial"/>
               <a:buNone/>
-              <a:defRPr b="0" i="0" sz="1000" u="none" cap="none" strike="noStrike">
+              <a:defRPr sz="1000" b="0" i="0" u="none" strike="noStrike" cap="none">
                 <a:solidFill>
                   <a:schemeClr val="lt2"/>
                 </a:solidFill>
@@ -7834,7 +7987,7 @@
                 <a:sym typeface="Arial"/>
               </a:defRPr>
             </a:lvl6pPr>
-            <a:lvl7pPr indent="0" lvl="6" marL="0" marR="0" algn="r">
+            <a:lvl7pPr marL="0" marR="0" lvl="6" indent="0" algn="r">
               <a:lnSpc>
                 <a:spcPct val="100000"/>
               </a:lnSpc>
@@ -7850,7 +8003,7 @@
               <a:buSzPts val="1000"/>
               <a:buFont typeface="Arial"/>
               <a:buNone/>
-              <a:defRPr b="0" i="0" sz="1000" u="none" cap="none" strike="noStrike">
+              <a:defRPr sz="1000" b="0" i="0" u="none" strike="noStrike" cap="none">
                 <a:solidFill>
                   <a:schemeClr val="lt2"/>
                 </a:solidFill>
@@ -7860,7 +8013,7 @@
                 <a:sym typeface="Arial"/>
               </a:defRPr>
             </a:lvl7pPr>
-            <a:lvl8pPr indent="0" lvl="7" marL="0" marR="0" algn="r">
+            <a:lvl8pPr marL="0" marR="0" lvl="7" indent="0" algn="r">
               <a:lnSpc>
                 <a:spcPct val="100000"/>
               </a:lnSpc>
@@ -7876,7 +8029,7 @@
               <a:buSzPts val="1000"/>
               <a:buFont typeface="Arial"/>
               <a:buNone/>
-              <a:defRPr b="0" i="0" sz="1000" u="none" cap="none" strike="noStrike">
+              <a:defRPr sz="1000" b="0" i="0" u="none" strike="noStrike" cap="none">
                 <a:solidFill>
                   <a:schemeClr val="lt2"/>
                 </a:solidFill>
@@ -7886,7 +8039,7 @@
                 <a:sym typeface="Arial"/>
               </a:defRPr>
             </a:lvl8pPr>
-            <a:lvl9pPr indent="0" lvl="8" marL="0" marR="0" algn="r">
+            <a:lvl9pPr marL="0" marR="0" lvl="8" indent="0" algn="r">
               <a:lnSpc>
                 <a:spcPct val="100000"/>
               </a:lnSpc>
@@ -7902,7 +8055,7 @@
               <a:buSzPts val="1000"/>
               <a:buFont typeface="Arial"/>
               <a:buNone/>
-              <a:defRPr b="0" i="0" sz="1000" u="none" cap="none" strike="noStrike">
+              <a:defRPr sz="1000" b="0" i="0" u="none" strike="noStrike" cap="none">
                 <a:solidFill>
                   <a:schemeClr val="lt2"/>
                 </a:solidFill>
@@ -7914,7 +8067,7 @@
             </a:lvl9pPr>
           </a:lstStyle>
           <a:p>
-            <a:pPr indent="0" lvl="0" marL="0" rtl="0" algn="r">
+            <a:pPr marL="0" lvl="0" indent="0" algn="r" rtl="0">
               <a:spcBef>
                 <a:spcPts val="0"/>
               </a:spcBef>
@@ -7925,7 +8078,7 @@
             </a:pPr>
             <a:fld id="{00000000-1234-1234-1234-123412341234}" type="slidenum">
               <a:rPr lang="pt-BR"/>
-              <a:t>‹#›</a:t>
+              <a:t>‹nº›</a:t>
             </a:fld>
             <a:endParaRPr/>
           </a:p>
@@ -7940,11 +8093,11 @@
 </file>
 
 <file path=ppt/slideLayouts/slideLayout9.xml><?xml version="1.0" encoding="utf-8"?>
-<p:sldLayout xmlns:a="http://schemas.openxmlformats.org/drawingml/2006/main" xmlns:r="http://schemas.openxmlformats.org/officeDocument/2006/relationships" xmlns:mc="http://schemas.openxmlformats.org/markup-compatibility/2006" xmlns:mv="urn:schemas-microsoft-com:mac:vml" xmlns:p="http://schemas.openxmlformats.org/presentationml/2006/main" xmlns:c="http://schemas.openxmlformats.org/drawingml/2006/chart" xmlns:dgm="http://schemas.openxmlformats.org/drawingml/2006/diagram" xmlns:o="urn:schemas-microsoft-com:office:office" xmlns:v="urn:schemas-microsoft-com:vml" xmlns:pvml="urn:schemas-microsoft-com:office:powerpoint" xmlns:com="http://schemas.openxmlformats.org/drawingml/2006/compatibility" xmlns:p14="http://schemas.microsoft.com/office/powerpoint/2010/main" xmlns:p15="http://schemas.microsoft.com/office/powerpoint/2012/main" xmlns:ahyp="http://schemas.microsoft.com/office/drawing/2018/hyperlinkcolor" matchingName="Caption">
+<p:sldLayout xmlns:a="http://schemas.openxmlformats.org/drawingml/2006/main" xmlns:r="http://schemas.openxmlformats.org/officeDocument/2006/relationships" xmlns:p="http://schemas.openxmlformats.org/presentationml/2006/main" matchingName="Caption">
   <p:cSld name="CAPTION_ONLY">
     <p:spTree>
       <p:nvGrpSpPr>
-        <p:cNvPr id="41" name="Shape 41"/>
+        <p:cNvPr id="1" name="Shape 41"/>
         <p:cNvGrpSpPr/>
         <p:nvPr/>
       </p:nvGrpSpPr>
@@ -7959,9 +8112,11 @@
       <p:sp>
         <p:nvSpPr>
           <p:cNvPr id="42" name="Google Shape;42;p18"/>
-          <p:cNvSpPr txBox="1"/>
+          <p:cNvSpPr txBox="1">
+            <a:spLocks noGrp="1"/>
+          </p:cNvSpPr>
           <p:nvPr>
-            <p:ph idx="1" type="body"/>
+            <p:ph type="body" idx="1"/>
           </p:nvPr>
         </p:nvSpPr>
         <p:spPr>
@@ -7978,11 +8133,11 @@
           </a:ln>
         </p:spPr>
         <p:txBody>
-          <a:bodyPr anchorCtr="0" anchor="ctr" bIns="91425" lIns="91425" spcFirstLastPara="1" rIns="91425" wrap="square" tIns="91425">
+          <a:bodyPr spcFirstLastPara="1" wrap="square" lIns="91425" tIns="91425" rIns="91425" bIns="91425" anchor="ctr" anchorCtr="0">
             <a:normAutofit/>
           </a:bodyPr>
           <a:lstStyle>
-            <a:lvl1pPr indent="-228600" lvl="0" marL="457200" algn="l">
+            <a:lvl1pPr marL="457200" lvl="0" indent="-228600" algn="l">
               <a:lnSpc>
                 <a:spcPct val="100000"/>
               </a:lnSpc>
@@ -7997,15 +8152,19 @@
               <a:defRPr/>
             </a:lvl1pPr>
           </a:lstStyle>
-          <a:p/>
+          <a:p>
+            <a:endParaRPr/>
+          </a:p>
         </p:txBody>
       </p:sp>
       <p:sp>
         <p:nvSpPr>
           <p:cNvPr id="43" name="Google Shape;43;p18"/>
-          <p:cNvSpPr txBox="1"/>
+          <p:cNvSpPr txBox="1">
+            <a:spLocks noGrp="1"/>
+          </p:cNvSpPr>
           <p:nvPr>
-            <p:ph idx="12" type="sldNum"/>
+            <p:ph type="sldNum" idx="12"/>
           </p:nvPr>
         </p:nvSpPr>
         <p:spPr>
@@ -8022,11 +8181,11 @@
           </a:ln>
         </p:spPr>
         <p:txBody>
-          <a:bodyPr anchorCtr="0" anchor="ctr" bIns="91425" lIns="91425" spcFirstLastPara="1" rIns="91425" wrap="square" tIns="91425">
+          <a:bodyPr spcFirstLastPara="1" wrap="square" lIns="91425" tIns="91425" rIns="91425" bIns="91425" anchor="ctr" anchorCtr="0">
             <a:normAutofit/>
           </a:bodyPr>
           <a:lstStyle>
-            <a:lvl1pPr indent="0" lvl="0" marL="0" marR="0" algn="r">
+            <a:lvl1pPr marL="0" marR="0" lvl="0" indent="0" algn="r">
               <a:lnSpc>
                 <a:spcPct val="100000"/>
               </a:lnSpc>
@@ -8042,7 +8201,7 @@
               <a:buSzPts val="1000"/>
               <a:buFont typeface="Arial"/>
               <a:buNone/>
-              <a:defRPr b="0" i="0" sz="1000" u="none" cap="none" strike="noStrike">
+              <a:defRPr sz="1000" b="0" i="0" u="none" strike="noStrike" cap="none">
                 <a:solidFill>
                   <a:schemeClr val="lt2"/>
                 </a:solidFill>
@@ -8052,7 +8211,7 @@
                 <a:sym typeface="Arial"/>
               </a:defRPr>
             </a:lvl1pPr>
-            <a:lvl2pPr indent="0" lvl="1" marL="0" marR="0" algn="r">
+            <a:lvl2pPr marL="0" marR="0" lvl="1" indent="0" algn="r">
               <a:lnSpc>
                 <a:spcPct val="100000"/>
               </a:lnSpc>
@@ -8068,7 +8227,7 @@
               <a:buSzPts val="1000"/>
               <a:buFont typeface="Arial"/>
               <a:buNone/>
-              <a:defRPr b="0" i="0" sz="1000" u="none" cap="none" strike="noStrike">
+              <a:defRPr sz="1000" b="0" i="0" u="none" strike="noStrike" cap="none">
                 <a:solidFill>
                   <a:schemeClr val="lt2"/>
                 </a:solidFill>
@@ -8078,7 +8237,7 @@
                 <a:sym typeface="Arial"/>
               </a:defRPr>
             </a:lvl2pPr>
-            <a:lvl3pPr indent="0" lvl="2" marL="0" marR="0" algn="r">
+            <a:lvl3pPr marL="0" marR="0" lvl="2" indent="0" algn="r">
               <a:lnSpc>
                 <a:spcPct val="100000"/>
               </a:lnSpc>
@@ -8094,7 +8253,7 @@
               <a:buSzPts val="1000"/>
               <a:buFont typeface="Arial"/>
               <a:buNone/>
-              <a:defRPr b="0" i="0" sz="1000" u="none" cap="none" strike="noStrike">
+              <a:defRPr sz="1000" b="0" i="0" u="none" strike="noStrike" cap="none">
                 <a:solidFill>
                   <a:schemeClr val="lt2"/>
                 </a:solidFill>
@@ -8104,7 +8263,7 @@
                 <a:sym typeface="Arial"/>
               </a:defRPr>
             </a:lvl3pPr>
-            <a:lvl4pPr indent="0" lvl="3" marL="0" marR="0" algn="r">
+            <a:lvl4pPr marL="0" marR="0" lvl="3" indent="0" algn="r">
               <a:lnSpc>
                 <a:spcPct val="100000"/>
               </a:lnSpc>
@@ -8120,7 +8279,7 @@
               <a:buSzPts val="1000"/>
               <a:buFont typeface="Arial"/>
               <a:buNone/>
-              <a:defRPr b="0" i="0" sz="1000" u="none" cap="none" strike="noStrike">
+              <a:defRPr sz="1000" b="0" i="0" u="none" strike="noStrike" cap="none">
                 <a:solidFill>
                   <a:schemeClr val="lt2"/>
                 </a:solidFill>
@@ -8130,7 +8289,7 @@
                 <a:sym typeface="Arial"/>
               </a:defRPr>
             </a:lvl4pPr>
-            <a:lvl5pPr indent="0" lvl="4" marL="0" marR="0" algn="r">
+            <a:lvl5pPr marL="0" marR="0" lvl="4" indent="0" algn="r">
               <a:lnSpc>
                 <a:spcPct val="100000"/>
               </a:lnSpc>
@@ -8146,7 +8305,7 @@
               <a:buSzPts val="1000"/>
               <a:buFont typeface="Arial"/>
               <a:buNone/>
-              <a:defRPr b="0" i="0" sz="1000" u="none" cap="none" strike="noStrike">
+              <a:defRPr sz="1000" b="0" i="0" u="none" strike="noStrike" cap="none">
                 <a:solidFill>
                   <a:schemeClr val="lt2"/>
                 </a:solidFill>
@@ -8156,7 +8315,7 @@
                 <a:sym typeface="Arial"/>
               </a:defRPr>
             </a:lvl5pPr>
-            <a:lvl6pPr indent="0" lvl="5" marL="0" marR="0" algn="r">
+            <a:lvl6pPr marL="0" marR="0" lvl="5" indent="0" algn="r">
               <a:lnSpc>
                 <a:spcPct val="100000"/>
               </a:lnSpc>
@@ -8172,7 +8331,7 @@
               <a:buSzPts val="1000"/>
               <a:buFont typeface="Arial"/>
               <a:buNone/>
-              <a:defRPr b="0" i="0" sz="1000" u="none" cap="none" strike="noStrike">
+              <a:defRPr sz="1000" b="0" i="0" u="none" strike="noStrike" cap="none">
                 <a:solidFill>
                   <a:schemeClr val="lt2"/>
                 </a:solidFill>
@@ -8182,7 +8341,7 @@
                 <a:sym typeface="Arial"/>
               </a:defRPr>
             </a:lvl6pPr>
-            <a:lvl7pPr indent="0" lvl="6" marL="0" marR="0" algn="r">
+            <a:lvl7pPr marL="0" marR="0" lvl="6" indent="0" algn="r">
               <a:lnSpc>
                 <a:spcPct val="100000"/>
               </a:lnSpc>
@@ -8198,7 +8357,7 @@
               <a:buSzPts val="1000"/>
               <a:buFont typeface="Arial"/>
               <a:buNone/>
-              <a:defRPr b="0" i="0" sz="1000" u="none" cap="none" strike="noStrike">
+              <a:defRPr sz="1000" b="0" i="0" u="none" strike="noStrike" cap="none">
                 <a:solidFill>
                   <a:schemeClr val="lt2"/>
                 </a:solidFill>
@@ -8208,7 +8367,7 @@
                 <a:sym typeface="Arial"/>
               </a:defRPr>
             </a:lvl7pPr>
-            <a:lvl8pPr indent="0" lvl="7" marL="0" marR="0" algn="r">
+            <a:lvl8pPr marL="0" marR="0" lvl="7" indent="0" algn="r">
               <a:lnSpc>
                 <a:spcPct val="100000"/>
               </a:lnSpc>
@@ -8224,7 +8383,7 @@
               <a:buSzPts val="1000"/>
               <a:buFont typeface="Arial"/>
               <a:buNone/>
-              <a:defRPr b="0" i="0" sz="1000" u="none" cap="none" strike="noStrike">
+              <a:defRPr sz="1000" b="0" i="0" u="none" strike="noStrike" cap="none">
                 <a:solidFill>
                   <a:schemeClr val="lt2"/>
                 </a:solidFill>
@@ -8234,7 +8393,7 @@
                 <a:sym typeface="Arial"/>
               </a:defRPr>
             </a:lvl8pPr>
-            <a:lvl9pPr indent="0" lvl="8" marL="0" marR="0" algn="r">
+            <a:lvl9pPr marL="0" marR="0" lvl="8" indent="0" algn="r">
               <a:lnSpc>
                 <a:spcPct val="100000"/>
               </a:lnSpc>
@@ -8250,7 +8409,7 @@
               <a:buSzPts val="1000"/>
               <a:buFont typeface="Arial"/>
               <a:buNone/>
-              <a:defRPr b="0" i="0" sz="1000" u="none" cap="none" strike="noStrike">
+              <a:defRPr sz="1000" b="0" i="0" u="none" strike="noStrike" cap="none">
                 <a:solidFill>
                   <a:schemeClr val="lt2"/>
                 </a:solidFill>
@@ -8262,7 +8421,7 @@
             </a:lvl9pPr>
           </a:lstStyle>
           <a:p>
-            <a:pPr indent="0" lvl="0" marL="0" rtl="0" algn="r">
+            <a:pPr marL="0" lvl="0" indent="0" algn="r" rtl="0">
               <a:spcBef>
                 <a:spcPts val="0"/>
               </a:spcBef>
@@ -8273,7 +8432,7 @@
             </a:pPr>
             <a:fld id="{00000000-1234-1234-1234-123412341234}" type="slidenum">
               <a:rPr lang="pt-BR"/>
-              <a:t>‹#›</a:t>
+              <a:t>‹nº›</a:t>
             </a:fld>
             <a:endParaRPr/>
           </a:p>
@@ -8288,18 +8447,19 @@
 </file>
 
 <file path=ppt/slideMasters/slideMaster1.xml><?xml version="1.0" encoding="utf-8"?>
-<p:sldMaster xmlns:a="http://schemas.openxmlformats.org/drawingml/2006/main" xmlns:r="http://schemas.openxmlformats.org/officeDocument/2006/relationships" xmlns:mc="http://schemas.openxmlformats.org/markup-compatibility/2006" xmlns:mv="urn:schemas-microsoft-com:mac:vml" xmlns:p="http://schemas.openxmlformats.org/presentationml/2006/main" xmlns:c="http://schemas.openxmlformats.org/drawingml/2006/chart" xmlns:dgm="http://schemas.openxmlformats.org/drawingml/2006/diagram" xmlns:o="urn:schemas-microsoft-com:office:office" xmlns:v="urn:schemas-microsoft-com:vml" xmlns:pvml="urn:schemas-microsoft-com:office:powerpoint" xmlns:com="http://schemas.openxmlformats.org/drawingml/2006/compatibility" xmlns:p14="http://schemas.microsoft.com/office/powerpoint/2010/main" xmlns:p15="http://schemas.microsoft.com/office/powerpoint/2012/main" xmlns:ahyp="http://schemas.microsoft.com/office/drawing/2018/hyperlinkcolor">
+<p:sldMaster xmlns:a="http://schemas.openxmlformats.org/drawingml/2006/main" xmlns:r="http://schemas.openxmlformats.org/officeDocument/2006/relationships" xmlns:p="http://schemas.openxmlformats.org/presentationml/2006/main">
   <p:cSld name="simple-dark-2">
     <p:bg>
       <p:bgPr>
         <a:solidFill>
           <a:schemeClr val="lt1"/>
         </a:solidFill>
+        <a:effectLst/>
       </p:bgPr>
     </p:bg>
     <p:spTree>
       <p:nvGrpSpPr>
-        <p:cNvPr id="5" name="Shape 5"/>
+        <p:cNvPr id="1" name="Shape 5"/>
         <p:cNvGrpSpPr/>
         <p:nvPr/>
       </p:nvGrpSpPr>
@@ -8314,7 +8474,9 @@
       <p:sp>
         <p:nvSpPr>
           <p:cNvPr id="6" name="Google Shape;6;p9"/>
-          <p:cNvSpPr txBox="1"/>
+          <p:cNvSpPr txBox="1">
+            <a:spLocks noGrp="1"/>
+          </p:cNvSpPr>
           <p:nvPr>
             <p:ph type="title"/>
           </p:nvPr>
@@ -8333,11 +8495,11 @@
           </a:ln>
         </p:spPr>
         <p:txBody>
-          <a:bodyPr anchorCtr="0" anchor="t" bIns="91425" lIns="91425" spcFirstLastPara="1" rIns="91425" wrap="square" tIns="91425">
+          <a:bodyPr spcFirstLastPara="1" wrap="square" lIns="91425" tIns="91425" rIns="91425" bIns="91425" anchor="t" anchorCtr="0">
             <a:normAutofit/>
           </a:bodyPr>
           <a:lstStyle>
-            <a:lvl1pPr lvl="0" marR="0" rtl="0" algn="l">
+            <a:lvl1pPr marR="0" lvl="0" algn="l" rtl="0">
               <a:lnSpc>
                 <a:spcPct val="100000"/>
               </a:lnSpc>
@@ -8353,7 +8515,7 @@
               <a:buSzPts val="2800"/>
               <a:buFont typeface="Arial"/>
               <a:buNone/>
-              <a:defRPr b="0" i="0" sz="2800" u="none" cap="none" strike="noStrike">
+              <a:defRPr sz="2800" b="0" i="0" u="none" strike="noStrike" cap="none">
                 <a:solidFill>
                   <a:schemeClr val="dk1"/>
                 </a:solidFill>
@@ -8363,7 +8525,7 @@
                 <a:sym typeface="Arial"/>
               </a:defRPr>
             </a:lvl1pPr>
-            <a:lvl2pPr lvl="1" marR="0" rtl="0" algn="l">
+            <a:lvl2pPr marR="0" lvl="1" algn="l" rtl="0">
               <a:lnSpc>
                 <a:spcPct val="100000"/>
               </a:lnSpc>
@@ -8379,7 +8541,7 @@
               <a:buSzPts val="2800"/>
               <a:buFont typeface="Arial"/>
               <a:buNone/>
-              <a:defRPr b="0" i="0" sz="2800" u="none" cap="none" strike="noStrike">
+              <a:defRPr sz="2800" b="0" i="0" u="none" strike="noStrike" cap="none">
                 <a:solidFill>
                   <a:schemeClr val="dk1"/>
                 </a:solidFill>
@@ -8389,7 +8551,7 @@
                 <a:sym typeface="Arial"/>
               </a:defRPr>
             </a:lvl2pPr>
-            <a:lvl3pPr lvl="2" marR="0" rtl="0" algn="l">
+            <a:lvl3pPr marR="0" lvl="2" algn="l" rtl="0">
               <a:lnSpc>
                 <a:spcPct val="100000"/>
               </a:lnSpc>
@@ -8405,7 +8567,7 @@
               <a:buSzPts val="2800"/>
               <a:buFont typeface="Arial"/>
               <a:buNone/>
-              <a:defRPr b="0" i="0" sz="2800" u="none" cap="none" strike="noStrike">
+              <a:defRPr sz="2800" b="0" i="0" u="none" strike="noStrike" cap="none">
                 <a:solidFill>
                   <a:schemeClr val="dk1"/>
                 </a:solidFill>
@@ -8415,7 +8577,7 @@
                 <a:sym typeface="Arial"/>
               </a:defRPr>
             </a:lvl3pPr>
-            <a:lvl4pPr lvl="3" marR="0" rtl="0" algn="l">
+            <a:lvl4pPr marR="0" lvl="3" algn="l" rtl="0">
               <a:lnSpc>
                 <a:spcPct val="100000"/>
               </a:lnSpc>
@@ -8431,7 +8593,7 @@
               <a:buSzPts val="2800"/>
               <a:buFont typeface="Arial"/>
               <a:buNone/>
-              <a:defRPr b="0" i="0" sz="2800" u="none" cap="none" strike="noStrike">
+              <a:defRPr sz="2800" b="0" i="0" u="none" strike="noStrike" cap="none">
                 <a:solidFill>
                   <a:schemeClr val="dk1"/>
                 </a:solidFill>
@@ -8441,7 +8603,7 @@
                 <a:sym typeface="Arial"/>
               </a:defRPr>
             </a:lvl4pPr>
-            <a:lvl5pPr lvl="4" marR="0" rtl="0" algn="l">
+            <a:lvl5pPr marR="0" lvl="4" algn="l" rtl="0">
               <a:lnSpc>
                 <a:spcPct val="100000"/>
               </a:lnSpc>
@@ -8457,7 +8619,7 @@
               <a:buSzPts val="2800"/>
               <a:buFont typeface="Arial"/>
               <a:buNone/>
-              <a:defRPr b="0" i="0" sz="2800" u="none" cap="none" strike="noStrike">
+              <a:defRPr sz="2800" b="0" i="0" u="none" strike="noStrike" cap="none">
                 <a:solidFill>
                   <a:schemeClr val="dk1"/>
                 </a:solidFill>
@@ -8467,7 +8629,7 @@
                 <a:sym typeface="Arial"/>
               </a:defRPr>
             </a:lvl5pPr>
-            <a:lvl6pPr lvl="5" marR="0" rtl="0" algn="l">
+            <a:lvl6pPr marR="0" lvl="5" algn="l" rtl="0">
               <a:lnSpc>
                 <a:spcPct val="100000"/>
               </a:lnSpc>
@@ -8483,7 +8645,7 @@
               <a:buSzPts val="2800"/>
               <a:buFont typeface="Arial"/>
               <a:buNone/>
-              <a:defRPr b="0" i="0" sz="2800" u="none" cap="none" strike="noStrike">
+              <a:defRPr sz="2800" b="0" i="0" u="none" strike="noStrike" cap="none">
                 <a:solidFill>
                   <a:schemeClr val="dk1"/>
                 </a:solidFill>
@@ -8493,7 +8655,7 @@
                 <a:sym typeface="Arial"/>
               </a:defRPr>
             </a:lvl6pPr>
-            <a:lvl7pPr lvl="6" marR="0" rtl="0" algn="l">
+            <a:lvl7pPr marR="0" lvl="6" algn="l" rtl="0">
               <a:lnSpc>
                 <a:spcPct val="100000"/>
               </a:lnSpc>
@@ -8509,7 +8671,7 @@
               <a:buSzPts val="2800"/>
               <a:buFont typeface="Arial"/>
               <a:buNone/>
-              <a:defRPr b="0" i="0" sz="2800" u="none" cap="none" strike="noStrike">
+              <a:defRPr sz="2800" b="0" i="0" u="none" strike="noStrike" cap="none">
                 <a:solidFill>
                   <a:schemeClr val="dk1"/>
                 </a:solidFill>
@@ -8519,7 +8681,7 @@
                 <a:sym typeface="Arial"/>
               </a:defRPr>
             </a:lvl7pPr>
-            <a:lvl8pPr lvl="7" marR="0" rtl="0" algn="l">
+            <a:lvl8pPr marR="0" lvl="7" algn="l" rtl="0">
               <a:lnSpc>
                 <a:spcPct val="100000"/>
               </a:lnSpc>
@@ -8535,7 +8697,7 @@
               <a:buSzPts val="2800"/>
               <a:buFont typeface="Arial"/>
               <a:buNone/>
-              <a:defRPr b="0" i="0" sz="2800" u="none" cap="none" strike="noStrike">
+              <a:defRPr sz="2800" b="0" i="0" u="none" strike="noStrike" cap="none">
                 <a:solidFill>
                   <a:schemeClr val="dk1"/>
                 </a:solidFill>
@@ -8545,7 +8707,7 @@
                 <a:sym typeface="Arial"/>
               </a:defRPr>
             </a:lvl8pPr>
-            <a:lvl9pPr lvl="8" marR="0" rtl="0" algn="l">
+            <a:lvl9pPr marR="0" lvl="8" algn="l" rtl="0">
               <a:lnSpc>
                 <a:spcPct val="100000"/>
               </a:lnSpc>
@@ -8561,7 +8723,7 @@
               <a:buSzPts val="2800"/>
               <a:buFont typeface="Arial"/>
               <a:buNone/>
-              <a:defRPr b="0" i="0" sz="2800" u="none" cap="none" strike="noStrike">
+              <a:defRPr sz="2800" b="0" i="0" u="none" strike="noStrike" cap="none">
                 <a:solidFill>
                   <a:schemeClr val="dk1"/>
                 </a:solidFill>
@@ -8572,15 +8734,19 @@
               </a:defRPr>
             </a:lvl9pPr>
           </a:lstStyle>
-          <a:p/>
+          <a:p>
+            <a:endParaRPr/>
+          </a:p>
         </p:txBody>
       </p:sp>
       <p:sp>
         <p:nvSpPr>
           <p:cNvPr id="7" name="Google Shape;7;p9"/>
-          <p:cNvSpPr txBox="1"/>
+          <p:cNvSpPr txBox="1">
+            <a:spLocks noGrp="1"/>
+          </p:cNvSpPr>
           <p:nvPr>
-            <p:ph idx="1" type="body"/>
+            <p:ph type="body" idx="1"/>
           </p:nvPr>
         </p:nvSpPr>
         <p:spPr>
@@ -8597,11 +8763,11 @@
           </a:ln>
         </p:spPr>
         <p:txBody>
-          <a:bodyPr anchorCtr="0" anchor="t" bIns="91425" lIns="91425" spcFirstLastPara="1" rIns="91425" wrap="square" tIns="91425">
+          <a:bodyPr spcFirstLastPara="1" wrap="square" lIns="91425" tIns="91425" rIns="91425" bIns="91425" anchor="t" anchorCtr="0">
             <a:normAutofit/>
           </a:bodyPr>
           <a:lstStyle>
-            <a:lvl1pPr indent="-342900" lvl="0" marL="457200" marR="0" rtl="0" algn="l">
+            <a:lvl1pPr marL="457200" marR="0" lvl="0" indent="-342900" algn="l" rtl="0">
               <a:lnSpc>
                 <a:spcPct val="115000"/>
               </a:lnSpc>
@@ -8617,7 +8783,7 @@
               <a:buSzPts val="1800"/>
               <a:buFont typeface="Arial"/>
               <a:buChar char="●"/>
-              <a:defRPr b="0" i="0" sz="1800" u="none" cap="none" strike="noStrike">
+              <a:defRPr sz="1800" b="0" i="0" u="none" strike="noStrike" cap="none">
                 <a:solidFill>
                   <a:schemeClr val="lt2"/>
                 </a:solidFill>
@@ -8627,7 +8793,7 @@
                 <a:sym typeface="Arial"/>
               </a:defRPr>
             </a:lvl1pPr>
-            <a:lvl2pPr indent="-317500" lvl="1" marL="914400" marR="0" rtl="0" algn="l">
+            <a:lvl2pPr marL="914400" marR="0" lvl="1" indent="-317500" algn="l" rtl="0">
               <a:lnSpc>
                 <a:spcPct val="115000"/>
               </a:lnSpc>
@@ -8643,7 +8809,7 @@
               <a:buSzPts val="1400"/>
               <a:buFont typeface="Arial"/>
               <a:buChar char="○"/>
-              <a:defRPr b="0" i="0" sz="1400" u="none" cap="none" strike="noStrike">
+              <a:defRPr sz="1400" b="0" i="0" u="none" strike="noStrike" cap="none">
                 <a:solidFill>
                   <a:schemeClr val="lt2"/>
                 </a:solidFill>
@@ -8653,7 +8819,7 @@
                 <a:sym typeface="Arial"/>
               </a:defRPr>
             </a:lvl2pPr>
-            <a:lvl3pPr indent="-317500" lvl="2" marL="1371600" marR="0" rtl="0" algn="l">
+            <a:lvl3pPr marL="1371600" marR="0" lvl="2" indent="-317500" algn="l" rtl="0">
               <a:lnSpc>
                 <a:spcPct val="115000"/>
               </a:lnSpc>
@@ -8669,7 +8835,7 @@
               <a:buSzPts val="1400"/>
               <a:buFont typeface="Arial"/>
               <a:buChar char="■"/>
-              <a:defRPr b="0" i="0" sz="1400" u="none" cap="none" strike="noStrike">
+              <a:defRPr sz="1400" b="0" i="0" u="none" strike="noStrike" cap="none">
                 <a:solidFill>
                   <a:schemeClr val="lt2"/>
                 </a:solidFill>
@@ -8679,7 +8845,7 @@
                 <a:sym typeface="Arial"/>
               </a:defRPr>
             </a:lvl3pPr>
-            <a:lvl4pPr indent="-317500" lvl="3" marL="1828800" marR="0" rtl="0" algn="l">
+            <a:lvl4pPr marL="1828800" marR="0" lvl="3" indent="-317500" algn="l" rtl="0">
               <a:lnSpc>
                 <a:spcPct val="115000"/>
               </a:lnSpc>
@@ -8695,7 +8861,7 @@
               <a:buSzPts val="1400"/>
               <a:buFont typeface="Arial"/>
               <a:buChar char="●"/>
-              <a:defRPr b="0" i="0" sz="1400" u="none" cap="none" strike="noStrike">
+              <a:defRPr sz="1400" b="0" i="0" u="none" strike="noStrike" cap="none">
                 <a:solidFill>
                   <a:schemeClr val="lt2"/>
                 </a:solidFill>
@@ -8705,7 +8871,7 @@
                 <a:sym typeface="Arial"/>
               </a:defRPr>
             </a:lvl4pPr>
-            <a:lvl5pPr indent="-317500" lvl="4" marL="2286000" marR="0" rtl="0" algn="l">
+            <a:lvl5pPr marL="2286000" marR="0" lvl="4" indent="-317500" algn="l" rtl="0">
               <a:lnSpc>
                 <a:spcPct val="115000"/>
               </a:lnSpc>
@@ -8721,7 +8887,7 @@
               <a:buSzPts val="1400"/>
               <a:buFont typeface="Arial"/>
               <a:buChar char="○"/>
-              <a:defRPr b="0" i="0" sz="1400" u="none" cap="none" strike="noStrike">
+              <a:defRPr sz="1400" b="0" i="0" u="none" strike="noStrike" cap="none">
                 <a:solidFill>
                   <a:schemeClr val="lt2"/>
                 </a:solidFill>
@@ -8731,7 +8897,7 @@
                 <a:sym typeface="Arial"/>
               </a:defRPr>
             </a:lvl5pPr>
-            <a:lvl6pPr indent="-317500" lvl="5" marL="2743200" marR="0" rtl="0" algn="l">
+            <a:lvl6pPr marL="2743200" marR="0" lvl="5" indent="-317500" algn="l" rtl="0">
               <a:lnSpc>
                 <a:spcPct val="115000"/>
               </a:lnSpc>
@@ -8747,7 +8913,7 @@
               <a:buSzPts val="1400"/>
               <a:buFont typeface="Arial"/>
               <a:buChar char="■"/>
-              <a:defRPr b="0" i="0" sz="1400" u="none" cap="none" strike="noStrike">
+              <a:defRPr sz="1400" b="0" i="0" u="none" strike="noStrike" cap="none">
                 <a:solidFill>
                   <a:schemeClr val="lt2"/>
                 </a:solidFill>
@@ -8757,7 +8923,7 @@
                 <a:sym typeface="Arial"/>
               </a:defRPr>
             </a:lvl6pPr>
-            <a:lvl7pPr indent="-317500" lvl="6" marL="3200400" marR="0" rtl="0" algn="l">
+            <a:lvl7pPr marL="3200400" marR="0" lvl="6" indent="-317500" algn="l" rtl="0">
               <a:lnSpc>
                 <a:spcPct val="115000"/>
               </a:lnSpc>
@@ -8773,7 +8939,7 @@
               <a:buSzPts val="1400"/>
               <a:buFont typeface="Arial"/>
               <a:buChar char="●"/>
-              <a:defRPr b="0" i="0" sz="1400" u="none" cap="none" strike="noStrike">
+              <a:defRPr sz="1400" b="0" i="0" u="none" strike="noStrike" cap="none">
                 <a:solidFill>
                   <a:schemeClr val="lt2"/>
                 </a:solidFill>
@@ -8783,7 +8949,7 @@
                 <a:sym typeface="Arial"/>
               </a:defRPr>
             </a:lvl7pPr>
-            <a:lvl8pPr indent="-317500" lvl="7" marL="3657600" marR="0" rtl="0" algn="l">
+            <a:lvl8pPr marL="3657600" marR="0" lvl="7" indent="-317500" algn="l" rtl="0">
               <a:lnSpc>
                 <a:spcPct val="115000"/>
               </a:lnSpc>
@@ -8799,7 +8965,7 @@
               <a:buSzPts val="1400"/>
               <a:buFont typeface="Arial"/>
               <a:buChar char="○"/>
-              <a:defRPr b="0" i="0" sz="1400" u="none" cap="none" strike="noStrike">
+              <a:defRPr sz="1400" b="0" i="0" u="none" strike="noStrike" cap="none">
                 <a:solidFill>
                   <a:schemeClr val="lt2"/>
                 </a:solidFill>
@@ -8809,7 +8975,7 @@
                 <a:sym typeface="Arial"/>
               </a:defRPr>
             </a:lvl8pPr>
-            <a:lvl9pPr indent="-317500" lvl="8" marL="4114800" marR="0" rtl="0" algn="l">
+            <a:lvl9pPr marL="4114800" marR="0" lvl="8" indent="-317500" algn="l" rtl="0">
               <a:lnSpc>
                 <a:spcPct val="115000"/>
               </a:lnSpc>
@@ -8825,7 +8991,7 @@
               <a:buSzPts val="1400"/>
               <a:buFont typeface="Arial"/>
               <a:buChar char="■"/>
-              <a:defRPr b="0" i="0" sz="1400" u="none" cap="none" strike="noStrike">
+              <a:defRPr sz="1400" b="0" i="0" u="none" strike="noStrike" cap="none">
                 <a:solidFill>
                   <a:schemeClr val="lt2"/>
                 </a:solidFill>
@@ -8836,15 +9002,19 @@
               </a:defRPr>
             </a:lvl9pPr>
           </a:lstStyle>
-          <a:p/>
+          <a:p>
+            <a:endParaRPr/>
+          </a:p>
         </p:txBody>
       </p:sp>
       <p:sp>
         <p:nvSpPr>
           <p:cNvPr id="8" name="Google Shape;8;p9"/>
-          <p:cNvSpPr txBox="1"/>
+          <p:cNvSpPr txBox="1">
+            <a:spLocks noGrp="1"/>
+          </p:cNvSpPr>
           <p:nvPr>
-            <p:ph idx="12" type="sldNum"/>
+            <p:ph type="sldNum" idx="12"/>
           </p:nvPr>
         </p:nvSpPr>
         <p:spPr>
@@ -8861,11 +9031,11 @@
           </a:ln>
         </p:spPr>
         <p:txBody>
-          <a:bodyPr anchorCtr="0" anchor="ctr" bIns="91425" lIns="91425" spcFirstLastPara="1" rIns="91425" wrap="square" tIns="91425">
+          <a:bodyPr spcFirstLastPara="1" wrap="square" lIns="91425" tIns="91425" rIns="91425" bIns="91425" anchor="ctr" anchorCtr="0">
             <a:normAutofit/>
           </a:bodyPr>
           <a:lstStyle>
-            <a:lvl1pPr indent="0" lvl="0" marL="0" marR="0" rtl="0" algn="r">
+            <a:lvl1pPr marL="0" marR="0" lvl="0" indent="0" algn="r" rtl="0">
               <a:lnSpc>
                 <a:spcPct val="100000"/>
               </a:lnSpc>
@@ -8881,7 +9051,7 @@
               <a:buSzPts val="1000"/>
               <a:buFont typeface="Arial"/>
               <a:buNone/>
-              <a:defRPr b="0" i="0" sz="1000" u="none" cap="none" strike="noStrike">
+              <a:defRPr sz="1000" b="0" i="0" u="none" strike="noStrike" cap="none">
                 <a:solidFill>
                   <a:schemeClr val="lt2"/>
                 </a:solidFill>
@@ -8891,7 +9061,7 @@
                 <a:sym typeface="Arial"/>
               </a:defRPr>
             </a:lvl1pPr>
-            <a:lvl2pPr indent="0" lvl="1" marL="0" marR="0" rtl="0" algn="r">
+            <a:lvl2pPr marL="0" marR="0" lvl="1" indent="0" algn="r" rtl="0">
               <a:lnSpc>
                 <a:spcPct val="100000"/>
               </a:lnSpc>
@@ -8907,7 +9077,7 @@
               <a:buSzPts val="1000"/>
               <a:buFont typeface="Arial"/>
               <a:buNone/>
-              <a:defRPr b="0" i="0" sz="1000" u="none" cap="none" strike="noStrike">
+              <a:defRPr sz="1000" b="0" i="0" u="none" strike="noStrike" cap="none">
                 <a:solidFill>
                   <a:schemeClr val="lt2"/>
                 </a:solidFill>
@@ -8917,7 +9087,7 @@
                 <a:sym typeface="Arial"/>
               </a:defRPr>
             </a:lvl2pPr>
-            <a:lvl3pPr indent="0" lvl="2" marL="0" marR="0" rtl="0" algn="r">
+            <a:lvl3pPr marL="0" marR="0" lvl="2" indent="0" algn="r" rtl="0">
               <a:lnSpc>
                 <a:spcPct val="100000"/>
               </a:lnSpc>
@@ -8933,7 +9103,7 @@
               <a:buSzPts val="1000"/>
               <a:buFont typeface="Arial"/>
               <a:buNone/>
-              <a:defRPr b="0" i="0" sz="1000" u="none" cap="none" strike="noStrike">
+              <a:defRPr sz="1000" b="0" i="0" u="none" strike="noStrike" cap="none">
                 <a:solidFill>
                   <a:schemeClr val="lt2"/>
                 </a:solidFill>
@@ -8943,7 +9113,7 @@
                 <a:sym typeface="Arial"/>
               </a:defRPr>
             </a:lvl3pPr>
-            <a:lvl4pPr indent="0" lvl="3" marL="0" marR="0" rtl="0" algn="r">
+            <a:lvl4pPr marL="0" marR="0" lvl="3" indent="0" algn="r" rtl="0">
               <a:lnSpc>
                 <a:spcPct val="100000"/>
               </a:lnSpc>
@@ -8959,7 +9129,7 @@
               <a:buSzPts val="1000"/>
               <a:buFont typeface="Arial"/>
               <a:buNone/>
-              <a:defRPr b="0" i="0" sz="1000" u="none" cap="none" strike="noStrike">
+              <a:defRPr sz="1000" b="0" i="0" u="none" strike="noStrike" cap="none">
                 <a:solidFill>
                   <a:schemeClr val="lt2"/>
                 </a:solidFill>
@@ -8969,7 +9139,7 @@
                 <a:sym typeface="Arial"/>
               </a:defRPr>
             </a:lvl4pPr>
-            <a:lvl5pPr indent="0" lvl="4" marL="0" marR="0" rtl="0" algn="r">
+            <a:lvl5pPr marL="0" marR="0" lvl="4" indent="0" algn="r" rtl="0">
               <a:lnSpc>
                 <a:spcPct val="100000"/>
               </a:lnSpc>
@@ -8985,7 +9155,7 @@
               <a:buSzPts val="1000"/>
               <a:buFont typeface="Arial"/>
               <a:buNone/>
-              <a:defRPr b="0" i="0" sz="1000" u="none" cap="none" strike="noStrike">
+              <a:defRPr sz="1000" b="0" i="0" u="none" strike="noStrike" cap="none">
                 <a:solidFill>
                   <a:schemeClr val="lt2"/>
                 </a:solidFill>
@@ -8995,7 +9165,7 @@
                 <a:sym typeface="Arial"/>
               </a:defRPr>
             </a:lvl5pPr>
-            <a:lvl6pPr indent="0" lvl="5" marL="0" marR="0" rtl="0" algn="r">
+            <a:lvl6pPr marL="0" marR="0" lvl="5" indent="0" algn="r" rtl="0">
               <a:lnSpc>
                 <a:spcPct val="100000"/>
               </a:lnSpc>
@@ -9011,7 +9181,7 @@
               <a:buSzPts val="1000"/>
               <a:buFont typeface="Arial"/>
               <a:buNone/>
-              <a:defRPr b="0" i="0" sz="1000" u="none" cap="none" strike="noStrike">
+              <a:defRPr sz="1000" b="0" i="0" u="none" strike="noStrike" cap="none">
                 <a:solidFill>
                   <a:schemeClr val="lt2"/>
                 </a:solidFill>
@@ -9021,7 +9191,7 @@
                 <a:sym typeface="Arial"/>
               </a:defRPr>
             </a:lvl6pPr>
-            <a:lvl7pPr indent="0" lvl="6" marL="0" marR="0" rtl="0" algn="r">
+            <a:lvl7pPr marL="0" marR="0" lvl="6" indent="0" algn="r" rtl="0">
               <a:lnSpc>
                 <a:spcPct val="100000"/>
               </a:lnSpc>
@@ -9037,7 +9207,7 @@
               <a:buSzPts val="1000"/>
               <a:buFont typeface="Arial"/>
               <a:buNone/>
-              <a:defRPr b="0" i="0" sz="1000" u="none" cap="none" strike="noStrike">
+              <a:defRPr sz="1000" b="0" i="0" u="none" strike="noStrike" cap="none">
                 <a:solidFill>
                   <a:schemeClr val="lt2"/>
                 </a:solidFill>
@@ -9047,7 +9217,7 @@
                 <a:sym typeface="Arial"/>
               </a:defRPr>
             </a:lvl7pPr>
-            <a:lvl8pPr indent="0" lvl="7" marL="0" marR="0" rtl="0" algn="r">
+            <a:lvl8pPr marL="0" marR="0" lvl="7" indent="0" algn="r" rtl="0">
               <a:lnSpc>
                 <a:spcPct val="100000"/>
               </a:lnSpc>
@@ -9063,7 +9233,7 @@
               <a:buSzPts val="1000"/>
               <a:buFont typeface="Arial"/>
               <a:buNone/>
-              <a:defRPr b="0" i="0" sz="1000" u="none" cap="none" strike="noStrike">
+              <a:defRPr sz="1000" b="0" i="0" u="none" strike="noStrike" cap="none">
                 <a:solidFill>
                   <a:schemeClr val="lt2"/>
                 </a:solidFill>
@@ -9073,7 +9243,7 @@
                 <a:sym typeface="Arial"/>
               </a:defRPr>
             </a:lvl8pPr>
-            <a:lvl9pPr indent="0" lvl="8" marL="0" marR="0" rtl="0" algn="r">
+            <a:lvl9pPr marL="0" marR="0" lvl="8" indent="0" algn="r" rtl="0">
               <a:lnSpc>
                 <a:spcPct val="100000"/>
               </a:lnSpc>
@@ -9089,7 +9259,7 @@
               <a:buSzPts val="1000"/>
               <a:buFont typeface="Arial"/>
               <a:buNone/>
-              <a:defRPr b="0" i="0" sz="1000" u="none" cap="none" strike="noStrike">
+              <a:defRPr sz="1000" b="0" i="0" u="none" strike="noStrike" cap="none">
                 <a:solidFill>
                   <a:schemeClr val="lt2"/>
                 </a:solidFill>
@@ -9101,7 +9271,7 @@
             </a:lvl9pPr>
           </a:lstStyle>
           <a:p>
-            <a:pPr indent="0" lvl="0" marL="0" rtl="0" algn="r">
+            <a:pPr marL="0" lvl="0" indent="0" algn="r" rtl="0">
               <a:spcBef>
                 <a:spcPts val="0"/>
               </a:spcBef>
@@ -9112,7 +9282,7 @@
             </a:pPr>
             <a:fld id="{00000000-1234-1234-1234-123412341234}" type="slidenum">
               <a:rPr lang="pt-BR"/>
-              <a:t>‹#›</a:t>
+              <a:t>‹nº›</a:t>
             </a:fld>
             <a:endParaRPr/>
           </a:p>
@@ -9120,7 +9290,7 @@
       </p:sp>
     </p:spTree>
   </p:cSld>
-  <p:clrMap accent1="accent1" accent2="accent2" accent3="accent3" accent4="accent4" accent5="accent5" accent6="accent6" bg1="lt1" bg2="dk2" tx1="dk1" tx2="lt2" folHlink="folHlink" hlink="hlink"/>
+  <p:clrMap bg1="lt1" tx1="dk1" bg2="dk2" tx2="lt2" accent1="accent1" accent2="accent2" accent3="accent3" accent4="accent4" accent5="accent5" accent6="accent6" hlink="hlink" folHlink="folHlink"/>
   <p:sldLayoutIdLst>
     <p:sldLayoutId id="2147483649" r:id="rId1"/>
     <p:sldLayoutId id="2147483650" r:id="rId2"/>
@@ -9134,10 +9304,10 @@
     <p:sldLayoutId id="2147483658" r:id="rId10"/>
     <p:sldLayoutId id="2147483659" r:id="rId11"/>
   </p:sldLayoutIdLst>
-  <p:hf dt="0" ftr="0" hdr="0" sldNum="0"/>
+  <p:hf sldNum="0" hdr="0" ftr="0" dt="0"/>
   <p:txStyles>
     <p:titleStyle>
-      <a:defPPr lvl="0" marR="0" rtl="0" algn="l">
+      <a:defPPr marR="0" lvl="0" algn="l" rtl="0">
         <a:lnSpc>
           <a:spcPct val="100000"/>
         </a:lnSpc>
@@ -9148,7 +9318,7 @@
           <a:spcPts val="0"/>
         </a:spcAft>
       </a:defPPr>
-      <a:lvl1pPr lvl="0" marR="0" rtl="0" algn="l">
+      <a:lvl1pPr marR="0" lvl="0" algn="l" rtl="0">
         <a:lnSpc>
           <a:spcPct val="100000"/>
         </a:lnSpc>
@@ -9162,7 +9332,7 @@
           <a:srgbClr val="000000"/>
         </a:buClr>
         <a:buFont typeface="Arial"/>
-        <a:defRPr b="0" i="0" sz="1400" u="none" cap="none" strike="noStrike">
+        <a:defRPr sz="1400" b="0" i="0" u="none" strike="noStrike" cap="none">
           <a:solidFill>
             <a:srgbClr val="000000"/>
           </a:solidFill>
@@ -9172,7 +9342,7 @@
           <a:sym typeface="Arial"/>
         </a:defRPr>
       </a:lvl1pPr>
-      <a:lvl2pPr lvl="1" marR="0" rtl="0" algn="l">
+      <a:lvl2pPr marR="0" lvl="1" algn="l" rtl="0">
         <a:lnSpc>
           <a:spcPct val="100000"/>
         </a:lnSpc>
@@ -9186,7 +9356,7 @@
           <a:srgbClr val="000000"/>
         </a:buClr>
         <a:buFont typeface="Arial"/>
-        <a:defRPr b="0" i="0" sz="1400" u="none" cap="none" strike="noStrike">
+        <a:defRPr sz="1400" b="0" i="0" u="none" strike="noStrike" cap="none">
           <a:solidFill>
             <a:srgbClr val="000000"/>
           </a:solidFill>
@@ -9196,7 +9366,7 @@
           <a:sym typeface="Arial"/>
         </a:defRPr>
       </a:lvl2pPr>
-      <a:lvl3pPr lvl="2" marR="0" rtl="0" algn="l">
+      <a:lvl3pPr marR="0" lvl="2" algn="l" rtl="0">
         <a:lnSpc>
           <a:spcPct val="100000"/>
         </a:lnSpc>
@@ -9210,7 +9380,7 @@
           <a:srgbClr val="000000"/>
         </a:buClr>
         <a:buFont typeface="Arial"/>
-        <a:defRPr b="0" i="0" sz="1400" u="none" cap="none" strike="noStrike">
+        <a:defRPr sz="1400" b="0" i="0" u="none" strike="noStrike" cap="none">
           <a:solidFill>
             <a:srgbClr val="000000"/>
           </a:solidFill>
@@ -9220,7 +9390,7 @@
           <a:sym typeface="Arial"/>
         </a:defRPr>
       </a:lvl3pPr>
-      <a:lvl4pPr lvl="3" marR="0" rtl="0" algn="l">
+      <a:lvl4pPr marR="0" lvl="3" algn="l" rtl="0">
         <a:lnSpc>
           <a:spcPct val="100000"/>
         </a:lnSpc>
@@ -9234,7 +9404,7 @@
           <a:srgbClr val="000000"/>
         </a:buClr>
         <a:buFont typeface="Arial"/>
-        <a:defRPr b="0" i="0" sz="1400" u="none" cap="none" strike="noStrike">
+        <a:defRPr sz="1400" b="0" i="0" u="none" strike="noStrike" cap="none">
           <a:solidFill>
             <a:srgbClr val="000000"/>
           </a:solidFill>
@@ -9244,7 +9414,7 @@
           <a:sym typeface="Arial"/>
         </a:defRPr>
       </a:lvl4pPr>
-      <a:lvl5pPr lvl="4" marR="0" rtl="0" algn="l">
+      <a:lvl5pPr marR="0" lvl="4" algn="l" rtl="0">
         <a:lnSpc>
           <a:spcPct val="100000"/>
         </a:lnSpc>
@@ -9258,7 +9428,7 @@
           <a:srgbClr val="000000"/>
         </a:buClr>
         <a:buFont typeface="Arial"/>
-        <a:defRPr b="0" i="0" sz="1400" u="none" cap="none" strike="noStrike">
+        <a:defRPr sz="1400" b="0" i="0" u="none" strike="noStrike" cap="none">
           <a:solidFill>
             <a:srgbClr val="000000"/>
           </a:solidFill>
@@ -9268,7 +9438,7 @@
           <a:sym typeface="Arial"/>
         </a:defRPr>
       </a:lvl5pPr>
-      <a:lvl6pPr lvl="5" marR="0" rtl="0" algn="l">
+      <a:lvl6pPr marR="0" lvl="5" algn="l" rtl="0">
         <a:lnSpc>
           <a:spcPct val="100000"/>
         </a:lnSpc>
@@ -9282,7 +9452,7 @@
           <a:srgbClr val="000000"/>
         </a:buClr>
         <a:buFont typeface="Arial"/>
-        <a:defRPr b="0" i="0" sz="1400" u="none" cap="none" strike="noStrike">
+        <a:defRPr sz="1400" b="0" i="0" u="none" strike="noStrike" cap="none">
           <a:solidFill>
             <a:srgbClr val="000000"/>
           </a:solidFill>
@@ -9292,7 +9462,7 @@
           <a:sym typeface="Arial"/>
         </a:defRPr>
       </a:lvl6pPr>
-      <a:lvl7pPr lvl="6" marR="0" rtl="0" algn="l">
+      <a:lvl7pPr marR="0" lvl="6" algn="l" rtl="0">
         <a:lnSpc>
           <a:spcPct val="100000"/>
         </a:lnSpc>
@@ -9306,7 +9476,7 @@
           <a:srgbClr val="000000"/>
         </a:buClr>
         <a:buFont typeface="Arial"/>
-        <a:defRPr b="0" i="0" sz="1400" u="none" cap="none" strike="noStrike">
+        <a:defRPr sz="1400" b="0" i="0" u="none" strike="noStrike" cap="none">
           <a:solidFill>
             <a:srgbClr val="000000"/>
           </a:solidFill>
@@ -9316,7 +9486,7 @@
           <a:sym typeface="Arial"/>
         </a:defRPr>
       </a:lvl7pPr>
-      <a:lvl8pPr lvl="7" marR="0" rtl="0" algn="l">
+      <a:lvl8pPr marR="0" lvl="7" algn="l" rtl="0">
         <a:lnSpc>
           <a:spcPct val="100000"/>
         </a:lnSpc>
@@ -9330,7 +9500,7 @@
           <a:srgbClr val="000000"/>
         </a:buClr>
         <a:buFont typeface="Arial"/>
-        <a:defRPr b="0" i="0" sz="1400" u="none" cap="none" strike="noStrike">
+        <a:defRPr sz="1400" b="0" i="0" u="none" strike="noStrike" cap="none">
           <a:solidFill>
             <a:srgbClr val="000000"/>
           </a:solidFill>
@@ -9340,7 +9510,7 @@
           <a:sym typeface="Arial"/>
         </a:defRPr>
       </a:lvl8pPr>
-      <a:lvl9pPr lvl="8" marR="0" rtl="0" algn="l">
+      <a:lvl9pPr marR="0" lvl="8" algn="l" rtl="0">
         <a:lnSpc>
           <a:spcPct val="100000"/>
         </a:lnSpc>
@@ -9354,7 +9524,7 @@
           <a:srgbClr val="000000"/>
         </a:buClr>
         <a:buFont typeface="Arial"/>
-        <a:defRPr b="0" i="0" sz="1400" u="none" cap="none" strike="noStrike">
+        <a:defRPr sz="1400" b="0" i="0" u="none" strike="noStrike" cap="none">
           <a:solidFill>
             <a:srgbClr val="000000"/>
           </a:solidFill>
@@ -9366,7 +9536,7 @@
       </a:lvl9pPr>
     </p:titleStyle>
     <p:bodyStyle>
-      <a:defPPr lvl="0" marR="0" rtl="0" algn="l">
+      <a:defPPr marR="0" lvl="0" algn="l" rtl="0">
         <a:lnSpc>
           <a:spcPct val="100000"/>
         </a:lnSpc>
@@ -9377,7 +9547,7 @@
           <a:spcPts val="0"/>
         </a:spcAft>
       </a:defPPr>
-      <a:lvl1pPr lvl="0" marR="0" rtl="0" algn="l">
+      <a:lvl1pPr marR="0" lvl="0" algn="l" rtl="0">
         <a:lnSpc>
           <a:spcPct val="100000"/>
         </a:lnSpc>
@@ -9391,7 +9561,7 @@
           <a:srgbClr val="000000"/>
         </a:buClr>
         <a:buFont typeface="Arial"/>
-        <a:defRPr b="0" i="0" sz="1400" u="none" cap="none" strike="noStrike">
+        <a:defRPr sz="1400" b="0" i="0" u="none" strike="noStrike" cap="none">
           <a:solidFill>
             <a:srgbClr val="000000"/>
           </a:solidFill>
@@ -9401,7 +9571,7 @@
           <a:sym typeface="Arial"/>
         </a:defRPr>
       </a:lvl1pPr>
-      <a:lvl2pPr lvl="1" marR="0" rtl="0" algn="l">
+      <a:lvl2pPr marR="0" lvl="1" algn="l" rtl="0">
         <a:lnSpc>
           <a:spcPct val="100000"/>
         </a:lnSpc>
@@ -9415,7 +9585,7 @@
           <a:srgbClr val="000000"/>
         </a:buClr>
         <a:buFont typeface="Arial"/>
-        <a:defRPr b="0" i="0" sz="1400" u="none" cap="none" strike="noStrike">
+        <a:defRPr sz="1400" b="0" i="0" u="none" strike="noStrike" cap="none">
           <a:solidFill>
             <a:srgbClr val="000000"/>
           </a:solidFill>
@@ -9425,7 +9595,7 @@
           <a:sym typeface="Arial"/>
         </a:defRPr>
       </a:lvl2pPr>
-      <a:lvl3pPr lvl="2" marR="0" rtl="0" algn="l">
+      <a:lvl3pPr marR="0" lvl="2" algn="l" rtl="0">
         <a:lnSpc>
           <a:spcPct val="100000"/>
         </a:lnSpc>
@@ -9439,7 +9609,7 @@
           <a:srgbClr val="000000"/>
         </a:buClr>
         <a:buFont typeface="Arial"/>
-        <a:defRPr b="0" i="0" sz="1400" u="none" cap="none" strike="noStrike">
+        <a:defRPr sz="1400" b="0" i="0" u="none" strike="noStrike" cap="none">
           <a:solidFill>
             <a:srgbClr val="000000"/>
           </a:solidFill>
@@ -9449,7 +9619,7 @@
           <a:sym typeface="Arial"/>
         </a:defRPr>
       </a:lvl3pPr>
-      <a:lvl4pPr lvl="3" marR="0" rtl="0" algn="l">
+      <a:lvl4pPr marR="0" lvl="3" algn="l" rtl="0">
         <a:lnSpc>
           <a:spcPct val="100000"/>
         </a:lnSpc>
@@ -9463,7 +9633,7 @@
           <a:srgbClr val="000000"/>
         </a:buClr>
         <a:buFont typeface="Arial"/>
-        <a:defRPr b="0" i="0" sz="1400" u="none" cap="none" strike="noStrike">
+        <a:defRPr sz="1400" b="0" i="0" u="none" strike="noStrike" cap="none">
           <a:solidFill>
             <a:srgbClr val="000000"/>
           </a:solidFill>
@@ -9473,7 +9643,7 @@
           <a:sym typeface="Arial"/>
         </a:defRPr>
       </a:lvl4pPr>
-      <a:lvl5pPr lvl="4" marR="0" rtl="0" algn="l">
+      <a:lvl5pPr marR="0" lvl="4" algn="l" rtl="0">
         <a:lnSpc>
           <a:spcPct val="100000"/>
         </a:lnSpc>
@@ -9487,7 +9657,7 @@
           <a:srgbClr val="000000"/>
         </a:buClr>
         <a:buFont typeface="Arial"/>
-        <a:defRPr b="0" i="0" sz="1400" u="none" cap="none" strike="noStrike">
+        <a:defRPr sz="1400" b="0" i="0" u="none" strike="noStrike" cap="none">
           <a:solidFill>
             <a:srgbClr val="000000"/>
           </a:solidFill>
@@ -9497,7 +9667,7 @@
           <a:sym typeface="Arial"/>
         </a:defRPr>
       </a:lvl5pPr>
-      <a:lvl6pPr lvl="5" marR="0" rtl="0" algn="l">
+      <a:lvl6pPr marR="0" lvl="5" algn="l" rtl="0">
         <a:lnSpc>
           <a:spcPct val="100000"/>
         </a:lnSpc>
@@ -9511,7 +9681,7 @@
           <a:srgbClr val="000000"/>
         </a:buClr>
         <a:buFont typeface="Arial"/>
-        <a:defRPr b="0" i="0" sz="1400" u="none" cap="none" strike="noStrike">
+        <a:defRPr sz="1400" b="0" i="0" u="none" strike="noStrike" cap="none">
           <a:solidFill>
             <a:srgbClr val="000000"/>
           </a:solidFill>
@@ -9521,7 +9691,7 @@
           <a:sym typeface="Arial"/>
         </a:defRPr>
       </a:lvl6pPr>
-      <a:lvl7pPr lvl="6" marR="0" rtl="0" algn="l">
+      <a:lvl7pPr marR="0" lvl="6" algn="l" rtl="0">
         <a:lnSpc>
           <a:spcPct val="100000"/>
         </a:lnSpc>
@@ -9535,7 +9705,7 @@
           <a:srgbClr val="000000"/>
         </a:buClr>
         <a:buFont typeface="Arial"/>
-        <a:defRPr b="0" i="0" sz="1400" u="none" cap="none" strike="noStrike">
+        <a:defRPr sz="1400" b="0" i="0" u="none" strike="noStrike" cap="none">
           <a:solidFill>
             <a:srgbClr val="000000"/>
           </a:solidFill>
@@ -9545,7 +9715,7 @@
           <a:sym typeface="Arial"/>
         </a:defRPr>
       </a:lvl7pPr>
-      <a:lvl8pPr lvl="7" marR="0" rtl="0" algn="l">
+      <a:lvl8pPr marR="0" lvl="7" algn="l" rtl="0">
         <a:lnSpc>
           <a:spcPct val="100000"/>
         </a:lnSpc>
@@ -9559,7 +9729,7 @@
           <a:srgbClr val="000000"/>
         </a:buClr>
         <a:buFont typeface="Arial"/>
-        <a:defRPr b="0" i="0" sz="1400" u="none" cap="none" strike="noStrike">
+        <a:defRPr sz="1400" b="0" i="0" u="none" strike="noStrike" cap="none">
           <a:solidFill>
             <a:srgbClr val="000000"/>
           </a:solidFill>
@@ -9569,7 +9739,7 @@
           <a:sym typeface="Arial"/>
         </a:defRPr>
       </a:lvl8pPr>
-      <a:lvl9pPr lvl="8" marR="0" rtl="0" algn="l">
+      <a:lvl9pPr marR="0" lvl="8" algn="l" rtl="0">
         <a:lnSpc>
           <a:spcPct val="100000"/>
         </a:lnSpc>
@@ -9583,7 +9753,7 @@
           <a:srgbClr val="000000"/>
         </a:buClr>
         <a:buFont typeface="Arial"/>
-        <a:defRPr b="0" i="0" sz="1400" u="none" cap="none" strike="noStrike">
+        <a:defRPr sz="1400" b="0" i="0" u="none" strike="noStrike" cap="none">
           <a:solidFill>
             <a:srgbClr val="000000"/>
           </a:solidFill>
@@ -9595,7 +9765,7 @@
       </a:lvl9pPr>
     </p:bodyStyle>
     <p:otherStyle>
-      <a:defPPr lvl="0" marR="0" rtl="0" algn="l">
+      <a:defPPr marR="0" lvl="0" algn="l" rtl="0">
         <a:lnSpc>
           <a:spcPct val="100000"/>
         </a:lnSpc>
@@ -9606,7 +9776,7 @@
           <a:spcPts val="0"/>
         </a:spcAft>
       </a:defPPr>
-      <a:lvl1pPr lvl="0" marR="0" rtl="0" algn="l">
+      <a:lvl1pPr marR="0" lvl="0" algn="l" rtl="0">
         <a:lnSpc>
           <a:spcPct val="100000"/>
         </a:lnSpc>
@@ -9620,7 +9790,7 @@
           <a:srgbClr val="000000"/>
         </a:buClr>
         <a:buFont typeface="Arial"/>
-        <a:defRPr b="0" i="0" sz="1400" u="none" cap="none" strike="noStrike">
+        <a:defRPr sz="1400" b="0" i="0" u="none" strike="noStrike" cap="none">
           <a:solidFill>
             <a:srgbClr val="000000"/>
           </a:solidFill>
@@ -9630,7 +9800,7 @@
           <a:sym typeface="Arial"/>
         </a:defRPr>
       </a:lvl1pPr>
-      <a:lvl2pPr lvl="1" marR="0" rtl="0" algn="l">
+      <a:lvl2pPr marR="0" lvl="1" algn="l" rtl="0">
         <a:lnSpc>
           <a:spcPct val="100000"/>
         </a:lnSpc>
@@ -9644,7 +9814,7 @@
           <a:srgbClr val="000000"/>
         </a:buClr>
         <a:buFont typeface="Arial"/>
-        <a:defRPr b="0" i="0" sz="1400" u="none" cap="none" strike="noStrike">
+        <a:defRPr sz="1400" b="0" i="0" u="none" strike="noStrike" cap="none">
           <a:solidFill>
             <a:srgbClr val="000000"/>
           </a:solidFill>
@@ -9654,7 +9824,7 @@
           <a:sym typeface="Arial"/>
         </a:defRPr>
       </a:lvl2pPr>
-      <a:lvl3pPr lvl="2" marR="0" rtl="0" algn="l">
+      <a:lvl3pPr marR="0" lvl="2" algn="l" rtl="0">
         <a:lnSpc>
           <a:spcPct val="100000"/>
         </a:lnSpc>
@@ -9668,7 +9838,7 @@
           <a:srgbClr val="000000"/>
         </a:buClr>
         <a:buFont typeface="Arial"/>
-        <a:defRPr b="0" i="0" sz="1400" u="none" cap="none" strike="noStrike">
+        <a:defRPr sz="1400" b="0" i="0" u="none" strike="noStrike" cap="none">
           <a:solidFill>
             <a:srgbClr val="000000"/>
           </a:solidFill>
@@ -9678,7 +9848,7 @@
           <a:sym typeface="Arial"/>
         </a:defRPr>
       </a:lvl3pPr>
-      <a:lvl4pPr lvl="3" marR="0" rtl="0" algn="l">
+      <a:lvl4pPr marR="0" lvl="3" algn="l" rtl="0">
         <a:lnSpc>
           <a:spcPct val="100000"/>
         </a:lnSpc>
@@ -9692,7 +9862,7 @@
           <a:srgbClr val="000000"/>
         </a:buClr>
         <a:buFont typeface="Arial"/>
-        <a:defRPr b="0" i="0" sz="1400" u="none" cap="none" strike="noStrike">
+        <a:defRPr sz="1400" b="0" i="0" u="none" strike="noStrike" cap="none">
           <a:solidFill>
             <a:srgbClr val="000000"/>
           </a:solidFill>
@@ -9702,7 +9872,7 @@
           <a:sym typeface="Arial"/>
         </a:defRPr>
       </a:lvl4pPr>
-      <a:lvl5pPr lvl="4" marR="0" rtl="0" algn="l">
+      <a:lvl5pPr marR="0" lvl="4" algn="l" rtl="0">
         <a:lnSpc>
           <a:spcPct val="100000"/>
         </a:lnSpc>
@@ -9716,7 +9886,7 @@
           <a:srgbClr val="000000"/>
         </a:buClr>
         <a:buFont typeface="Arial"/>
-        <a:defRPr b="0" i="0" sz="1400" u="none" cap="none" strike="noStrike">
+        <a:defRPr sz="1400" b="0" i="0" u="none" strike="noStrike" cap="none">
           <a:solidFill>
             <a:srgbClr val="000000"/>
           </a:solidFill>
@@ -9726,7 +9896,7 @@
           <a:sym typeface="Arial"/>
         </a:defRPr>
       </a:lvl5pPr>
-      <a:lvl6pPr lvl="5" marR="0" rtl="0" algn="l">
+      <a:lvl6pPr marR="0" lvl="5" algn="l" rtl="0">
         <a:lnSpc>
           <a:spcPct val="100000"/>
         </a:lnSpc>
@@ -9740,7 +9910,7 @@
           <a:srgbClr val="000000"/>
         </a:buClr>
         <a:buFont typeface="Arial"/>
-        <a:defRPr b="0" i="0" sz="1400" u="none" cap="none" strike="noStrike">
+        <a:defRPr sz="1400" b="0" i="0" u="none" strike="noStrike" cap="none">
           <a:solidFill>
             <a:srgbClr val="000000"/>
           </a:solidFill>
@@ -9750,7 +9920,7 @@
           <a:sym typeface="Arial"/>
         </a:defRPr>
       </a:lvl6pPr>
-      <a:lvl7pPr lvl="6" marR="0" rtl="0" algn="l">
+      <a:lvl7pPr marR="0" lvl="6" algn="l" rtl="0">
         <a:lnSpc>
           <a:spcPct val="100000"/>
         </a:lnSpc>
@@ -9764,7 +9934,7 @@
           <a:srgbClr val="000000"/>
         </a:buClr>
         <a:buFont typeface="Arial"/>
-        <a:defRPr b="0" i="0" sz="1400" u="none" cap="none" strike="noStrike">
+        <a:defRPr sz="1400" b="0" i="0" u="none" strike="noStrike" cap="none">
           <a:solidFill>
             <a:srgbClr val="000000"/>
           </a:solidFill>
@@ -9774,7 +9944,7 @@
           <a:sym typeface="Arial"/>
         </a:defRPr>
       </a:lvl7pPr>
-      <a:lvl8pPr lvl="7" marR="0" rtl="0" algn="l">
+      <a:lvl8pPr marR="0" lvl="7" algn="l" rtl="0">
         <a:lnSpc>
           <a:spcPct val="100000"/>
         </a:lnSpc>
@@ -9788,7 +9958,7 @@
           <a:srgbClr val="000000"/>
         </a:buClr>
         <a:buFont typeface="Arial"/>
-        <a:defRPr b="0" i="0" sz="1400" u="none" cap="none" strike="noStrike">
+        <a:defRPr sz="1400" b="0" i="0" u="none" strike="noStrike" cap="none">
           <a:solidFill>
             <a:srgbClr val="000000"/>
           </a:solidFill>
@@ -9798,7 +9968,7 @@
           <a:sym typeface="Arial"/>
         </a:defRPr>
       </a:lvl8pPr>
-      <a:lvl9pPr lvl="8" marR="0" rtl="0" algn="l">
+      <a:lvl9pPr marR="0" lvl="8" algn="l" rtl="0">
         <a:lnSpc>
           <a:spcPct val="100000"/>
         </a:lnSpc>
@@ -9812,7 +9982,7 @@
           <a:srgbClr val="000000"/>
         </a:buClr>
         <a:buFont typeface="Arial"/>
-        <a:defRPr b="0" i="0" sz="1400" u="none" cap="none" strike="noStrike">
+        <a:defRPr sz="1400" b="0" i="0" u="none" strike="noStrike" cap="none">
           <a:solidFill>
             <a:srgbClr val="000000"/>
           </a:solidFill>
@@ -9828,11 +9998,11 @@
 </file>
 
 <file path=ppt/slides/slide1.xml><?xml version="1.0" encoding="utf-8"?>
-<p:sld xmlns:a="http://schemas.openxmlformats.org/drawingml/2006/main" xmlns:r="http://schemas.openxmlformats.org/officeDocument/2006/relationships" xmlns:mc="http://schemas.openxmlformats.org/markup-compatibility/2006" xmlns:mv="urn:schemas-microsoft-com:mac:vml" xmlns:p="http://schemas.openxmlformats.org/presentationml/2006/main" xmlns:c="http://schemas.openxmlformats.org/drawingml/2006/chart" xmlns:dgm="http://schemas.openxmlformats.org/drawingml/2006/diagram" xmlns:o="urn:schemas-microsoft-com:office:office" xmlns:v="urn:schemas-microsoft-com:vml" xmlns:pvml="urn:schemas-microsoft-com:office:powerpoint" xmlns:com="http://schemas.openxmlformats.org/drawingml/2006/compatibility" xmlns:p14="http://schemas.microsoft.com/office/powerpoint/2010/main" xmlns:p15="http://schemas.microsoft.com/office/powerpoint/2012/main" xmlns:ahyp="http://schemas.microsoft.com/office/drawing/2018/hyperlinkcolor">
+<p:sld xmlns:a="http://schemas.openxmlformats.org/drawingml/2006/main" xmlns:r="http://schemas.openxmlformats.org/officeDocument/2006/relationships" xmlns:p="http://schemas.openxmlformats.org/presentationml/2006/main">
   <p:cSld>
     <p:spTree>
       <p:nvGrpSpPr>
-        <p:cNvPr id="53" name="Shape 53"/>
+        <p:cNvPr id="1" name="Shape 53"/>
         <p:cNvGrpSpPr/>
         <p:nvPr/>
       </p:nvGrpSpPr>
@@ -9847,7 +10017,9 @@
       <p:sp>
         <p:nvSpPr>
           <p:cNvPr id="54" name="Google Shape;54;p1"/>
-          <p:cNvSpPr txBox="1"/>
+          <p:cNvSpPr txBox="1">
+            <a:spLocks noGrp="1"/>
+          </p:cNvSpPr>
           <p:nvPr>
             <p:ph type="ctrTitle"/>
           </p:nvPr>
@@ -9866,12 +10038,12 @@
           </a:ln>
         </p:spPr>
         <p:txBody>
-          <a:bodyPr anchorCtr="0" anchor="b" bIns="91425" lIns="91425" spcFirstLastPara="1" rIns="91425" wrap="square" tIns="91425">
+          <a:bodyPr spcFirstLastPara="1" wrap="square" lIns="91425" tIns="91425" rIns="91425" bIns="91425" anchor="b" anchorCtr="0">
             <a:normAutofit fontScale="90000"/>
           </a:bodyPr>
           <a:lstStyle/>
           <a:p>
-            <a:pPr indent="0" lvl="0" marL="0" rtl="0" algn="ctr">
+            <a:pPr marL="0" lvl="0" indent="0" algn="ctr" rtl="0">
               <a:lnSpc>
                 <a:spcPct val="100000"/>
               </a:lnSpc>
@@ -9895,9 +10067,11 @@
       <p:sp>
         <p:nvSpPr>
           <p:cNvPr id="55" name="Google Shape;55;p1"/>
-          <p:cNvSpPr txBox="1"/>
+          <p:cNvSpPr txBox="1">
+            <a:spLocks noGrp="1"/>
+          </p:cNvSpPr>
           <p:nvPr>
-            <p:ph idx="1" type="subTitle"/>
+            <p:ph type="subTitle" idx="1"/>
           </p:nvPr>
         </p:nvSpPr>
         <p:spPr>
@@ -9914,12 +10088,12 @@
           </a:ln>
         </p:spPr>
         <p:txBody>
-          <a:bodyPr anchorCtr="0" anchor="t" bIns="91425" lIns="91425" spcFirstLastPara="1" rIns="91425" wrap="square" tIns="91425">
+          <a:bodyPr spcFirstLastPara="1" wrap="square" lIns="91425" tIns="91425" rIns="91425" bIns="91425" anchor="t" anchorCtr="0">
             <a:normAutofit/>
           </a:bodyPr>
           <a:lstStyle/>
           <a:p>
-            <a:pPr indent="0" lvl="0" marL="0" rtl="0" algn="ctr">
+            <a:pPr marL="0" lvl="0" indent="0" algn="ctr" rtl="0">
               <a:lnSpc>
                 <a:spcPct val="100000"/>
               </a:lnSpc>
@@ -9932,19 +10106,7 @@
               <a:buSzPts val="2800"/>
               <a:buNone/>
             </a:pPr>
-            <a:r>
-              <a:rPr lang="pt-BR">
-                <a:solidFill>
-                  <a:schemeClr val="dk1"/>
-                </a:solidFill>
-              </a:rPr>
-              <a:t>Oficina 04</a:t>
-            </a:r>
-            <a:r>
-              <a:rPr lang="pt-BR"/>
-              <a:t> </a:t>
-            </a:r>
-            <a:endParaRPr/>
+            <a:endParaRPr dirty="0"/>
           </a:p>
         </p:txBody>
       </p:sp>
@@ -9957,11 +10119,11 @@
 </file>
 
 <file path=ppt/slides/slide10.xml><?xml version="1.0" encoding="utf-8"?>
-<p:sld xmlns:a="http://schemas.openxmlformats.org/drawingml/2006/main" xmlns:r="http://schemas.openxmlformats.org/officeDocument/2006/relationships" xmlns:mc="http://schemas.openxmlformats.org/markup-compatibility/2006" xmlns:mv="urn:schemas-microsoft-com:mac:vml" xmlns:p="http://schemas.openxmlformats.org/presentationml/2006/main" xmlns:c="http://schemas.openxmlformats.org/drawingml/2006/chart" xmlns:dgm="http://schemas.openxmlformats.org/drawingml/2006/diagram" xmlns:o="urn:schemas-microsoft-com:office:office" xmlns:v="urn:schemas-microsoft-com:vml" xmlns:pvml="urn:schemas-microsoft-com:office:powerpoint" xmlns:com="http://schemas.openxmlformats.org/drawingml/2006/compatibility" xmlns:p14="http://schemas.microsoft.com/office/powerpoint/2010/main" xmlns:p15="http://schemas.microsoft.com/office/powerpoint/2012/main" xmlns:ahyp="http://schemas.microsoft.com/office/drawing/2018/hyperlinkcolor">
+<p:sld xmlns:a="http://schemas.openxmlformats.org/drawingml/2006/main" xmlns:r="http://schemas.openxmlformats.org/officeDocument/2006/relationships" xmlns:p="http://schemas.openxmlformats.org/presentationml/2006/main">
   <p:cSld>
     <p:spTree>
       <p:nvGrpSpPr>
-        <p:cNvPr id="107" name="Shape 107"/>
+        <p:cNvPr id="1" name="Shape 107"/>
         <p:cNvGrpSpPr/>
         <p:nvPr/>
       </p:nvGrpSpPr>
@@ -9976,7 +10138,9 @@
       <p:sp>
         <p:nvSpPr>
           <p:cNvPr id="108" name="Google Shape;108;g17980f8dc43_0_13"/>
-          <p:cNvSpPr txBox="1"/>
+          <p:cNvSpPr txBox="1">
+            <a:spLocks noGrp="1"/>
+          </p:cNvSpPr>
           <p:nvPr>
             <p:ph type="title"/>
           </p:nvPr>
@@ -9995,12 +10159,12 @@
           </a:ln>
         </p:spPr>
         <p:txBody>
-          <a:bodyPr anchorCtr="0" anchor="t" bIns="91425" lIns="91425" spcFirstLastPara="1" rIns="91425" wrap="square" tIns="91425">
+          <a:bodyPr spcFirstLastPara="1" wrap="square" lIns="91425" tIns="91425" rIns="91425" bIns="91425" anchor="t" anchorCtr="0">
             <a:normAutofit fontScale="90000"/>
           </a:bodyPr>
           <a:lstStyle/>
           <a:p>
-            <a:pPr indent="0" lvl="0" marL="0" rtl="0" algn="l">
+            <a:pPr marL="0" lvl="0" indent="0" algn="l" rtl="0">
               <a:lnSpc>
                 <a:spcPct val="100000"/>
               </a:lnSpc>
@@ -10024,9 +10188,11 @@
       <p:sp>
         <p:nvSpPr>
           <p:cNvPr id="109" name="Google Shape;109;g17980f8dc43_0_13"/>
-          <p:cNvSpPr txBox="1"/>
+          <p:cNvSpPr txBox="1">
+            <a:spLocks noGrp="1"/>
+          </p:cNvSpPr>
           <p:nvPr>
-            <p:ph idx="1" type="body"/>
+            <p:ph type="body" idx="1"/>
           </p:nvPr>
         </p:nvSpPr>
         <p:spPr>
@@ -10043,12 +10209,12 @@
           </a:ln>
         </p:spPr>
         <p:txBody>
-          <a:bodyPr anchorCtr="0" anchor="t" bIns="91425" lIns="91425" spcFirstLastPara="1" rIns="91425" wrap="square" tIns="91425">
+          <a:bodyPr spcFirstLastPara="1" wrap="square" lIns="91425" tIns="91425" rIns="91425" bIns="91425" anchor="t" anchorCtr="0">
             <a:normAutofit/>
           </a:bodyPr>
           <a:lstStyle/>
           <a:p>
-            <a:pPr indent="0" lvl="0" marL="0" rtl="0" algn="l">
+            <a:pPr marL="0" lvl="0" indent="0" algn="l" rtl="0">
               <a:lnSpc>
                 <a:spcPct val="115000"/>
               </a:lnSpc>
@@ -10076,7 +10242,7 @@
             </a:endParaRPr>
           </a:p>
           <a:p>
-            <a:pPr indent="0" lvl="0" marL="0" rtl="0" algn="l">
+            <a:pPr marL="0" lvl="0" indent="0" algn="l" rtl="0">
               <a:lnSpc>
                 <a:spcPct val="115000"/>
               </a:lnSpc>
@@ -10104,7 +10270,7 @@
             </a:endParaRPr>
           </a:p>
           <a:p>
-            <a:pPr indent="0" lvl="0" marL="0" rtl="0" algn="l">
+            <a:pPr marL="0" lvl="0" indent="0" algn="l" rtl="0">
               <a:lnSpc>
                 <a:spcPct val="115000"/>
               </a:lnSpc>
@@ -10117,9 +10283,6 @@
               <a:buSzPts val="1800"/>
               <a:buNone/>
             </a:pPr>
-            <a:r>
-              <a:t/>
-            </a:r>
             <a:endParaRPr/>
           </a:p>
         </p:txBody>
@@ -10133,11 +10296,11 @@
 </file>
 
 <file path=ppt/slides/slide11.xml><?xml version="1.0" encoding="utf-8"?>
-<p:sld xmlns:a="http://schemas.openxmlformats.org/drawingml/2006/main" xmlns:r="http://schemas.openxmlformats.org/officeDocument/2006/relationships" xmlns:mc="http://schemas.openxmlformats.org/markup-compatibility/2006" xmlns:mv="urn:schemas-microsoft-com:mac:vml" xmlns:p="http://schemas.openxmlformats.org/presentationml/2006/main" xmlns:c="http://schemas.openxmlformats.org/drawingml/2006/chart" xmlns:dgm="http://schemas.openxmlformats.org/drawingml/2006/diagram" xmlns:o="urn:schemas-microsoft-com:office:office" xmlns:v="urn:schemas-microsoft-com:vml" xmlns:pvml="urn:schemas-microsoft-com:office:powerpoint" xmlns:com="http://schemas.openxmlformats.org/drawingml/2006/compatibility" xmlns:p14="http://schemas.microsoft.com/office/powerpoint/2010/main" xmlns:p15="http://schemas.microsoft.com/office/powerpoint/2012/main" xmlns:ahyp="http://schemas.microsoft.com/office/drawing/2018/hyperlinkcolor">
+<p:sld xmlns:a="http://schemas.openxmlformats.org/drawingml/2006/main" xmlns:r="http://schemas.openxmlformats.org/officeDocument/2006/relationships" xmlns:p="http://schemas.openxmlformats.org/presentationml/2006/main">
   <p:cSld>
     <p:spTree>
       <p:nvGrpSpPr>
-        <p:cNvPr id="113" name="Shape 113"/>
+        <p:cNvPr id="1" name="Shape 113"/>
         <p:cNvGrpSpPr/>
         <p:nvPr/>
       </p:nvGrpSpPr>
@@ -10152,7 +10315,9 @@
       <p:sp>
         <p:nvSpPr>
           <p:cNvPr id="114" name="Google Shape;114;g17980f8dc43_0_46"/>
-          <p:cNvSpPr txBox="1"/>
+          <p:cNvSpPr txBox="1">
+            <a:spLocks noGrp="1"/>
+          </p:cNvSpPr>
           <p:nvPr>
             <p:ph type="title"/>
           </p:nvPr>
@@ -10171,12 +10336,12 @@
           </a:ln>
         </p:spPr>
         <p:txBody>
-          <a:bodyPr anchorCtr="0" anchor="t" bIns="91425" lIns="91425" spcFirstLastPara="1" rIns="91425" wrap="square" tIns="91425">
+          <a:bodyPr spcFirstLastPara="1" wrap="square" lIns="91425" tIns="91425" rIns="91425" bIns="91425" anchor="t" anchorCtr="0">
             <a:normAutofit fontScale="90000"/>
           </a:bodyPr>
           <a:lstStyle/>
           <a:p>
-            <a:pPr indent="0" lvl="0" marL="0" rtl="0" algn="l">
+            <a:pPr marL="0" lvl="0" indent="0" algn="l" rtl="0">
               <a:lnSpc>
                 <a:spcPct val="100000"/>
               </a:lnSpc>
@@ -10200,9 +10365,11 @@
       <p:sp>
         <p:nvSpPr>
           <p:cNvPr id="115" name="Google Shape;115;g17980f8dc43_0_46"/>
-          <p:cNvSpPr txBox="1"/>
+          <p:cNvSpPr txBox="1">
+            <a:spLocks noGrp="1"/>
+          </p:cNvSpPr>
           <p:nvPr>
-            <p:ph idx="1" type="body"/>
+            <p:ph type="body" idx="1"/>
           </p:nvPr>
         </p:nvSpPr>
         <p:spPr>
@@ -10219,12 +10386,12 @@
           </a:ln>
         </p:spPr>
         <p:txBody>
-          <a:bodyPr anchorCtr="0" anchor="t" bIns="91425" lIns="91425" spcFirstLastPara="1" rIns="91425" wrap="square" tIns="91425">
+          <a:bodyPr spcFirstLastPara="1" wrap="square" lIns="91425" tIns="91425" rIns="91425" bIns="91425" anchor="t" anchorCtr="0">
             <a:normAutofit/>
           </a:bodyPr>
           <a:lstStyle/>
           <a:p>
-            <a:pPr indent="0" lvl="0" marL="0" rtl="0" algn="l">
+            <a:pPr marL="0" lvl="0" indent="0" algn="l" rtl="0">
               <a:lnSpc>
                 <a:spcPct val="115000"/>
               </a:lnSpc>
@@ -10237,9 +10404,6 @@
               <a:buSzPts val="1800"/>
               <a:buNone/>
             </a:pPr>
-            <a:r>
-              <a:t/>
-            </a:r>
             <a:endParaRPr>
               <a:solidFill>
                 <a:schemeClr val="dk1"/>
@@ -10247,7 +10411,7 @@
             </a:endParaRPr>
           </a:p>
           <a:p>
-            <a:pPr indent="0" lvl="0" marL="0" rtl="0" algn="l">
+            <a:pPr marL="0" lvl="0" indent="0" algn="l" rtl="0">
               <a:lnSpc>
                 <a:spcPct val="115000"/>
               </a:lnSpc>
@@ -10260,9 +10424,6 @@
               <a:buSzPts val="1800"/>
               <a:buNone/>
             </a:pPr>
-            <a:r>
-              <a:t/>
-            </a:r>
             <a:endParaRPr/>
           </a:p>
         </p:txBody>
@@ -10276,11 +10437,11 @@
 </file>
 
 <file path=ppt/slides/slide2.xml><?xml version="1.0" encoding="utf-8"?>
-<p:sld xmlns:a="http://schemas.openxmlformats.org/drawingml/2006/main" xmlns:r="http://schemas.openxmlformats.org/officeDocument/2006/relationships" xmlns:mc="http://schemas.openxmlformats.org/markup-compatibility/2006" xmlns:mv="urn:schemas-microsoft-com:mac:vml" xmlns:p="http://schemas.openxmlformats.org/presentationml/2006/main" xmlns:c="http://schemas.openxmlformats.org/drawingml/2006/chart" xmlns:dgm="http://schemas.openxmlformats.org/drawingml/2006/diagram" xmlns:o="urn:schemas-microsoft-com:office:office" xmlns:v="urn:schemas-microsoft-com:vml" xmlns:pvml="urn:schemas-microsoft-com:office:powerpoint" xmlns:com="http://schemas.openxmlformats.org/drawingml/2006/compatibility" xmlns:p14="http://schemas.microsoft.com/office/powerpoint/2010/main" xmlns:p15="http://schemas.microsoft.com/office/powerpoint/2012/main" xmlns:ahyp="http://schemas.microsoft.com/office/drawing/2018/hyperlinkcolor">
+<p:sld xmlns:a="http://schemas.openxmlformats.org/drawingml/2006/main" xmlns:r="http://schemas.openxmlformats.org/officeDocument/2006/relationships" xmlns:p="http://schemas.openxmlformats.org/presentationml/2006/main">
   <p:cSld>
     <p:spTree>
       <p:nvGrpSpPr>
-        <p:cNvPr id="59" name="Shape 59"/>
+        <p:cNvPr id="1" name="Shape 59"/>
         <p:cNvGrpSpPr/>
         <p:nvPr/>
       </p:nvGrpSpPr>
@@ -10295,7 +10456,9 @@
       <p:sp>
         <p:nvSpPr>
           <p:cNvPr id="60" name="Google Shape;60;g1732d9a83e9_0_5"/>
-          <p:cNvSpPr txBox="1"/>
+          <p:cNvSpPr txBox="1">
+            <a:spLocks noGrp="1"/>
+          </p:cNvSpPr>
           <p:nvPr>
             <p:ph type="title"/>
           </p:nvPr>
@@ -10314,12 +10477,12 @@
           </a:ln>
         </p:spPr>
         <p:txBody>
-          <a:bodyPr anchorCtr="0" anchor="t" bIns="91425" lIns="91425" spcFirstLastPara="1" rIns="91425" wrap="square" tIns="91425">
+          <a:bodyPr spcFirstLastPara="1" wrap="square" lIns="91425" tIns="91425" rIns="91425" bIns="91425" anchor="t" anchorCtr="0">
             <a:normAutofit fontScale="90000"/>
           </a:bodyPr>
           <a:lstStyle/>
           <a:p>
-            <a:pPr indent="0" lvl="0" marL="0" rtl="0" algn="l">
+            <a:pPr marL="0" lvl="0" indent="0" algn="l" rtl="0">
               <a:lnSpc>
                 <a:spcPct val="100000"/>
               </a:lnSpc>
@@ -10343,9 +10506,11 @@
       <p:sp>
         <p:nvSpPr>
           <p:cNvPr id="61" name="Google Shape;61;g1732d9a83e9_0_5"/>
-          <p:cNvSpPr txBox="1"/>
+          <p:cNvSpPr txBox="1">
+            <a:spLocks noGrp="1"/>
+          </p:cNvSpPr>
           <p:nvPr>
-            <p:ph idx="1" type="body"/>
+            <p:ph type="body" idx="1"/>
           </p:nvPr>
         </p:nvSpPr>
         <p:spPr>
@@ -10362,12 +10527,12 @@
           </a:ln>
         </p:spPr>
         <p:txBody>
-          <a:bodyPr anchorCtr="0" anchor="t" bIns="91425" lIns="91425" spcFirstLastPara="1" rIns="91425" wrap="square" tIns="91425">
+          <a:bodyPr spcFirstLastPara="1" wrap="square" lIns="91425" tIns="91425" rIns="91425" bIns="91425" anchor="t" anchorCtr="0">
             <a:normAutofit fontScale="92500" lnSpcReduction="20000"/>
           </a:bodyPr>
           <a:lstStyle/>
           <a:p>
-            <a:pPr indent="0" lvl="0" marL="0" rtl="0" algn="ctr">
+            <a:pPr marL="0" lvl="0" indent="0" algn="ctr" rtl="0">
               <a:lnSpc>
                 <a:spcPct val="115000"/>
               </a:lnSpc>
@@ -10381,21 +10546,21 @@
               <a:buNone/>
             </a:pPr>
             <a:r>
-              <a:rPr b="1" lang="pt-BR" sz="2000">
+              <a:rPr lang="pt-BR" sz="2000" b="1">
                 <a:solidFill>
                   <a:schemeClr val="dk1"/>
                 </a:solidFill>
               </a:rPr>
               <a:t>Docker</a:t>
             </a:r>
-            <a:endParaRPr b="1" sz="2000">
+            <a:endParaRPr sz="2000" b="1">
               <a:solidFill>
                 <a:schemeClr val="dk1"/>
               </a:solidFill>
             </a:endParaRPr>
           </a:p>
           <a:p>
-            <a:pPr indent="0" lvl="0" marL="0" rtl="0" algn="ctr">
+            <a:pPr marL="0" lvl="0" indent="0" algn="ctr" rtl="0">
               <a:lnSpc>
                 <a:spcPct val="115000"/>
               </a:lnSpc>
@@ -10408,17 +10573,14 @@
               <a:buSzPct val="90000"/>
               <a:buNone/>
             </a:pPr>
-            <a:r>
-              <a:t/>
-            </a:r>
-            <a:endParaRPr b="1" sz="2000">
+            <a:endParaRPr sz="2000" b="1">
               <a:solidFill>
                 <a:schemeClr val="dk1"/>
               </a:solidFill>
             </a:endParaRPr>
           </a:p>
           <a:p>
-            <a:pPr indent="0" lvl="0" marL="0" rtl="0" algn="ctr">
+            <a:pPr marL="0" lvl="0" indent="0" algn="ctr" rtl="0">
               <a:lnSpc>
                 <a:spcPct val="115000"/>
               </a:lnSpc>
@@ -10446,7 +10608,7 @@
             </a:endParaRPr>
           </a:p>
           <a:p>
-            <a:pPr indent="0" lvl="0" marL="0" rtl="0" algn="ctr">
+            <a:pPr marL="0" lvl="0" indent="0" algn="ctr" rtl="0">
               <a:lnSpc>
                 <a:spcPct val="115000"/>
               </a:lnSpc>
@@ -10474,7 +10636,7 @@
             </a:endParaRPr>
           </a:p>
           <a:p>
-            <a:pPr indent="0" lvl="0" marL="0" rtl="0" algn="ctr">
+            <a:pPr marL="0" lvl="0" indent="0" algn="ctr" rtl="0">
               <a:lnSpc>
                 <a:spcPct val="115000"/>
               </a:lnSpc>
@@ -10502,7 +10664,7 @@
             </a:endParaRPr>
           </a:p>
           <a:p>
-            <a:pPr indent="0" lvl="0" marL="0" rtl="0" algn="ctr">
+            <a:pPr marL="0" lvl="0" indent="0" algn="ctr" rtl="0">
               <a:lnSpc>
                 <a:spcPct val="115000"/>
               </a:lnSpc>
@@ -10530,7 +10692,7 @@
             </a:endParaRPr>
           </a:p>
           <a:p>
-            <a:pPr indent="0" lvl="0" marL="0" rtl="0" algn="ctr">
+            <a:pPr marL="0" lvl="0" indent="0" algn="ctr" rtl="0">
               <a:lnSpc>
                 <a:spcPct val="115000"/>
               </a:lnSpc>
@@ -10558,7 +10720,7 @@
             </a:endParaRPr>
           </a:p>
           <a:p>
-            <a:pPr indent="0" lvl="0" marL="0" rtl="0" algn="ctr">
+            <a:pPr marL="0" lvl="0" indent="0" algn="ctr" rtl="0">
               <a:lnSpc>
                 <a:spcPct val="115000"/>
               </a:lnSpc>
@@ -10586,7 +10748,7 @@
             </a:endParaRPr>
           </a:p>
           <a:p>
-            <a:pPr indent="0" lvl="0" marL="0" rtl="0" algn="ctr">
+            <a:pPr marL="0" lvl="0" indent="0" algn="ctr" rtl="0">
               <a:lnSpc>
                 <a:spcPct val="115000"/>
               </a:lnSpc>
@@ -10614,7 +10776,7 @@
             </a:endParaRPr>
           </a:p>
           <a:p>
-            <a:pPr indent="0" lvl="0" marL="0" rtl="0" algn="ctr">
+            <a:pPr marL="0" lvl="0" indent="0" algn="ctr" rtl="0">
               <a:lnSpc>
                 <a:spcPct val="115000"/>
               </a:lnSpc>
@@ -10642,7 +10804,7 @@
             </a:endParaRPr>
           </a:p>
           <a:p>
-            <a:pPr indent="0" lvl="0" marL="0" rtl="0" algn="l">
+            <a:pPr marL="0" lvl="0" indent="0" algn="l" rtl="0">
               <a:lnSpc>
                 <a:spcPct val="115000"/>
               </a:lnSpc>
@@ -10655,9 +10817,6 @@
               <a:buSzPct val="100000"/>
               <a:buNone/>
             </a:pPr>
-            <a:r>
-              <a:t/>
-            </a:r>
             <a:endParaRPr/>
           </a:p>
         </p:txBody>
@@ -10671,11 +10830,11 @@
 </file>
 
 <file path=ppt/slides/slide3.xml><?xml version="1.0" encoding="utf-8"?>
-<p:sld xmlns:a="http://schemas.openxmlformats.org/drawingml/2006/main" xmlns:r="http://schemas.openxmlformats.org/officeDocument/2006/relationships" xmlns:mc="http://schemas.openxmlformats.org/markup-compatibility/2006" xmlns:mv="urn:schemas-microsoft-com:mac:vml" xmlns:p="http://schemas.openxmlformats.org/presentationml/2006/main" xmlns:c="http://schemas.openxmlformats.org/drawingml/2006/chart" xmlns:dgm="http://schemas.openxmlformats.org/drawingml/2006/diagram" xmlns:o="urn:schemas-microsoft-com:office:office" xmlns:v="urn:schemas-microsoft-com:vml" xmlns:pvml="urn:schemas-microsoft-com:office:powerpoint" xmlns:com="http://schemas.openxmlformats.org/drawingml/2006/compatibility" xmlns:p14="http://schemas.microsoft.com/office/powerpoint/2010/main" xmlns:p15="http://schemas.microsoft.com/office/powerpoint/2012/main" xmlns:ahyp="http://schemas.microsoft.com/office/drawing/2018/hyperlinkcolor">
+<p:sld xmlns:a="http://schemas.openxmlformats.org/drawingml/2006/main" xmlns:r="http://schemas.openxmlformats.org/officeDocument/2006/relationships" xmlns:p="http://schemas.openxmlformats.org/presentationml/2006/main">
   <p:cSld>
     <p:spTree>
       <p:nvGrpSpPr>
-        <p:cNvPr id="65" name="Shape 65"/>
+        <p:cNvPr id="1" name="Shape 65"/>
         <p:cNvGrpSpPr/>
         <p:nvPr/>
       </p:nvGrpSpPr>
@@ -10690,7 +10849,9 @@
       <p:sp>
         <p:nvSpPr>
           <p:cNvPr id="66" name="Google Shape;66;g17980f8dc43_0_18"/>
-          <p:cNvSpPr txBox="1"/>
+          <p:cNvSpPr txBox="1">
+            <a:spLocks noGrp="1"/>
+          </p:cNvSpPr>
           <p:nvPr>
             <p:ph type="title"/>
           </p:nvPr>
@@ -10709,12 +10870,12 @@
           </a:ln>
         </p:spPr>
         <p:txBody>
-          <a:bodyPr anchorCtr="0" anchor="t" bIns="91425" lIns="91425" spcFirstLastPara="1" rIns="91425" wrap="square" tIns="91425">
+          <a:bodyPr spcFirstLastPara="1" wrap="square" lIns="91425" tIns="91425" rIns="91425" bIns="91425" anchor="t" anchorCtr="0">
             <a:normAutofit fontScale="90000"/>
           </a:bodyPr>
           <a:lstStyle/>
           <a:p>
-            <a:pPr indent="0" lvl="0" marL="0" rtl="0" algn="l">
+            <a:pPr marL="0" lvl="0" indent="0" algn="l" rtl="0">
               <a:lnSpc>
                 <a:spcPct val="100000"/>
               </a:lnSpc>
@@ -10738,9 +10899,11 @@
       <p:sp>
         <p:nvSpPr>
           <p:cNvPr id="67" name="Google Shape;67;g17980f8dc43_0_18"/>
-          <p:cNvSpPr txBox="1"/>
+          <p:cNvSpPr txBox="1">
+            <a:spLocks noGrp="1"/>
+          </p:cNvSpPr>
           <p:nvPr>
-            <p:ph idx="1" type="body"/>
+            <p:ph type="body" idx="1"/>
           </p:nvPr>
         </p:nvSpPr>
         <p:spPr>
@@ -10757,12 +10920,12 @@
           </a:ln>
         </p:spPr>
         <p:txBody>
-          <a:bodyPr anchorCtr="0" anchor="t" bIns="91425" lIns="91425" spcFirstLastPara="1" rIns="91425" wrap="square" tIns="91425">
+          <a:bodyPr spcFirstLastPara="1" wrap="square" lIns="91425" tIns="91425" rIns="91425" bIns="91425" anchor="t" anchorCtr="0">
             <a:normAutofit/>
           </a:bodyPr>
           <a:lstStyle/>
           <a:p>
-            <a:pPr indent="0" lvl="0" marL="0" rtl="0" algn="ctr">
+            <a:pPr marL="0" lvl="0" indent="0" algn="ctr" rtl="0">
               <a:lnSpc>
                 <a:spcPct val="115000"/>
               </a:lnSpc>
@@ -10776,21 +10939,21 @@
               <a:buNone/>
             </a:pPr>
             <a:r>
-              <a:rPr b="1" lang="pt-BR" sz="2000">
+              <a:rPr lang="pt-BR" sz="2000" b="1">
                 <a:solidFill>
                   <a:schemeClr val="dk1"/>
                 </a:solidFill>
               </a:rPr>
               <a:t>Prometheus</a:t>
             </a:r>
-            <a:endParaRPr b="1" sz="2000">
+            <a:endParaRPr sz="2000" b="1">
               <a:solidFill>
                 <a:schemeClr val="dk1"/>
               </a:solidFill>
             </a:endParaRPr>
           </a:p>
           <a:p>
-            <a:pPr indent="0" lvl="0" marL="0" rtl="0" algn="ctr">
+            <a:pPr marL="0" lvl="0" indent="0" algn="ctr" rtl="0">
               <a:lnSpc>
                 <a:spcPct val="115000"/>
               </a:lnSpc>
@@ -10803,17 +10966,14 @@
               <a:buSzPts val="1800"/>
               <a:buNone/>
             </a:pPr>
-            <a:r>
-              <a:t/>
-            </a:r>
-            <a:endParaRPr b="1" sz="2000">
+            <a:endParaRPr sz="2000" b="1">
               <a:solidFill>
                 <a:schemeClr val="dk1"/>
               </a:solidFill>
             </a:endParaRPr>
           </a:p>
           <a:p>
-            <a:pPr indent="0" lvl="0" marL="0" rtl="0" algn="ctr">
+            <a:pPr marL="0" lvl="0" indent="0" algn="ctr" rtl="0">
               <a:lnSpc>
                 <a:spcPct val="115000"/>
               </a:lnSpc>
@@ -10841,7 +11001,7 @@
             </a:endParaRPr>
           </a:p>
           <a:p>
-            <a:pPr indent="0" lvl="0" marL="0" rtl="0" algn="ctr">
+            <a:pPr marL="0" lvl="0" indent="0" algn="ctr" rtl="0">
               <a:lnSpc>
                 <a:spcPct val="115000"/>
               </a:lnSpc>
@@ -10869,7 +11029,7 @@
             </a:endParaRPr>
           </a:p>
           <a:p>
-            <a:pPr indent="0" lvl="0" marL="0" rtl="0" algn="ctr">
+            <a:pPr marL="0" lvl="0" indent="0" algn="ctr" rtl="0">
               <a:lnSpc>
                 <a:spcPct val="115000"/>
               </a:lnSpc>
@@ -10897,7 +11057,7 @@
             </a:endParaRPr>
           </a:p>
           <a:p>
-            <a:pPr indent="0" lvl="0" marL="0" rtl="0" algn="ctr">
+            <a:pPr marL="0" lvl="0" indent="0" algn="ctr" rtl="0">
               <a:lnSpc>
                 <a:spcPct val="115000"/>
               </a:lnSpc>
@@ -10925,7 +11085,7 @@
             </a:endParaRPr>
           </a:p>
           <a:p>
-            <a:pPr indent="0" lvl="0" marL="0" rtl="0" algn="ctr">
+            <a:pPr marL="0" lvl="0" indent="0" algn="ctr" rtl="0">
               <a:lnSpc>
                 <a:spcPct val="115000"/>
               </a:lnSpc>
@@ -10953,7 +11113,7 @@
             </a:endParaRPr>
           </a:p>
           <a:p>
-            <a:pPr indent="0" lvl="0" marL="0" rtl="0" algn="ctr">
+            <a:pPr marL="0" lvl="0" indent="0" algn="ctr" rtl="0">
               <a:lnSpc>
                 <a:spcPct val="115000"/>
               </a:lnSpc>
@@ -10981,7 +11141,7 @@
             </a:endParaRPr>
           </a:p>
           <a:p>
-            <a:pPr indent="0" lvl="0" marL="0" rtl="0" algn="l">
+            <a:pPr marL="0" lvl="0" indent="0" algn="l" rtl="0">
               <a:lnSpc>
                 <a:spcPct val="115000"/>
               </a:lnSpc>
@@ -10994,9 +11154,6 @@
               <a:buSzPts val="1800"/>
               <a:buNone/>
             </a:pPr>
-            <a:r>
-              <a:t/>
-            </a:r>
             <a:endParaRPr/>
           </a:p>
         </p:txBody>
@@ -11010,11 +11167,11 @@
 </file>
 
 <file path=ppt/slides/slide4.xml><?xml version="1.0" encoding="utf-8"?>
-<p:sld xmlns:a="http://schemas.openxmlformats.org/drawingml/2006/main" xmlns:r="http://schemas.openxmlformats.org/officeDocument/2006/relationships" xmlns:mc="http://schemas.openxmlformats.org/markup-compatibility/2006" xmlns:mv="urn:schemas-microsoft-com:mac:vml" xmlns:p="http://schemas.openxmlformats.org/presentationml/2006/main" xmlns:c="http://schemas.openxmlformats.org/drawingml/2006/chart" xmlns:dgm="http://schemas.openxmlformats.org/drawingml/2006/diagram" xmlns:o="urn:schemas-microsoft-com:office:office" xmlns:v="urn:schemas-microsoft-com:vml" xmlns:pvml="urn:schemas-microsoft-com:office:powerpoint" xmlns:com="http://schemas.openxmlformats.org/drawingml/2006/compatibility" xmlns:p14="http://schemas.microsoft.com/office/powerpoint/2010/main" xmlns:p15="http://schemas.microsoft.com/office/powerpoint/2012/main" xmlns:ahyp="http://schemas.microsoft.com/office/drawing/2018/hyperlinkcolor">
+<p:sld xmlns:a="http://schemas.openxmlformats.org/drawingml/2006/main" xmlns:r="http://schemas.openxmlformats.org/officeDocument/2006/relationships" xmlns:p="http://schemas.openxmlformats.org/presentationml/2006/main">
   <p:cSld>
     <p:spTree>
       <p:nvGrpSpPr>
-        <p:cNvPr id="71" name="Shape 71"/>
+        <p:cNvPr id="1" name="Shape 71"/>
         <p:cNvGrpSpPr/>
         <p:nvPr/>
       </p:nvGrpSpPr>
@@ -11029,7 +11186,9 @@
       <p:sp>
         <p:nvSpPr>
           <p:cNvPr id="72" name="Google Shape;72;g17980f8dc43_0_23"/>
-          <p:cNvSpPr txBox="1"/>
+          <p:cNvSpPr txBox="1">
+            <a:spLocks noGrp="1"/>
+          </p:cNvSpPr>
           <p:nvPr>
             <p:ph type="title"/>
           </p:nvPr>
@@ -11048,12 +11207,12 @@
           </a:ln>
         </p:spPr>
         <p:txBody>
-          <a:bodyPr anchorCtr="0" anchor="t" bIns="91425" lIns="91425" spcFirstLastPara="1" rIns="91425" wrap="square" tIns="91425">
+          <a:bodyPr spcFirstLastPara="1" wrap="square" lIns="91425" tIns="91425" rIns="91425" bIns="91425" anchor="t" anchorCtr="0">
             <a:normAutofit fontScale="90000"/>
           </a:bodyPr>
           <a:lstStyle/>
           <a:p>
-            <a:pPr indent="0" lvl="0" marL="0" rtl="0" algn="l">
+            <a:pPr marL="0" lvl="0" indent="0" algn="l" rtl="0">
               <a:lnSpc>
                 <a:spcPct val="100000"/>
               </a:lnSpc>
@@ -11077,9 +11236,11 @@
       <p:sp>
         <p:nvSpPr>
           <p:cNvPr id="73" name="Google Shape;73;g17980f8dc43_0_23"/>
-          <p:cNvSpPr txBox="1"/>
+          <p:cNvSpPr txBox="1">
+            <a:spLocks noGrp="1"/>
+          </p:cNvSpPr>
           <p:nvPr>
-            <p:ph idx="1" type="body"/>
+            <p:ph type="body" idx="1"/>
           </p:nvPr>
         </p:nvSpPr>
         <p:spPr>
@@ -11096,12 +11257,12 @@
           </a:ln>
         </p:spPr>
         <p:txBody>
-          <a:bodyPr anchorCtr="0" anchor="t" bIns="91425" lIns="91425" spcFirstLastPara="1" rIns="91425" wrap="square" tIns="91425">
+          <a:bodyPr spcFirstLastPara="1" wrap="square" lIns="91425" tIns="91425" rIns="91425" bIns="91425" anchor="t" anchorCtr="0">
             <a:normAutofit/>
           </a:bodyPr>
           <a:lstStyle/>
           <a:p>
-            <a:pPr indent="0" lvl="0" marL="0" rtl="0" algn="ctr">
+            <a:pPr marL="0" lvl="0" indent="0" algn="ctr" rtl="0">
               <a:lnSpc>
                 <a:spcPct val="115000"/>
               </a:lnSpc>
@@ -11115,21 +11276,21 @@
               <a:buNone/>
             </a:pPr>
             <a:r>
-              <a:rPr b="1" lang="pt-BR" sz="2000">
+              <a:rPr lang="pt-BR" sz="2000" b="1">
                 <a:solidFill>
                   <a:schemeClr val="dk1"/>
                 </a:solidFill>
               </a:rPr>
               <a:t>Node Exporter</a:t>
             </a:r>
-            <a:endParaRPr b="1" sz="2000">
+            <a:endParaRPr sz="2000" b="1">
               <a:solidFill>
                 <a:schemeClr val="dk1"/>
               </a:solidFill>
             </a:endParaRPr>
           </a:p>
           <a:p>
-            <a:pPr indent="0" lvl="0" marL="0" rtl="0" algn="ctr">
+            <a:pPr marL="0" lvl="0" indent="0" algn="ctr" rtl="0">
               <a:lnSpc>
                 <a:spcPct val="115000"/>
               </a:lnSpc>
@@ -11142,17 +11303,14 @@
               <a:buSzPts val="1800"/>
               <a:buNone/>
             </a:pPr>
-            <a:r>
-              <a:t/>
-            </a:r>
-            <a:endParaRPr b="1" sz="2000">
+            <a:endParaRPr sz="2000" b="1">
               <a:solidFill>
                 <a:schemeClr val="dk1"/>
               </a:solidFill>
             </a:endParaRPr>
           </a:p>
           <a:p>
-            <a:pPr indent="0" lvl="0" marL="0" rtl="0" algn="ctr">
+            <a:pPr marL="0" lvl="0" indent="0" algn="ctr" rtl="0">
               <a:lnSpc>
                 <a:spcPct val="115000"/>
               </a:lnSpc>
@@ -11180,7 +11338,7 @@
             </a:endParaRPr>
           </a:p>
           <a:p>
-            <a:pPr indent="0" lvl="0" marL="0" rtl="0" algn="ctr">
+            <a:pPr marL="0" lvl="0" indent="0" algn="ctr" rtl="0">
               <a:lnSpc>
                 <a:spcPct val="115000"/>
               </a:lnSpc>
@@ -11208,7 +11366,7 @@
             </a:endParaRPr>
           </a:p>
           <a:p>
-            <a:pPr indent="0" lvl="0" marL="0" rtl="0" algn="ctr">
+            <a:pPr marL="0" lvl="0" indent="0" algn="ctr" rtl="0">
               <a:lnSpc>
                 <a:spcPct val="115000"/>
               </a:lnSpc>
@@ -11236,7 +11394,7 @@
             </a:endParaRPr>
           </a:p>
           <a:p>
-            <a:pPr indent="0" lvl="0" marL="0" rtl="0" algn="ctr">
+            <a:pPr marL="0" lvl="0" indent="0" algn="ctr" rtl="0">
               <a:lnSpc>
                 <a:spcPct val="115000"/>
               </a:lnSpc>
@@ -11249,9 +11407,6 @@
               <a:buSzPts val="1800"/>
               <a:buNone/>
             </a:pPr>
-            <a:r>
-              <a:t/>
-            </a:r>
             <a:endParaRPr sz="2000">
               <a:solidFill>
                 <a:schemeClr val="dk1"/>
@@ -11259,7 +11414,7 @@
             </a:endParaRPr>
           </a:p>
           <a:p>
-            <a:pPr indent="0" lvl="0" marL="0" rtl="0" algn="l">
+            <a:pPr marL="0" lvl="0" indent="0" algn="l" rtl="0">
               <a:lnSpc>
                 <a:spcPct val="115000"/>
               </a:lnSpc>
@@ -11272,9 +11427,6 @@
               <a:buSzPts val="1800"/>
               <a:buNone/>
             </a:pPr>
-            <a:r>
-              <a:t/>
-            </a:r>
             <a:endParaRPr/>
           </a:p>
         </p:txBody>
@@ -11288,11 +11440,11 @@
 </file>
 
 <file path=ppt/slides/slide5.xml><?xml version="1.0" encoding="utf-8"?>
-<p:sld xmlns:a="http://schemas.openxmlformats.org/drawingml/2006/main" xmlns:r="http://schemas.openxmlformats.org/officeDocument/2006/relationships" xmlns:mc="http://schemas.openxmlformats.org/markup-compatibility/2006" xmlns:mv="urn:schemas-microsoft-com:mac:vml" xmlns:p="http://schemas.openxmlformats.org/presentationml/2006/main" xmlns:c="http://schemas.openxmlformats.org/drawingml/2006/chart" xmlns:dgm="http://schemas.openxmlformats.org/drawingml/2006/diagram" xmlns:o="urn:schemas-microsoft-com:office:office" xmlns:v="urn:schemas-microsoft-com:vml" xmlns:pvml="urn:schemas-microsoft-com:office:powerpoint" xmlns:com="http://schemas.openxmlformats.org/drawingml/2006/compatibility" xmlns:p14="http://schemas.microsoft.com/office/powerpoint/2010/main" xmlns:p15="http://schemas.microsoft.com/office/powerpoint/2012/main" xmlns:ahyp="http://schemas.microsoft.com/office/drawing/2018/hyperlinkcolor">
+<p:sld xmlns:a="http://schemas.openxmlformats.org/drawingml/2006/main" xmlns:r="http://schemas.openxmlformats.org/officeDocument/2006/relationships" xmlns:p="http://schemas.openxmlformats.org/presentationml/2006/main">
   <p:cSld>
     <p:spTree>
       <p:nvGrpSpPr>
-        <p:cNvPr id="77" name="Shape 77"/>
+        <p:cNvPr id="1" name="Shape 77"/>
         <p:cNvGrpSpPr/>
         <p:nvPr/>
       </p:nvGrpSpPr>
@@ -11307,7 +11459,9 @@
       <p:sp>
         <p:nvSpPr>
           <p:cNvPr id="78" name="Google Shape;78;g17980f8dc43_0_28"/>
-          <p:cNvSpPr txBox="1"/>
+          <p:cNvSpPr txBox="1">
+            <a:spLocks noGrp="1"/>
+          </p:cNvSpPr>
           <p:nvPr>
             <p:ph type="title"/>
           </p:nvPr>
@@ -11326,12 +11480,12 @@
           </a:ln>
         </p:spPr>
         <p:txBody>
-          <a:bodyPr anchorCtr="0" anchor="t" bIns="91425" lIns="91425" spcFirstLastPara="1" rIns="91425" wrap="square" tIns="91425">
+          <a:bodyPr spcFirstLastPara="1" wrap="square" lIns="91425" tIns="91425" rIns="91425" bIns="91425" anchor="t" anchorCtr="0">
             <a:normAutofit fontScale="90000"/>
           </a:bodyPr>
           <a:lstStyle/>
           <a:p>
-            <a:pPr indent="0" lvl="0" marL="0" rtl="0" algn="l">
+            <a:pPr marL="0" lvl="0" indent="0" algn="l" rtl="0">
               <a:lnSpc>
                 <a:spcPct val="100000"/>
               </a:lnSpc>
@@ -11355,9 +11509,11 @@
       <p:sp>
         <p:nvSpPr>
           <p:cNvPr id="79" name="Google Shape;79;g17980f8dc43_0_28"/>
-          <p:cNvSpPr txBox="1"/>
+          <p:cNvSpPr txBox="1">
+            <a:spLocks noGrp="1"/>
+          </p:cNvSpPr>
           <p:nvPr>
-            <p:ph idx="1" type="body"/>
+            <p:ph type="body" idx="1"/>
           </p:nvPr>
         </p:nvSpPr>
         <p:spPr>
@@ -11374,12 +11530,12 @@
           </a:ln>
         </p:spPr>
         <p:txBody>
-          <a:bodyPr anchorCtr="0" anchor="t" bIns="91425" lIns="91425" spcFirstLastPara="1" rIns="91425" wrap="square" tIns="91425">
+          <a:bodyPr spcFirstLastPara="1" wrap="square" lIns="91425" tIns="91425" rIns="91425" bIns="91425" anchor="t" anchorCtr="0">
             <a:normAutofit/>
           </a:bodyPr>
           <a:lstStyle/>
           <a:p>
-            <a:pPr indent="0" lvl="0" marL="0" rtl="0" algn="ctr">
+            <a:pPr marL="0" lvl="0" indent="0" algn="ctr" rtl="0">
               <a:lnSpc>
                 <a:spcPct val="115000"/>
               </a:lnSpc>
@@ -11393,21 +11549,21 @@
               <a:buNone/>
             </a:pPr>
             <a:r>
-              <a:rPr b="1" lang="pt-BR" sz="2000">
+              <a:rPr lang="pt-BR" sz="2000" b="1">
                 <a:solidFill>
                   <a:schemeClr val="dk1"/>
                 </a:solidFill>
               </a:rPr>
               <a:t>Grafana</a:t>
             </a:r>
-            <a:endParaRPr b="1" sz="2000">
+            <a:endParaRPr sz="2000" b="1">
               <a:solidFill>
                 <a:schemeClr val="dk1"/>
               </a:solidFill>
             </a:endParaRPr>
           </a:p>
           <a:p>
-            <a:pPr indent="0" lvl="0" marL="0" rtl="0" algn="ctr">
+            <a:pPr marL="0" lvl="0" indent="0" algn="ctr" rtl="0">
               <a:lnSpc>
                 <a:spcPct val="115000"/>
               </a:lnSpc>
@@ -11420,17 +11576,14 @@
               <a:buSzPts val="1800"/>
               <a:buNone/>
             </a:pPr>
-            <a:r>
-              <a:t/>
-            </a:r>
-            <a:endParaRPr b="1" sz="2000">
+            <a:endParaRPr sz="2000" b="1">
               <a:solidFill>
                 <a:schemeClr val="dk1"/>
               </a:solidFill>
             </a:endParaRPr>
           </a:p>
           <a:p>
-            <a:pPr indent="0" lvl="0" marL="0" rtl="0" algn="ctr">
+            <a:pPr marL="0" lvl="0" indent="0" algn="ctr" rtl="0">
               <a:lnSpc>
                 <a:spcPct val="115000"/>
               </a:lnSpc>
@@ -11458,7 +11611,7 @@
             </a:endParaRPr>
           </a:p>
           <a:p>
-            <a:pPr indent="0" lvl="0" marL="0" rtl="0" algn="ctr">
+            <a:pPr marL="0" lvl="0" indent="0" algn="ctr" rtl="0">
               <a:lnSpc>
                 <a:spcPct val="115000"/>
               </a:lnSpc>
@@ -11486,7 +11639,7 @@
             </a:endParaRPr>
           </a:p>
           <a:p>
-            <a:pPr indent="0" lvl="0" marL="0" rtl="0" algn="ctr">
+            <a:pPr marL="0" lvl="0" indent="0" algn="ctr" rtl="0">
               <a:lnSpc>
                 <a:spcPct val="115000"/>
               </a:lnSpc>
@@ -11514,7 +11667,7 @@
             </a:endParaRPr>
           </a:p>
           <a:p>
-            <a:pPr indent="0" lvl="0" marL="0" rtl="0" algn="ctr">
+            <a:pPr marL="0" lvl="0" indent="0" algn="ctr" rtl="0">
               <a:lnSpc>
                 <a:spcPct val="115000"/>
               </a:lnSpc>
@@ -11542,7 +11695,7 @@
             </a:endParaRPr>
           </a:p>
           <a:p>
-            <a:pPr indent="0" lvl="0" marL="0" rtl="0" algn="ctr">
+            <a:pPr marL="0" lvl="0" indent="0" algn="ctr" rtl="0">
               <a:lnSpc>
                 <a:spcPct val="115000"/>
               </a:lnSpc>
@@ -11570,7 +11723,7 @@
             </a:endParaRPr>
           </a:p>
           <a:p>
-            <a:pPr indent="0" lvl="0" marL="0" rtl="0" algn="ctr">
+            <a:pPr marL="0" lvl="0" indent="0" algn="ctr" rtl="0">
               <a:lnSpc>
                 <a:spcPct val="115000"/>
               </a:lnSpc>
@@ -11583,9 +11736,6 @@
               <a:buSzPts val="1800"/>
               <a:buNone/>
             </a:pPr>
-            <a:r>
-              <a:t/>
-            </a:r>
             <a:endParaRPr sz="2000">
               <a:solidFill>
                 <a:schemeClr val="dk1"/>
@@ -11593,7 +11743,7 @@
             </a:endParaRPr>
           </a:p>
           <a:p>
-            <a:pPr indent="0" lvl="0" marL="0" rtl="0" algn="l">
+            <a:pPr marL="0" lvl="0" indent="0" algn="l" rtl="0">
               <a:lnSpc>
                 <a:spcPct val="115000"/>
               </a:lnSpc>
@@ -11606,9 +11756,6 @@
               <a:buSzPts val="1800"/>
               <a:buNone/>
             </a:pPr>
-            <a:r>
-              <a:t/>
-            </a:r>
             <a:endParaRPr/>
           </a:p>
         </p:txBody>
@@ -11622,11 +11769,11 @@
 </file>
 
 <file path=ppt/slides/slide6.xml><?xml version="1.0" encoding="utf-8"?>
-<p:sld xmlns:a="http://schemas.openxmlformats.org/drawingml/2006/main" xmlns:r="http://schemas.openxmlformats.org/officeDocument/2006/relationships" xmlns:mc="http://schemas.openxmlformats.org/markup-compatibility/2006" xmlns:mv="urn:schemas-microsoft-com:mac:vml" xmlns:p="http://schemas.openxmlformats.org/presentationml/2006/main" xmlns:c="http://schemas.openxmlformats.org/drawingml/2006/chart" xmlns:dgm="http://schemas.openxmlformats.org/drawingml/2006/diagram" xmlns:o="urn:schemas-microsoft-com:office:office" xmlns:v="urn:schemas-microsoft-com:vml" xmlns:pvml="urn:schemas-microsoft-com:office:powerpoint" xmlns:com="http://schemas.openxmlformats.org/drawingml/2006/compatibility" xmlns:p14="http://schemas.microsoft.com/office/powerpoint/2010/main" xmlns:p15="http://schemas.microsoft.com/office/powerpoint/2012/main" xmlns:ahyp="http://schemas.microsoft.com/office/drawing/2018/hyperlinkcolor">
+<p:sld xmlns:a="http://schemas.openxmlformats.org/drawingml/2006/main" xmlns:r="http://schemas.openxmlformats.org/officeDocument/2006/relationships" xmlns:p="http://schemas.openxmlformats.org/presentationml/2006/main">
   <p:cSld>
     <p:spTree>
       <p:nvGrpSpPr>
-        <p:cNvPr id="83" name="Shape 83"/>
+        <p:cNvPr id="1" name="Shape 83"/>
         <p:cNvGrpSpPr/>
         <p:nvPr/>
       </p:nvGrpSpPr>
@@ -11641,7 +11788,9 @@
       <p:sp>
         <p:nvSpPr>
           <p:cNvPr id="84" name="Google Shape;84;g17980f8dc43_0_33"/>
-          <p:cNvSpPr txBox="1"/>
+          <p:cNvSpPr txBox="1">
+            <a:spLocks noGrp="1"/>
+          </p:cNvSpPr>
           <p:nvPr>
             <p:ph type="title"/>
           </p:nvPr>
@@ -11660,12 +11809,12 @@
           </a:ln>
         </p:spPr>
         <p:txBody>
-          <a:bodyPr anchorCtr="0" anchor="t" bIns="91425" lIns="91425" spcFirstLastPara="1" rIns="91425" wrap="square" tIns="91425">
+          <a:bodyPr spcFirstLastPara="1" wrap="square" lIns="91425" tIns="91425" rIns="91425" bIns="91425" anchor="t" anchorCtr="0">
             <a:normAutofit fontScale="90000"/>
           </a:bodyPr>
           <a:lstStyle/>
           <a:p>
-            <a:pPr indent="0" lvl="0" marL="0" rtl="0" algn="l">
+            <a:pPr marL="0" lvl="0" indent="0" algn="l" rtl="0">
               <a:lnSpc>
                 <a:spcPct val="100000"/>
               </a:lnSpc>
@@ -11689,9 +11838,11 @@
       <p:sp>
         <p:nvSpPr>
           <p:cNvPr id="85" name="Google Shape;85;g17980f8dc43_0_33"/>
-          <p:cNvSpPr txBox="1"/>
+          <p:cNvSpPr txBox="1">
+            <a:spLocks noGrp="1"/>
+          </p:cNvSpPr>
           <p:nvPr>
-            <p:ph idx="1" type="body"/>
+            <p:ph type="body" idx="1"/>
           </p:nvPr>
         </p:nvSpPr>
         <p:spPr>
@@ -11708,12 +11859,12 @@
           </a:ln>
         </p:spPr>
         <p:txBody>
-          <a:bodyPr anchorCtr="0" anchor="t" bIns="91425" lIns="91425" spcFirstLastPara="1" rIns="91425" wrap="square" tIns="91425">
+          <a:bodyPr spcFirstLastPara="1" wrap="square" lIns="91425" tIns="91425" rIns="91425" bIns="91425" anchor="t" anchorCtr="0">
             <a:normAutofit/>
           </a:bodyPr>
           <a:lstStyle/>
           <a:p>
-            <a:pPr indent="0" lvl="0" marL="0" rtl="0" algn="ctr">
+            <a:pPr marL="0" lvl="0" indent="0" algn="ctr" rtl="0">
               <a:lnSpc>
                 <a:spcPct val="115000"/>
               </a:lnSpc>
@@ -11727,21 +11878,21 @@
               <a:buNone/>
             </a:pPr>
             <a:r>
-              <a:rPr b="1" lang="pt-BR" sz="2000">
+              <a:rPr lang="pt-BR" sz="2000" b="1">
                 <a:solidFill>
                   <a:schemeClr val="dk1"/>
                 </a:solidFill>
               </a:rPr>
               <a:t>Alertmanager</a:t>
             </a:r>
-            <a:endParaRPr b="1" sz="2000">
+            <a:endParaRPr sz="2000" b="1">
               <a:solidFill>
                 <a:schemeClr val="dk1"/>
               </a:solidFill>
             </a:endParaRPr>
           </a:p>
           <a:p>
-            <a:pPr indent="0" lvl="0" marL="0" rtl="0" algn="ctr">
+            <a:pPr marL="0" lvl="0" indent="0" algn="ctr" rtl="0">
               <a:lnSpc>
                 <a:spcPct val="115000"/>
               </a:lnSpc>
@@ -11754,17 +11905,14 @@
               <a:buSzPts val="1800"/>
               <a:buNone/>
             </a:pPr>
-            <a:r>
-              <a:t/>
-            </a:r>
-            <a:endParaRPr b="1" sz="2000">
+            <a:endParaRPr sz="2000" b="1">
               <a:solidFill>
                 <a:schemeClr val="dk1"/>
               </a:solidFill>
             </a:endParaRPr>
           </a:p>
           <a:p>
-            <a:pPr indent="0" lvl="0" marL="0" rtl="0" algn="ctr">
+            <a:pPr marL="0" lvl="0" indent="0" algn="ctr" rtl="0">
               <a:lnSpc>
                 <a:spcPct val="115000"/>
               </a:lnSpc>
@@ -11792,7 +11940,7 @@
             </a:endParaRPr>
           </a:p>
           <a:p>
-            <a:pPr indent="0" lvl="0" marL="0" rtl="0" algn="ctr">
+            <a:pPr marL="0" lvl="0" indent="0" algn="ctr" rtl="0">
               <a:lnSpc>
                 <a:spcPct val="115000"/>
               </a:lnSpc>
@@ -11820,7 +11968,7 @@
             </a:endParaRPr>
           </a:p>
           <a:p>
-            <a:pPr indent="0" lvl="0" marL="0" rtl="0" algn="ctr">
+            <a:pPr marL="0" lvl="0" indent="0" algn="ctr" rtl="0">
               <a:lnSpc>
                 <a:spcPct val="115000"/>
               </a:lnSpc>
@@ -11848,7 +11996,7 @@
             </a:endParaRPr>
           </a:p>
           <a:p>
-            <a:pPr indent="0" lvl="0" marL="0" rtl="0" algn="ctr">
+            <a:pPr marL="0" lvl="0" indent="0" algn="ctr" rtl="0">
               <a:lnSpc>
                 <a:spcPct val="115000"/>
               </a:lnSpc>
@@ -11876,7 +12024,7 @@
             </a:endParaRPr>
           </a:p>
           <a:p>
-            <a:pPr indent="0" lvl="0" marL="0" rtl="0" algn="ctr">
+            <a:pPr marL="0" lvl="0" indent="0" algn="ctr" rtl="0">
               <a:lnSpc>
                 <a:spcPct val="115000"/>
               </a:lnSpc>
@@ -11904,7 +12052,7 @@
             </a:endParaRPr>
           </a:p>
           <a:p>
-            <a:pPr indent="0" lvl="0" marL="0" rtl="0" algn="ctr">
+            <a:pPr marL="0" lvl="0" indent="0" algn="ctr" rtl="0">
               <a:lnSpc>
                 <a:spcPct val="115000"/>
               </a:lnSpc>
@@ -11917,9 +12065,6 @@
               <a:buSzPts val="1800"/>
               <a:buNone/>
             </a:pPr>
-            <a:r>
-              <a:t/>
-            </a:r>
             <a:endParaRPr sz="2000">
               <a:solidFill>
                 <a:schemeClr val="dk1"/>
@@ -11927,7 +12072,7 @@
             </a:endParaRPr>
           </a:p>
           <a:p>
-            <a:pPr indent="0" lvl="0" marL="0" rtl="0" algn="l">
+            <a:pPr marL="0" lvl="0" indent="0" algn="l" rtl="0">
               <a:lnSpc>
                 <a:spcPct val="115000"/>
               </a:lnSpc>
@@ -11940,9 +12085,6 @@
               <a:buSzPts val="1800"/>
               <a:buNone/>
             </a:pPr>
-            <a:r>
-              <a:t/>
-            </a:r>
             <a:endParaRPr/>
           </a:p>
         </p:txBody>
@@ -11956,11 +12098,11 @@
 </file>
 
 <file path=ppt/slides/slide7.xml><?xml version="1.0" encoding="utf-8"?>
-<p:sld xmlns:a="http://schemas.openxmlformats.org/drawingml/2006/main" xmlns:r="http://schemas.openxmlformats.org/officeDocument/2006/relationships" xmlns:mc="http://schemas.openxmlformats.org/markup-compatibility/2006" xmlns:mv="urn:schemas-microsoft-com:mac:vml" xmlns:p="http://schemas.openxmlformats.org/presentationml/2006/main" xmlns:c="http://schemas.openxmlformats.org/drawingml/2006/chart" xmlns:dgm="http://schemas.openxmlformats.org/drawingml/2006/diagram" xmlns:o="urn:schemas-microsoft-com:office:office" xmlns:v="urn:schemas-microsoft-com:vml" xmlns:pvml="urn:schemas-microsoft-com:office:powerpoint" xmlns:com="http://schemas.openxmlformats.org/drawingml/2006/compatibility" xmlns:p14="http://schemas.microsoft.com/office/powerpoint/2010/main" xmlns:p15="http://schemas.microsoft.com/office/powerpoint/2012/main" xmlns:ahyp="http://schemas.microsoft.com/office/drawing/2018/hyperlinkcolor">
+<p:sld xmlns:a="http://schemas.openxmlformats.org/drawingml/2006/main" xmlns:r="http://schemas.openxmlformats.org/officeDocument/2006/relationships" xmlns:p="http://schemas.openxmlformats.org/presentationml/2006/main">
   <p:cSld>
     <p:spTree>
       <p:nvGrpSpPr>
-        <p:cNvPr id="89" name="Shape 89"/>
+        <p:cNvPr id="1" name="Shape 89"/>
         <p:cNvGrpSpPr/>
         <p:nvPr/>
       </p:nvGrpSpPr>
@@ -11975,7 +12117,9 @@
       <p:sp>
         <p:nvSpPr>
           <p:cNvPr id="90" name="Google Shape;90;g17980f8dc43_0_38"/>
-          <p:cNvSpPr txBox="1"/>
+          <p:cNvSpPr txBox="1">
+            <a:spLocks noGrp="1"/>
+          </p:cNvSpPr>
           <p:nvPr>
             <p:ph type="title"/>
           </p:nvPr>
@@ -11994,12 +12138,12 @@
           </a:ln>
         </p:spPr>
         <p:txBody>
-          <a:bodyPr anchorCtr="0" anchor="t" bIns="91425" lIns="91425" spcFirstLastPara="1" rIns="91425" wrap="square" tIns="91425">
+          <a:bodyPr spcFirstLastPara="1" wrap="square" lIns="91425" tIns="91425" rIns="91425" bIns="91425" anchor="t" anchorCtr="0">
             <a:normAutofit fontScale="90000"/>
           </a:bodyPr>
           <a:lstStyle/>
           <a:p>
-            <a:pPr indent="0" lvl="0" marL="0" rtl="0" algn="l">
+            <a:pPr marL="0" lvl="0" indent="0" algn="l" rtl="0">
               <a:lnSpc>
                 <a:spcPct val="100000"/>
               </a:lnSpc>
@@ -12023,9 +12167,11 @@
       <p:sp>
         <p:nvSpPr>
           <p:cNvPr id="91" name="Google Shape;91;g17980f8dc43_0_38"/>
-          <p:cNvSpPr txBox="1"/>
+          <p:cNvSpPr txBox="1">
+            <a:spLocks noGrp="1"/>
+          </p:cNvSpPr>
           <p:nvPr>
-            <p:ph idx="1" type="body"/>
+            <p:ph type="body" idx="1"/>
           </p:nvPr>
         </p:nvSpPr>
         <p:spPr>
@@ -12042,12 +12188,12 @@
           </a:ln>
         </p:spPr>
         <p:txBody>
-          <a:bodyPr anchorCtr="0" anchor="t" bIns="91425" lIns="91425" spcFirstLastPara="1" rIns="91425" wrap="square" tIns="91425">
+          <a:bodyPr spcFirstLastPara="1" wrap="square" lIns="91425" tIns="91425" rIns="91425" bIns="91425" anchor="t" anchorCtr="0">
             <a:normAutofit/>
           </a:bodyPr>
           <a:lstStyle/>
           <a:p>
-            <a:pPr indent="0" lvl="0" marL="0" rtl="0" algn="ctr">
+            <a:pPr marL="0" lvl="0" indent="0" algn="ctr" rtl="0">
               <a:lnSpc>
                 <a:spcPct val="115000"/>
               </a:lnSpc>
@@ -12061,21 +12207,21 @@
               <a:buNone/>
             </a:pPr>
             <a:r>
-              <a:rPr b="1" lang="pt-BR" sz="2000">
+              <a:rPr lang="pt-BR" sz="2000" b="1">
                 <a:solidFill>
                   <a:schemeClr val="dk1"/>
                 </a:solidFill>
               </a:rPr>
               <a:t>APIs para times de Dev</a:t>
             </a:r>
-            <a:endParaRPr b="1" sz="2000">
+            <a:endParaRPr sz="2000" b="1">
               <a:solidFill>
                 <a:schemeClr val="dk1"/>
               </a:solidFill>
             </a:endParaRPr>
           </a:p>
           <a:p>
-            <a:pPr indent="0" lvl="0" marL="0" rtl="0" algn="ctr">
+            <a:pPr marL="0" lvl="0" indent="0" algn="ctr" rtl="0">
               <a:lnSpc>
                 <a:spcPct val="115000"/>
               </a:lnSpc>
@@ -12088,17 +12234,14 @@
               <a:buSzPts val="1800"/>
               <a:buNone/>
             </a:pPr>
-            <a:r>
-              <a:t/>
-            </a:r>
-            <a:endParaRPr b="1" sz="2000">
+            <a:endParaRPr sz="2000" b="1">
               <a:solidFill>
                 <a:schemeClr val="dk1"/>
               </a:solidFill>
             </a:endParaRPr>
           </a:p>
           <a:p>
-            <a:pPr indent="0" lvl="0" marL="0" rtl="0" algn="ctr">
+            <a:pPr marL="0" lvl="0" indent="0" algn="ctr" rtl="0">
               <a:lnSpc>
                 <a:spcPct val="115000"/>
               </a:lnSpc>
@@ -12126,7 +12269,7 @@
             </a:endParaRPr>
           </a:p>
           <a:p>
-            <a:pPr indent="0" lvl="0" marL="0" rtl="0" algn="ctr">
+            <a:pPr marL="0" lvl="0" indent="0" algn="ctr" rtl="0">
               <a:lnSpc>
                 <a:spcPct val="115000"/>
               </a:lnSpc>
@@ -12154,7 +12297,7 @@
             </a:endParaRPr>
           </a:p>
           <a:p>
-            <a:pPr indent="0" lvl="0" marL="0" rtl="0" algn="ctr">
+            <a:pPr marL="0" lvl="0" indent="0" algn="ctr" rtl="0">
               <a:lnSpc>
                 <a:spcPct val="115000"/>
               </a:lnSpc>
@@ -12182,7 +12325,7 @@
             </a:endParaRPr>
           </a:p>
           <a:p>
-            <a:pPr indent="0" lvl="0" marL="0" rtl="0" algn="ctr">
+            <a:pPr marL="0" lvl="0" indent="0" algn="ctr" rtl="0">
               <a:lnSpc>
                 <a:spcPct val="115000"/>
               </a:lnSpc>
@@ -12210,7 +12353,7 @@
             </a:endParaRPr>
           </a:p>
           <a:p>
-            <a:pPr indent="0" lvl="0" marL="0" rtl="0" algn="ctr">
+            <a:pPr marL="0" lvl="0" indent="0" algn="ctr" rtl="0">
               <a:lnSpc>
                 <a:spcPct val="115000"/>
               </a:lnSpc>
@@ -12223,9 +12366,6 @@
               <a:buSzPts val="1800"/>
               <a:buNone/>
             </a:pPr>
-            <a:r>
-              <a:t/>
-            </a:r>
             <a:endParaRPr sz="2000">
               <a:solidFill>
                 <a:schemeClr val="dk1"/>
@@ -12233,7 +12373,7 @@
             </a:endParaRPr>
           </a:p>
           <a:p>
-            <a:pPr indent="0" lvl="0" marL="0" rtl="0" algn="l">
+            <a:pPr marL="0" lvl="0" indent="0" algn="l" rtl="0">
               <a:lnSpc>
                 <a:spcPct val="115000"/>
               </a:lnSpc>
@@ -12246,9 +12386,6 @@
               <a:buSzPts val="1800"/>
               <a:buNone/>
             </a:pPr>
-            <a:r>
-              <a:t/>
-            </a:r>
             <a:endParaRPr/>
           </a:p>
         </p:txBody>
@@ -12262,11 +12399,11 @@
 </file>
 
 <file path=ppt/slides/slide8.xml><?xml version="1.0" encoding="utf-8"?>
-<p:sld xmlns:a="http://schemas.openxmlformats.org/drawingml/2006/main" xmlns:r="http://schemas.openxmlformats.org/officeDocument/2006/relationships" xmlns:mc="http://schemas.openxmlformats.org/markup-compatibility/2006" xmlns:mv="urn:schemas-microsoft-com:mac:vml" xmlns:p="http://schemas.openxmlformats.org/presentationml/2006/main" xmlns:c="http://schemas.openxmlformats.org/drawingml/2006/chart" xmlns:dgm="http://schemas.openxmlformats.org/drawingml/2006/diagram" xmlns:o="urn:schemas-microsoft-com:office:office" xmlns:v="urn:schemas-microsoft-com:vml" xmlns:pvml="urn:schemas-microsoft-com:office:powerpoint" xmlns:com="http://schemas.openxmlformats.org/drawingml/2006/compatibility" xmlns:p14="http://schemas.microsoft.com/office/powerpoint/2010/main" xmlns:p15="http://schemas.microsoft.com/office/powerpoint/2012/main" xmlns:ahyp="http://schemas.microsoft.com/office/drawing/2018/hyperlinkcolor">
+<p:sld xmlns:a="http://schemas.openxmlformats.org/drawingml/2006/main" xmlns:r="http://schemas.openxmlformats.org/officeDocument/2006/relationships" xmlns:p="http://schemas.openxmlformats.org/presentationml/2006/main">
   <p:cSld>
     <p:spTree>
       <p:nvGrpSpPr>
-        <p:cNvPr id="95" name="Shape 95"/>
+        <p:cNvPr id="1" name="Shape 95"/>
         <p:cNvGrpSpPr/>
         <p:nvPr/>
       </p:nvGrpSpPr>
@@ -12281,7 +12418,9 @@
       <p:sp>
         <p:nvSpPr>
           <p:cNvPr id="96" name="Google Shape;96;g17980f8dc43_0_8"/>
-          <p:cNvSpPr txBox="1"/>
+          <p:cNvSpPr txBox="1">
+            <a:spLocks noGrp="1"/>
+          </p:cNvSpPr>
           <p:nvPr>
             <p:ph type="title"/>
           </p:nvPr>
@@ -12300,12 +12439,12 @@
           </a:ln>
         </p:spPr>
         <p:txBody>
-          <a:bodyPr anchorCtr="0" anchor="t" bIns="91425" lIns="91425" spcFirstLastPara="1" rIns="91425" wrap="square" tIns="91425">
+          <a:bodyPr spcFirstLastPara="1" wrap="square" lIns="91425" tIns="91425" rIns="91425" bIns="91425" anchor="t" anchorCtr="0">
             <a:normAutofit fontScale="90000"/>
           </a:bodyPr>
           <a:lstStyle/>
           <a:p>
-            <a:pPr indent="0" lvl="0" marL="0" rtl="0" algn="l">
+            <a:pPr marL="0" lvl="0" indent="0" algn="l" rtl="0">
               <a:lnSpc>
                 <a:spcPct val="100000"/>
               </a:lnSpc>
@@ -12329,9 +12468,11 @@
       <p:sp>
         <p:nvSpPr>
           <p:cNvPr id="97" name="Google Shape;97;g17980f8dc43_0_8"/>
-          <p:cNvSpPr txBox="1"/>
+          <p:cNvSpPr txBox="1">
+            <a:spLocks noGrp="1"/>
+          </p:cNvSpPr>
           <p:nvPr>
-            <p:ph idx="1" type="body"/>
+            <p:ph type="body" idx="1"/>
           </p:nvPr>
         </p:nvSpPr>
         <p:spPr>
@@ -12348,12 +12489,12 @@
           </a:ln>
         </p:spPr>
         <p:txBody>
-          <a:bodyPr anchorCtr="0" anchor="t" bIns="91425" lIns="91425" spcFirstLastPara="1" rIns="91425" wrap="square" tIns="91425">
+          <a:bodyPr spcFirstLastPara="1" wrap="square" lIns="91425" tIns="91425" rIns="91425" bIns="91425" anchor="t" anchorCtr="0">
             <a:normAutofit/>
           </a:bodyPr>
           <a:lstStyle/>
           <a:p>
-            <a:pPr indent="0" lvl="0" marL="0" rtl="0" algn="l">
+            <a:pPr marL="0" lvl="0" indent="0" algn="l" rtl="0">
               <a:lnSpc>
                 <a:spcPct val="115000"/>
               </a:lnSpc>
@@ -12367,21 +12508,21 @@
               <a:buNone/>
             </a:pPr>
             <a:r>
-              <a:rPr lang="pt-BR">
+              <a:rPr lang="pt-BR" dirty="0">
                 <a:solidFill>
                   <a:schemeClr val="dk1"/>
                 </a:solidFill>
               </a:rPr>
-              <a:t>Bom pessoal o material da oficina é pra vocês, meus repositórios utilizando estão públicos e o Drive com alguns outros materiais é de propriedade da PUC, e está disponível  para acesso de vocẽs.</a:t>
+              <a:t>Bom pessoal o material da oficina é pra vocês, os repositórios utilizados estão públicos, e está disponível  para acesso de vocês.</a:t>
             </a:r>
-            <a:endParaRPr>
+            <a:endParaRPr dirty="0">
               <a:solidFill>
                 <a:schemeClr val="dk1"/>
               </a:solidFill>
             </a:endParaRPr>
           </a:p>
           <a:p>
-            <a:pPr indent="0" lvl="0" marL="0" rtl="0" algn="l">
+            <a:pPr marL="0" lvl="0" indent="0" algn="l" rtl="0">
               <a:lnSpc>
                 <a:spcPct val="115000"/>
               </a:lnSpc>
@@ -12394,10 +12535,7 @@
               <a:buSzPts val="1800"/>
               <a:buNone/>
             </a:pPr>
-            <a:r>
-              <a:t/>
-            </a:r>
-            <a:endParaRPr/>
+            <a:endParaRPr dirty="0"/>
           </a:p>
         </p:txBody>
       </p:sp>
@@ -12410,11 +12548,11 @@
 </file>
 
 <file path=ppt/slides/slide9.xml><?xml version="1.0" encoding="utf-8"?>
-<p:sld xmlns:a="http://schemas.openxmlformats.org/drawingml/2006/main" xmlns:r="http://schemas.openxmlformats.org/officeDocument/2006/relationships" xmlns:mc="http://schemas.openxmlformats.org/markup-compatibility/2006" xmlns:mv="urn:schemas-microsoft-com:mac:vml" xmlns:p="http://schemas.openxmlformats.org/presentationml/2006/main" xmlns:c="http://schemas.openxmlformats.org/drawingml/2006/chart" xmlns:dgm="http://schemas.openxmlformats.org/drawingml/2006/diagram" xmlns:o="urn:schemas-microsoft-com:office:office" xmlns:v="urn:schemas-microsoft-com:vml" xmlns:pvml="urn:schemas-microsoft-com:office:powerpoint" xmlns:com="http://schemas.openxmlformats.org/drawingml/2006/compatibility" xmlns:p14="http://schemas.microsoft.com/office/powerpoint/2010/main" xmlns:p15="http://schemas.microsoft.com/office/powerpoint/2012/main" xmlns:ahyp="http://schemas.microsoft.com/office/drawing/2018/hyperlinkcolor">
+<p:sld xmlns:a="http://schemas.openxmlformats.org/drawingml/2006/main" xmlns:r="http://schemas.openxmlformats.org/officeDocument/2006/relationships" xmlns:p="http://schemas.openxmlformats.org/presentationml/2006/main">
   <p:cSld>
     <p:spTree>
       <p:nvGrpSpPr>
-        <p:cNvPr id="101" name="Shape 101"/>
+        <p:cNvPr id="1" name="Shape 101"/>
         <p:cNvGrpSpPr/>
         <p:nvPr/>
       </p:nvGrpSpPr>
@@ -12429,7 +12567,9 @@
       <p:sp>
         <p:nvSpPr>
           <p:cNvPr id="102" name="Google Shape;102;p8"/>
-          <p:cNvSpPr txBox="1"/>
+          <p:cNvSpPr txBox="1">
+            <a:spLocks noGrp="1"/>
+          </p:cNvSpPr>
           <p:nvPr>
             <p:ph type="title"/>
           </p:nvPr>
@@ -12448,12 +12588,12 @@
           </a:ln>
         </p:spPr>
         <p:txBody>
-          <a:bodyPr anchorCtr="0" anchor="t" bIns="91425" lIns="91425" spcFirstLastPara="1" rIns="91425" wrap="square" tIns="91425">
+          <a:bodyPr spcFirstLastPara="1" wrap="square" lIns="91425" tIns="91425" rIns="91425" bIns="91425" anchor="t" anchorCtr="0">
             <a:normAutofit fontScale="90000"/>
           </a:bodyPr>
           <a:lstStyle/>
           <a:p>
-            <a:pPr indent="0" lvl="0" marL="0" rtl="0" algn="l">
+            <a:pPr marL="0" lvl="0" indent="0" algn="l" rtl="0">
               <a:lnSpc>
                 <a:spcPct val="100000"/>
               </a:lnSpc>
@@ -12477,9 +12617,11 @@
       <p:sp>
         <p:nvSpPr>
           <p:cNvPr id="103" name="Google Shape;103;p8"/>
-          <p:cNvSpPr txBox="1"/>
+          <p:cNvSpPr txBox="1">
+            <a:spLocks noGrp="1"/>
+          </p:cNvSpPr>
           <p:nvPr>
-            <p:ph idx="1" type="body"/>
+            <p:ph type="body" idx="1"/>
           </p:nvPr>
         </p:nvSpPr>
         <p:spPr>
@@ -12496,12 +12638,12 @@
           </a:ln>
         </p:spPr>
         <p:txBody>
-          <a:bodyPr anchorCtr="0" anchor="t" bIns="91425" lIns="91425" spcFirstLastPara="1" rIns="91425" wrap="square" tIns="91425">
+          <a:bodyPr spcFirstLastPara="1" wrap="square" lIns="91425" tIns="91425" rIns="91425" bIns="91425" anchor="t" anchorCtr="0">
             <a:normAutofit fontScale="32500"/>
           </a:bodyPr>
           <a:lstStyle/>
           <a:p>
-            <a:pPr indent="0" lvl="0" marL="0" rtl="0" algn="l">
+            <a:pPr marL="0" lvl="0" indent="0" algn="l" rtl="0">
               <a:lnSpc>
                 <a:spcPct val="115000"/>
               </a:lnSpc>
@@ -12529,7 +12671,7 @@
             </a:endParaRPr>
           </a:p>
           <a:p>
-            <a:pPr indent="0" lvl="0" marL="0" rtl="0" algn="l">
+            <a:pPr marL="0" lvl="0" indent="0" algn="l" rtl="0">
               <a:lnSpc>
                 <a:spcPct val="115000"/>
               </a:lnSpc>
@@ -12557,7 +12699,7 @@
             </a:endParaRPr>
           </a:p>
           <a:p>
-            <a:pPr indent="0" lvl="0" marL="0" rtl="0" algn="l">
+            <a:pPr marL="0" lvl="0" indent="0" algn="l" rtl="0">
               <a:lnSpc>
                 <a:spcPct val="115000"/>
               </a:lnSpc>
@@ -12585,7 +12727,7 @@
             </a:endParaRPr>
           </a:p>
           <a:p>
-            <a:pPr indent="0" lvl="0" marL="0" rtl="0" algn="l">
+            <a:pPr marL="0" lvl="0" indent="0" algn="l" rtl="0">
               <a:lnSpc>
                 <a:spcPct val="115000"/>
               </a:lnSpc>
@@ -12613,7 +12755,7 @@
             </a:endParaRPr>
           </a:p>
           <a:p>
-            <a:pPr indent="0" lvl="0" marL="0" rtl="0" algn="l">
+            <a:pPr marL="0" lvl="0" indent="0" algn="l" rtl="0">
               <a:lnSpc>
                 <a:spcPct val="115000"/>
               </a:lnSpc>
@@ -12626,9 +12768,6 @@
               <a:buSzPct val="42200"/>
               <a:buNone/>
             </a:pPr>
-            <a:r>
-              <a:t/>
-            </a:r>
             <a:endParaRPr sz="4265">
               <a:solidFill>
                 <a:schemeClr val="dk1"/>
@@ -12636,7 +12775,7 @@
             </a:endParaRPr>
           </a:p>
           <a:p>
-            <a:pPr indent="0" lvl="0" marL="0" rtl="0" algn="l">
+            <a:pPr marL="0" lvl="0" indent="0" algn="l" rtl="0">
               <a:lnSpc>
                 <a:spcPct val="115000"/>
               </a:lnSpc>
@@ -12664,7 +12803,7 @@
             </a:endParaRPr>
           </a:p>
           <a:p>
-            <a:pPr indent="0" lvl="0" marL="0" rtl="0" algn="l">
+            <a:pPr marL="0" lvl="0" indent="0" algn="l" rtl="0">
               <a:lnSpc>
                 <a:spcPct val="115000"/>
               </a:lnSpc>
@@ -12677,9 +12816,6 @@
               <a:buSzPct val="100000"/>
               <a:buNone/>
             </a:pPr>
-            <a:r>
-              <a:t/>
-            </a:r>
             <a:endParaRPr>
               <a:solidFill>
                 <a:schemeClr val="dk1"/>
@@ -12687,7 +12823,7 @@
             </a:endParaRPr>
           </a:p>
           <a:p>
-            <a:pPr indent="0" lvl="0" marL="0" rtl="0" algn="l">
+            <a:pPr marL="0" lvl="0" indent="0" algn="l" rtl="0">
               <a:lnSpc>
                 <a:spcPct val="115000"/>
               </a:lnSpc>
@@ -12725,7 +12861,7 @@
 </file>
 
 <file path=ppt/theme/theme1.xml><?xml version="1.0" encoding="utf-8"?>
-<a:theme xmlns:a="http://schemas.openxmlformats.org/drawingml/2006/main" xmlns:r="http://schemas.openxmlformats.org/officeDocument/2006/relationships" name="Simple Dark">
+<a:theme xmlns:a="http://schemas.openxmlformats.org/drawingml/2006/main" name="Simple Dark">
   <a:themeElements>
     <a:clrScheme name="Simple Dark">
       <a:dk1>
@@ -13000,11 +13136,13 @@
       </a:bgFillStyleLst>
     </a:fmtScheme>
   </a:themeElements>
+  <a:objectDefaults/>
+  <a:extraClrSchemeLst/>
 </a:theme>
 </file>
 
 <file path=ppt/theme/theme2.xml><?xml version="1.0" encoding="utf-8"?>
-<a:theme xmlns:a="http://schemas.openxmlformats.org/drawingml/2006/main" xmlns:r="http://schemas.openxmlformats.org/officeDocument/2006/relationships">
+<a:theme xmlns:a="http://schemas.openxmlformats.org/drawingml/2006/main">
   <a:themeElements>
     <a:clrScheme name="Default">
       <a:dk1>
@@ -13279,5 +13417,7 @@
       </a:bgFillStyleLst>
     </a:fmtScheme>
   </a:themeElements>
+  <a:objectDefaults/>
+  <a:extraClrSchemeLst/>
 </a:theme>
 </file>